--- a/slides/instruction/principleWindows_3.pptx
+++ b/slides/instruction/principleWindows_3.pptx
@@ -5918,7 +5918,7 @@
   <dgm:whole/>
   <dgm:extLst>
     <a:ext uri="http://schemas.microsoft.com/office/drawing/2008/diagram">
-      <dsp:dataModelExt xmlns:dsp="http://schemas.microsoft.com/office/drawing/2008/diagram" relId="rId6" minVer="http://schemas.openxmlformats.org/drawingml/2006/diagram"/>
+      <dsp:dataModelExt xmlns:dsp="http://schemas.microsoft.com/office/drawing/2008/diagram" relId="rId7" minVer="http://schemas.openxmlformats.org/drawingml/2006/diagram"/>
     </a:ext>
   </dgm:extLst>
 </dgm:dataModel>
@@ -21869,7 +21869,7 @@
           <a:p>
             <a:fld id="{62B690D2-9F6C-4A40-B045-5871089CDE7B}" type="datetimeFigureOut">
               <a:rPr lang="zh-CN" altLang="en-US" smtClean="0"/>
-              <a:t>2020/9/23</a:t>
+              <a:t>2021/10/7</a:t>
             </a:fld>
             <a:endParaRPr lang="zh-CN" altLang="en-US"/>
           </a:p>
@@ -22180,101 +22180,7 @@
           <a:bodyPr/>
           <a:lstStyle/>
           <a:p>
-            <a:r>
-              <a:rPr lang="en-US" altLang="zh-CN" dirty="0"/>
-              <a:t>Lambda</a:t>
-            </a:r>
-            <a:r>
-              <a:rPr lang="zh-CN" altLang="en-US" dirty="0"/>
-              <a:t>表达式来自于</a:t>
-            </a:r>
-            <a:r>
-              <a:rPr lang="en-US" altLang="zh-CN" dirty="0"/>
-              <a:t>FP</a:t>
-            </a:r>
-            <a:r>
-              <a:rPr lang="zh-CN" altLang="en-US" dirty="0"/>
-              <a:t>（</a:t>
-            </a:r>
-            <a:r>
-              <a:rPr lang="en-US" altLang="zh-CN" sz="1200" b="0" i="0" kern="1200" dirty="0">
-                <a:solidFill>
-                  <a:schemeClr val="tx1"/>
-                </a:solidFill>
-                <a:effectLst/>
-                <a:latin typeface="+mn-lt"/>
-                <a:ea typeface="+mn-ea"/>
-                <a:cs typeface="+mn-cs"/>
-              </a:rPr>
-              <a:t>Functional Programming</a:t>
-            </a:r>
-            <a:r>
-              <a:rPr lang="zh-CN" altLang="en-US" dirty="0"/>
-              <a:t>），是一种</a:t>
-            </a:r>
-            <a:r>
-              <a:rPr lang="en-US" altLang="zh-CN" dirty="0"/>
-              <a:t>"</a:t>
-            </a:r>
-            <a:r>
-              <a:rPr lang="zh-CN" altLang="en-US" dirty="0"/>
-              <a:t>编程范式</a:t>
-            </a:r>
-            <a:r>
-              <a:rPr lang="en-US" altLang="zh-CN" dirty="0"/>
-              <a:t>"</a:t>
-            </a:r>
-            <a:r>
-              <a:rPr lang="zh-CN" altLang="en-US" dirty="0"/>
-              <a:t>（</a:t>
-            </a:r>
-            <a:r>
-              <a:rPr lang="en-US" altLang="zh-CN" dirty="0"/>
-              <a:t>programming paradigm</a:t>
-            </a:r>
-            <a:r>
-              <a:rPr lang="zh-CN" altLang="en-US" dirty="0"/>
-              <a:t>），也就是如何编写程序的方法论。属于</a:t>
-            </a:r>
-            <a:r>
-              <a:rPr lang="en-US" altLang="zh-CN" dirty="0"/>
-              <a:t>"</a:t>
-            </a:r>
-            <a:r>
-              <a:rPr lang="zh-CN" altLang="en-US" dirty="0"/>
-              <a:t>结构化编程</a:t>
-            </a:r>
-            <a:r>
-              <a:rPr lang="en-US" altLang="zh-CN" dirty="0"/>
-              <a:t>"</a:t>
-            </a:r>
-            <a:r>
-              <a:rPr lang="zh-CN" altLang="en-US" dirty="0"/>
-              <a:t>的一种，主要思想是把运算过程尽量写成一系列嵌套的函数调用。</a:t>
-            </a:r>
-            <a:endParaRPr lang="en-US" altLang="zh-CN" dirty="0"/>
-          </a:p>
-          <a:p>
-            <a:r>
-              <a:rPr lang="zh-CN" altLang="en-US" dirty="0"/>
-              <a:t>函数式编程（</a:t>
-            </a:r>
-            <a:r>
-              <a:rPr lang="en-US" altLang="zh-CN" sz="1200" b="0" i="0" kern="1200" dirty="0">
-                <a:solidFill>
-                  <a:schemeClr val="tx1"/>
-                </a:solidFill>
-                <a:effectLst/>
-                <a:latin typeface="+mn-lt"/>
-                <a:ea typeface="+mn-ea"/>
-                <a:cs typeface="+mn-cs"/>
-              </a:rPr>
-              <a:t>Functional Programming</a:t>
-            </a:r>
-            <a:r>
-              <a:rPr lang="zh-CN" altLang="en-US" dirty="0"/>
-              <a:t>）：函数与其他数据类型一样，处于平等地位，可以赋值给其他变量，也可以作为参数，传入另一个函数，或者作为别的函数的返回值。</a:t>
-            </a:r>
+            <a:endParaRPr lang="zh-CN" altLang="en-US" dirty="0"/>
           </a:p>
         </p:txBody>
       </p:sp>
@@ -22295,7 +22201,7 @@
           <a:p>
             <a:fld id="{FF6B7014-1CA7-42FF-9E69-87C27AE33F47}" type="slidenum">
               <a:rPr lang="zh-CN" altLang="en-US" smtClean="0"/>
-              <a:t>12</a:t>
+              <a:t>1</a:t>
             </a:fld>
             <a:endParaRPr lang="zh-CN" altLang="en-US"/>
           </a:p>
@@ -22304,7 +22210,7 @@
     </p:spTree>
     <p:extLst>
       <p:ext uri="{BB962C8B-B14F-4D97-AF65-F5344CB8AC3E}">
-        <p14:creationId xmlns:p14="http://schemas.microsoft.com/office/powerpoint/2010/main" val="2320680822"/>
+        <p14:creationId xmlns:p14="http://schemas.microsoft.com/office/powerpoint/2010/main" val="278208314"/>
       </p:ext>
     </p:extLst>
   </p:cSld>
@@ -22358,102 +22264,6 @@
           <a:bodyPr/>
           <a:lstStyle/>
           <a:p>
-            <a:r>
-              <a:rPr lang="en-US" altLang="zh-CN" sz="1200" kern="1200" dirty="0">
-                <a:solidFill>
-                  <a:schemeClr val="tx1"/>
-                </a:solidFill>
-                <a:effectLst/>
-                <a:latin typeface="+mn-lt"/>
-                <a:ea typeface="+mn-ea"/>
-                <a:cs typeface="+mn-cs"/>
-              </a:rPr>
-              <a:t>foreach</a:t>
-            </a:r>
-            <a:r>
-              <a:rPr lang="en-US" altLang="zh-CN" dirty="0"/>
-              <a:t> (</a:t>
-            </a:r>
-            <a:r>
-              <a:rPr lang="en-US" altLang="zh-CN" dirty="0" err="1"/>
-              <a:t>ParameterInfo</a:t>
-            </a:r>
-            <a:r>
-              <a:rPr lang="en-US" altLang="zh-CN" dirty="0"/>
-              <a:t> </a:t>
-            </a:r>
-            <a:r>
-              <a:rPr lang="en-US" altLang="zh-CN" dirty="0" err="1"/>
-              <a:t>parInfo</a:t>
-            </a:r>
-            <a:r>
-              <a:rPr lang="en-US" altLang="zh-CN" dirty="0"/>
-              <a:t> </a:t>
-            </a:r>
-            <a:r>
-              <a:rPr lang="en-US" altLang="zh-CN" sz="1200" kern="1200" dirty="0">
-                <a:solidFill>
-                  <a:schemeClr val="tx1"/>
-                </a:solidFill>
-                <a:effectLst/>
-                <a:latin typeface="+mn-lt"/>
-                <a:ea typeface="+mn-ea"/>
-                <a:cs typeface="+mn-cs"/>
-              </a:rPr>
-              <a:t>in </a:t>
-            </a:r>
-            <a:r>
-              <a:rPr lang="en-US" altLang="zh-CN" sz="1200" kern="1200" dirty="0" err="1">
-                <a:solidFill>
-                  <a:schemeClr val="tx1"/>
-                </a:solidFill>
-                <a:effectLst/>
-                <a:latin typeface="+mn-lt"/>
-                <a:ea typeface="+mn-ea"/>
-                <a:cs typeface="+mn-cs"/>
-              </a:rPr>
-              <a:t>method.GetParameters</a:t>
-            </a:r>
-            <a:r>
-              <a:rPr lang="en-US" altLang="zh-CN" sz="1200" kern="1200" dirty="0">
-                <a:solidFill>
-                  <a:schemeClr val="tx1"/>
-                </a:solidFill>
-                <a:effectLst/>
-                <a:latin typeface="+mn-lt"/>
-                <a:ea typeface="+mn-ea"/>
-                <a:cs typeface="+mn-cs"/>
-              </a:rPr>
-              <a:t>()) {</a:t>
-            </a:r>
-          </a:p>
-          <a:p>
-            <a:r>
-              <a:rPr lang="en-US" altLang="zh-CN" dirty="0"/>
-              <a:t>    if (</a:t>
-            </a:r>
-            <a:r>
-              <a:rPr lang="en-US" altLang="zh-CN" dirty="0" err="1"/>
-              <a:t>parInfo.IsOut</a:t>
-            </a:r>
-            <a:r>
-              <a:rPr lang="en-US" altLang="zh-CN" dirty="0"/>
-              <a:t>)  { …</a:t>
-            </a:r>
-            <a:r>
-              <a:rPr lang="zh-CN" altLang="en-US" dirty="0"/>
-              <a:t> </a:t>
-            </a:r>
-            <a:r>
-              <a:rPr lang="en-US" altLang="zh-CN" dirty="0"/>
-              <a:t>}</a:t>
-            </a:r>
-          </a:p>
-          <a:p>
-            <a:r>
-              <a:rPr lang="en-US" altLang="zh-CN" dirty="0"/>
-              <a:t>}</a:t>
-            </a:r>
             <a:endParaRPr lang="zh-CN" altLang="en-US" dirty="0"/>
           </a:p>
         </p:txBody>
@@ -22475,6 +22285,455 @@
           <a:p>
             <a:fld id="{FF6B7014-1CA7-42FF-9E69-87C27AE33F47}" type="slidenum">
               <a:rPr lang="zh-CN" altLang="en-US" smtClean="0"/>
+              <a:t>34</a:t>
+            </a:fld>
+            <a:endParaRPr lang="zh-CN" altLang="en-US"/>
+          </a:p>
+        </p:txBody>
+      </p:sp>
+    </p:spTree>
+    <p:extLst>
+      <p:ext uri="{BB962C8B-B14F-4D97-AF65-F5344CB8AC3E}">
+        <p14:creationId xmlns:p14="http://schemas.microsoft.com/office/powerpoint/2010/main" val="3934248989"/>
+      </p:ext>
+    </p:extLst>
+  </p:cSld>
+  <p:clrMapOvr>
+    <a:masterClrMapping/>
+  </p:clrMapOvr>
+</p:notes>
+</file>
+
+<file path=ppt/notesSlides/notesSlide11.xml><?xml version="1.0" encoding="utf-8"?>
+<p:notes xmlns:a="http://schemas.openxmlformats.org/drawingml/2006/main" xmlns:r="http://schemas.openxmlformats.org/officeDocument/2006/relationships" xmlns:p="http://schemas.openxmlformats.org/presentationml/2006/main">
+  <p:cSld>
+    <p:spTree>
+      <p:nvGrpSpPr>
+        <p:cNvPr id="1" name=""/>
+        <p:cNvGrpSpPr/>
+        <p:nvPr/>
+      </p:nvGrpSpPr>
+      <p:grpSpPr>
+        <a:xfrm>
+          <a:off x="0" y="0"/>
+          <a:ext cx="0" cy="0"/>
+          <a:chOff x="0" y="0"/>
+          <a:chExt cx="0" cy="0"/>
+        </a:xfrm>
+      </p:grpSpPr>
+      <p:sp>
+        <p:nvSpPr>
+          <p:cNvPr id="2" name="幻灯片图像占位符 1"/>
+          <p:cNvSpPr>
+            <a:spLocks noGrp="1" noRot="1" noChangeAspect="1"/>
+          </p:cNvSpPr>
+          <p:nvPr>
+            <p:ph type="sldImg"/>
+          </p:nvPr>
+        </p:nvSpPr>
+        <p:spPr/>
+      </p:sp>
+      <p:sp>
+        <p:nvSpPr>
+          <p:cNvPr id="3" name="备注占位符 2"/>
+          <p:cNvSpPr>
+            <a:spLocks noGrp="1"/>
+          </p:cNvSpPr>
+          <p:nvPr>
+            <p:ph type="body" idx="1"/>
+          </p:nvPr>
+        </p:nvSpPr>
+        <p:spPr/>
+        <p:txBody>
+          <a:bodyPr/>
+          <a:lstStyle/>
+          <a:p>
+            <a:r>
+              <a:rPr lang="zh-CN" altLang="en-US" sz="1200" b="0" i="0" kern="1200" dirty="0">
+                <a:solidFill>
+                  <a:schemeClr val="tx1"/>
+                </a:solidFill>
+                <a:effectLst/>
+                <a:latin typeface="+mn-lt"/>
+                <a:ea typeface="+mn-ea"/>
+                <a:cs typeface="+mn-cs"/>
+              </a:rPr>
+              <a:t>参见 </a:t>
+            </a:r>
+            <a:r>
+              <a:rPr lang="en-US" altLang="zh-CN" sz="1200" b="0" i="0" kern="1200" dirty="0">
+                <a:solidFill>
+                  <a:schemeClr val="tx1"/>
+                </a:solidFill>
+                <a:effectLst/>
+                <a:latin typeface="+mn-lt"/>
+                <a:ea typeface="+mn-ea"/>
+                <a:cs typeface="+mn-cs"/>
+              </a:rPr>
+              <a:t>https://blog.csdn.net/weixin_41049188/article/details/100109624</a:t>
+            </a:r>
+          </a:p>
+          <a:p>
+            <a:r>
+              <a:rPr lang="en-US" altLang="zh-CN" sz="1200" b="0" i="0" kern="1200" dirty="0" err="1">
+                <a:solidFill>
+                  <a:schemeClr val="tx1"/>
+                </a:solidFill>
+                <a:effectLst/>
+                <a:latin typeface="+mn-lt"/>
+                <a:ea typeface="+mn-ea"/>
+                <a:cs typeface="+mn-cs"/>
+              </a:rPr>
+              <a:t>WaitHandle</a:t>
+            </a:r>
+            <a:r>
+              <a:rPr lang="zh-CN" altLang="en-US" sz="1200" b="0" i="0" kern="1200" dirty="0">
+                <a:solidFill>
+                  <a:schemeClr val="tx1"/>
+                </a:solidFill>
+                <a:effectLst/>
+                <a:latin typeface="+mn-lt"/>
+                <a:ea typeface="+mn-ea"/>
+                <a:cs typeface="+mn-cs"/>
+              </a:rPr>
+              <a:t>：是一个抽象类，我们一般不直接用，而是用它的派生类：</a:t>
+            </a:r>
+          </a:p>
+          <a:p>
+            <a:r>
+              <a:rPr lang="en-US" altLang="zh-CN" sz="1200" b="1" i="0" kern="1200" dirty="0">
+                <a:solidFill>
+                  <a:schemeClr val="tx1"/>
+                </a:solidFill>
+                <a:effectLst/>
+                <a:latin typeface="+mn-lt"/>
+                <a:ea typeface="+mn-ea"/>
+                <a:cs typeface="+mn-cs"/>
+              </a:rPr>
+              <a:t>1. </a:t>
+            </a:r>
+            <a:r>
+              <a:rPr lang="en-US" altLang="zh-CN" sz="1200" b="1" i="0" kern="1200" dirty="0" err="1">
+                <a:solidFill>
+                  <a:schemeClr val="tx1"/>
+                </a:solidFill>
+                <a:effectLst/>
+                <a:latin typeface="+mn-lt"/>
+                <a:ea typeface="+mn-ea"/>
+                <a:cs typeface="+mn-cs"/>
+              </a:rPr>
+              <a:t>AutoResetEvent</a:t>
+            </a:r>
+            <a:endParaRPr lang="en-US" altLang="zh-CN" sz="1200" b="0" i="0" kern="1200" dirty="0">
+              <a:solidFill>
+                <a:schemeClr val="tx1"/>
+              </a:solidFill>
+              <a:effectLst/>
+              <a:latin typeface="+mn-lt"/>
+              <a:ea typeface="+mn-ea"/>
+              <a:cs typeface="+mn-cs"/>
+            </a:endParaRPr>
+          </a:p>
+          <a:p>
+            <a:r>
+              <a:rPr lang="en-US" altLang="zh-CN" sz="1200" b="1" i="0" kern="1200" dirty="0">
+                <a:solidFill>
+                  <a:schemeClr val="tx1"/>
+                </a:solidFill>
+                <a:effectLst/>
+                <a:latin typeface="+mn-lt"/>
+                <a:ea typeface="+mn-ea"/>
+                <a:cs typeface="+mn-cs"/>
+              </a:rPr>
+              <a:t>2. </a:t>
+            </a:r>
+            <a:r>
+              <a:rPr lang="en-US" altLang="zh-CN" sz="1200" b="1" i="0" kern="1200" dirty="0" err="1">
+                <a:solidFill>
+                  <a:schemeClr val="tx1"/>
+                </a:solidFill>
+                <a:effectLst/>
+                <a:latin typeface="+mn-lt"/>
+                <a:ea typeface="+mn-ea"/>
+                <a:cs typeface="+mn-cs"/>
+              </a:rPr>
+              <a:t>EventWaitHandle</a:t>
+            </a:r>
+            <a:endParaRPr lang="en-US" altLang="zh-CN" sz="1200" b="0" i="0" kern="1200" dirty="0">
+              <a:solidFill>
+                <a:schemeClr val="tx1"/>
+              </a:solidFill>
+              <a:effectLst/>
+              <a:latin typeface="+mn-lt"/>
+              <a:ea typeface="+mn-ea"/>
+              <a:cs typeface="+mn-cs"/>
+            </a:endParaRPr>
+          </a:p>
+          <a:p>
+            <a:r>
+              <a:rPr lang="en-US" altLang="zh-CN" sz="1200" b="1" i="0" kern="1200" dirty="0">
+                <a:solidFill>
+                  <a:schemeClr val="tx1"/>
+                </a:solidFill>
+                <a:effectLst/>
+                <a:latin typeface="+mn-lt"/>
+                <a:ea typeface="+mn-ea"/>
+                <a:cs typeface="+mn-cs"/>
+              </a:rPr>
+              <a:t>3. </a:t>
+            </a:r>
+            <a:r>
+              <a:rPr lang="en-US" altLang="zh-CN" sz="1200" b="1" i="0" kern="1200" dirty="0" err="1">
+                <a:solidFill>
+                  <a:schemeClr val="tx1"/>
+                </a:solidFill>
+                <a:effectLst/>
+                <a:latin typeface="+mn-lt"/>
+                <a:ea typeface="+mn-ea"/>
+                <a:cs typeface="+mn-cs"/>
+              </a:rPr>
+              <a:t>ManualResetEvent</a:t>
+            </a:r>
+            <a:endParaRPr lang="en-US" altLang="zh-CN" sz="1200" b="0" i="0" kern="1200" dirty="0">
+              <a:solidFill>
+                <a:schemeClr val="tx1"/>
+              </a:solidFill>
+              <a:effectLst/>
+              <a:latin typeface="+mn-lt"/>
+              <a:ea typeface="+mn-ea"/>
+              <a:cs typeface="+mn-cs"/>
+            </a:endParaRPr>
+          </a:p>
+          <a:p>
+            <a:r>
+              <a:rPr lang="en-US" altLang="zh-CN" sz="1200" b="0" i="0" kern="1200" dirty="0">
+                <a:solidFill>
+                  <a:schemeClr val="tx1"/>
+                </a:solidFill>
+                <a:effectLst/>
+                <a:latin typeface="+mn-lt"/>
+                <a:ea typeface="+mn-ea"/>
+                <a:cs typeface="+mn-cs"/>
+              </a:rPr>
+              <a:t>4. Mutex</a:t>
+            </a:r>
+          </a:p>
+          <a:p>
+            <a:r>
+              <a:rPr lang="en-US" altLang="zh-CN" sz="1200" b="0" i="0" kern="1200" dirty="0">
+                <a:solidFill>
+                  <a:schemeClr val="tx1"/>
+                </a:solidFill>
+                <a:effectLst/>
+                <a:latin typeface="+mn-lt"/>
+                <a:ea typeface="+mn-ea"/>
+                <a:cs typeface="+mn-cs"/>
+              </a:rPr>
+              <a:t>5. Semaphore</a:t>
+            </a:r>
+          </a:p>
+          <a:p>
+            <a:endParaRPr lang="zh-CN" altLang="en-US" dirty="0"/>
+          </a:p>
+        </p:txBody>
+      </p:sp>
+      <p:sp>
+        <p:nvSpPr>
+          <p:cNvPr id="4" name="灯片编号占位符 3"/>
+          <p:cNvSpPr>
+            <a:spLocks noGrp="1"/>
+          </p:cNvSpPr>
+          <p:nvPr>
+            <p:ph type="sldNum" sz="quarter" idx="5"/>
+          </p:nvPr>
+        </p:nvSpPr>
+        <p:spPr/>
+        <p:txBody>
+          <a:bodyPr/>
+          <a:lstStyle/>
+          <a:p>
+            <a:fld id="{FF6B7014-1CA7-42FF-9E69-87C27AE33F47}" type="slidenum">
+              <a:rPr lang="zh-CN" altLang="en-US" smtClean="0"/>
+              <a:t>37</a:t>
+            </a:fld>
+            <a:endParaRPr lang="zh-CN" altLang="en-US"/>
+          </a:p>
+        </p:txBody>
+      </p:sp>
+    </p:spTree>
+    <p:extLst>
+      <p:ext uri="{BB962C8B-B14F-4D97-AF65-F5344CB8AC3E}">
+        <p14:creationId xmlns:p14="http://schemas.microsoft.com/office/powerpoint/2010/main" val="1513445381"/>
+      </p:ext>
+    </p:extLst>
+  </p:cSld>
+  <p:clrMapOvr>
+    <a:masterClrMapping/>
+  </p:clrMapOvr>
+</p:notes>
+</file>
+
+<file path=ppt/notesSlides/notesSlide12.xml><?xml version="1.0" encoding="utf-8"?>
+<p:notes xmlns:a="http://schemas.openxmlformats.org/drawingml/2006/main" xmlns:r="http://schemas.openxmlformats.org/officeDocument/2006/relationships" xmlns:p="http://schemas.openxmlformats.org/presentationml/2006/main">
+  <p:cSld>
+    <p:spTree>
+      <p:nvGrpSpPr>
+        <p:cNvPr id="1" name=""/>
+        <p:cNvGrpSpPr/>
+        <p:nvPr/>
+      </p:nvGrpSpPr>
+      <p:grpSpPr>
+        <a:xfrm>
+          <a:off x="0" y="0"/>
+          <a:ext cx="0" cy="0"/>
+          <a:chOff x="0" y="0"/>
+          <a:chExt cx="0" cy="0"/>
+        </a:xfrm>
+      </p:grpSpPr>
+      <p:sp>
+        <p:nvSpPr>
+          <p:cNvPr id="2" name="幻灯片图像占位符 1"/>
+          <p:cNvSpPr>
+            <a:spLocks noGrp="1" noRot="1" noChangeAspect="1"/>
+          </p:cNvSpPr>
+          <p:nvPr>
+            <p:ph type="sldImg"/>
+          </p:nvPr>
+        </p:nvSpPr>
+        <p:spPr/>
+      </p:sp>
+      <p:sp>
+        <p:nvSpPr>
+          <p:cNvPr id="3" name="备注占位符 2"/>
+          <p:cNvSpPr>
+            <a:spLocks noGrp="1"/>
+          </p:cNvSpPr>
+          <p:nvPr>
+            <p:ph type="body" idx="1"/>
+          </p:nvPr>
+        </p:nvSpPr>
+        <p:spPr/>
+        <p:txBody>
+          <a:bodyPr/>
+          <a:lstStyle/>
+          <a:p>
+            <a:r>
+              <a:rPr lang="en-US" altLang="zh-CN" sz="1200" kern="1200" dirty="0">
+                <a:solidFill>
+                  <a:schemeClr val="tx1"/>
+                </a:solidFill>
+                <a:effectLst/>
+                <a:latin typeface="+mn-lt"/>
+                <a:ea typeface="+mn-ea"/>
+                <a:cs typeface="+mn-cs"/>
+              </a:rPr>
+              <a:t>foreach</a:t>
+            </a:r>
+            <a:r>
+              <a:rPr lang="en-US" altLang="zh-CN" dirty="0"/>
+              <a:t> (</a:t>
+            </a:r>
+            <a:r>
+              <a:rPr lang="en-US" altLang="zh-CN" dirty="0" err="1"/>
+              <a:t>ParameterInfo</a:t>
+            </a:r>
+            <a:r>
+              <a:rPr lang="en-US" altLang="zh-CN" dirty="0"/>
+              <a:t> </a:t>
+            </a:r>
+            <a:r>
+              <a:rPr lang="en-US" altLang="zh-CN" dirty="0" err="1"/>
+              <a:t>parInfo</a:t>
+            </a:r>
+            <a:r>
+              <a:rPr lang="en-US" altLang="zh-CN" dirty="0"/>
+              <a:t> </a:t>
+            </a:r>
+            <a:r>
+              <a:rPr lang="en-US" altLang="zh-CN" sz="1200" kern="1200" dirty="0">
+                <a:solidFill>
+                  <a:schemeClr val="tx1"/>
+                </a:solidFill>
+                <a:effectLst/>
+                <a:latin typeface="+mn-lt"/>
+                <a:ea typeface="+mn-ea"/>
+                <a:cs typeface="+mn-cs"/>
+              </a:rPr>
+              <a:t>in </a:t>
+            </a:r>
+            <a:r>
+              <a:rPr lang="en-US" altLang="zh-CN" sz="1200" kern="1200" dirty="0" err="1">
+                <a:solidFill>
+                  <a:schemeClr val="tx1"/>
+                </a:solidFill>
+                <a:effectLst/>
+                <a:latin typeface="+mn-lt"/>
+                <a:ea typeface="+mn-ea"/>
+                <a:cs typeface="+mn-cs"/>
+              </a:rPr>
+              <a:t>method.GetParameters</a:t>
+            </a:r>
+            <a:r>
+              <a:rPr lang="en-US" altLang="zh-CN" sz="1200" kern="1200" dirty="0">
+                <a:solidFill>
+                  <a:schemeClr val="tx1"/>
+                </a:solidFill>
+                <a:effectLst/>
+                <a:latin typeface="+mn-lt"/>
+                <a:ea typeface="+mn-ea"/>
+                <a:cs typeface="+mn-cs"/>
+              </a:rPr>
+              <a:t>()) {</a:t>
+            </a:r>
+          </a:p>
+          <a:p>
+            <a:r>
+              <a:rPr lang="en-US" altLang="zh-CN" dirty="0"/>
+              <a:t>    if (</a:t>
+            </a:r>
+            <a:r>
+              <a:rPr lang="en-US" altLang="zh-CN" dirty="0" err="1"/>
+              <a:t>parInfo.IsOut</a:t>
+            </a:r>
+            <a:r>
+              <a:rPr lang="en-US" altLang="zh-CN" dirty="0"/>
+              <a:t>)  { …</a:t>
+            </a:r>
+            <a:r>
+              <a:rPr lang="zh-CN" altLang="en-US" dirty="0"/>
+              <a:t> </a:t>
+            </a:r>
+            <a:r>
+              <a:rPr lang="en-US" altLang="zh-CN" dirty="0"/>
+              <a:t>}</a:t>
+            </a:r>
+          </a:p>
+          <a:p>
+            <a:r>
+              <a:rPr lang="en-US" altLang="zh-CN" dirty="0"/>
+              <a:t>}</a:t>
+            </a:r>
+            <a:endParaRPr lang="zh-CN" altLang="en-US" dirty="0"/>
+          </a:p>
+        </p:txBody>
+      </p:sp>
+      <p:sp>
+        <p:nvSpPr>
+          <p:cNvPr id="4" name="灯片编号占位符 3"/>
+          <p:cNvSpPr>
+            <a:spLocks noGrp="1"/>
+          </p:cNvSpPr>
+          <p:nvPr>
+            <p:ph type="sldNum" sz="quarter" idx="5"/>
+          </p:nvPr>
+        </p:nvSpPr>
+        <p:spPr/>
+        <p:txBody>
+          <a:bodyPr/>
+          <a:lstStyle/>
+          <a:p>
+            <a:fld id="{FF6B7014-1CA7-42FF-9E69-87C27AE33F47}" type="slidenum">
+              <a:rPr lang="zh-CN" altLang="en-US" smtClean="0"/>
               <a:t>39</a:t>
             </a:fld>
             <a:endParaRPr lang="zh-CN" altLang="en-US"/>
@@ -22494,7 +22753,7 @@
 </p:notes>
 </file>
 
-<file path=ppt/notesSlides/notesSlide11.xml><?xml version="1.0" encoding="utf-8"?>
+<file path=ppt/notesSlides/notesSlide13.xml><?xml version="1.0" encoding="utf-8"?>
 <p:notes xmlns:a="http://schemas.openxmlformats.org/drawingml/2006/main" xmlns:r="http://schemas.openxmlformats.org/officeDocument/2006/relationships" xmlns:p="http://schemas.openxmlformats.org/presentationml/2006/main">
   <p:cSld>
     <p:spTree>
@@ -22626,196 +22885,7 @@
           <a:bodyPr/>
           <a:lstStyle/>
           <a:p>
-            <a:r>
-              <a:rPr lang="en-US" altLang="zh-CN" dirty="0" err="1"/>
-              <a:t>Thread.Join</a:t>
-            </a:r>
-            <a:r>
-              <a:rPr lang="en-US" altLang="zh-CN" dirty="0"/>
-              <a:t> ( ) MSDN</a:t>
-            </a:r>
-            <a:r>
-              <a:rPr lang="zh-CN" altLang="en-US" dirty="0"/>
-              <a:t>的解释：阻塞调用线程，直到某个线程终止时为止。首先明确几个问题：</a:t>
-            </a:r>
-          </a:p>
-          <a:p>
             <a:endParaRPr lang="zh-CN" altLang="en-US" dirty="0"/>
-          </a:p>
-          <a:p>
-            <a:r>
-              <a:rPr lang="en-US" altLang="zh-CN" dirty="0"/>
-              <a:t>1</a:t>
-            </a:r>
-            <a:r>
-              <a:rPr lang="zh-CN" altLang="en-US" dirty="0"/>
-              <a:t>、一个进程由一个或者多个线程组成，线程之间有可能会存在一定的先后关系和互斥关系。多线程编程，首先就是要想办法划分线程，减少线程之间的先后关系和互斥关系，这样才能保证线程之间的独立性，各自工作，不受影响。</a:t>
-            </a:r>
-            <a:r>
-              <a:rPr lang="en-US" altLang="zh-CN" dirty="0"/>
-              <a:t>Google</a:t>
-            </a:r>
-            <a:r>
-              <a:rPr lang="zh-CN" altLang="en-US" dirty="0"/>
-              <a:t>的</a:t>
-            </a:r>
-            <a:r>
-              <a:rPr lang="en-US" altLang="zh-CN" dirty="0"/>
-              <a:t>MapReduce</a:t>
-            </a:r>
-            <a:r>
-              <a:rPr lang="zh-CN" altLang="en-US" dirty="0"/>
-              <a:t>核心思想就是尽量减少线程之间的先后关系和互斥关系。</a:t>
-            </a:r>
-          </a:p>
-          <a:p>
-            <a:endParaRPr lang="zh-CN" altLang="en-US" dirty="0"/>
-          </a:p>
-          <a:p>
-            <a:r>
-              <a:rPr lang="en-US" altLang="zh-CN" dirty="0"/>
-              <a:t>2</a:t>
-            </a:r>
-            <a:r>
-              <a:rPr lang="zh-CN" altLang="en-US" dirty="0"/>
-              <a:t>、无论如何地想办法，线程之间还是会存在一定的先后关系和互斥关系，这时候可以使用</a:t>
-            </a:r>
-            <a:r>
-              <a:rPr lang="en-US" altLang="zh-CN" dirty="0" err="1"/>
-              <a:t>Thread.Join</a:t>
-            </a:r>
-            <a:r>
-              <a:rPr lang="zh-CN" altLang="en-US" dirty="0"/>
-              <a:t>方法。</a:t>
-            </a:r>
-          </a:p>
-          <a:p>
-            <a:endParaRPr lang="zh-CN" altLang="en-US" dirty="0"/>
-          </a:p>
-          <a:p>
-            <a:r>
-              <a:rPr lang="en-US" altLang="zh-CN" dirty="0"/>
-              <a:t>3</a:t>
-            </a:r>
-            <a:r>
-              <a:rPr lang="zh-CN" altLang="en-US" dirty="0"/>
-              <a:t>、一个线程在执行的过程中，可能调用另一个线程，前者可以称为调用线程，后者成为被调用线程。</a:t>
-            </a:r>
-          </a:p>
-          <a:p>
-            <a:endParaRPr lang="zh-CN" altLang="en-US" dirty="0"/>
-          </a:p>
-          <a:p>
-            <a:r>
-              <a:rPr lang="en-US" altLang="zh-CN" dirty="0"/>
-              <a:t>4</a:t>
-            </a:r>
-            <a:r>
-              <a:rPr lang="zh-CN" altLang="en-US" dirty="0"/>
-              <a:t>、</a:t>
-            </a:r>
-            <a:r>
-              <a:rPr lang="en-US" altLang="zh-CN" dirty="0" err="1"/>
-              <a:t>Thread.Join</a:t>
-            </a:r>
-            <a:r>
-              <a:rPr lang="zh-CN" altLang="en-US" dirty="0"/>
-              <a:t>方法的使用场景：调用线程挂起，等待被调用线程执行完毕后，继续执行。</a:t>
-            </a:r>
-          </a:p>
-          <a:p>
-            <a:endParaRPr lang="zh-CN" altLang="en-US" dirty="0"/>
-          </a:p>
-          <a:p>
-            <a:r>
-              <a:rPr lang="en-US" altLang="zh-CN" dirty="0"/>
-              <a:t>5</a:t>
-            </a:r>
-            <a:r>
-              <a:rPr lang="zh-CN" altLang="en-US" dirty="0"/>
-              <a:t>、被调用线程执行</a:t>
-            </a:r>
-            <a:r>
-              <a:rPr lang="en-US" altLang="zh-CN" dirty="0"/>
-              <a:t>Join</a:t>
-            </a:r>
-            <a:r>
-              <a:rPr lang="zh-CN" altLang="en-US" dirty="0"/>
-              <a:t>方法，告诉调用线程，你先暂停，我执行完了，你再执行。从而保证了先后关系。</a:t>
-            </a:r>
-          </a:p>
-          <a:p>
-            <a:endParaRPr lang="zh-CN" altLang="en-US" dirty="0"/>
-          </a:p>
-          <a:p>
-            <a:r>
-              <a:rPr lang="en-US" altLang="zh-CN" dirty="0"/>
-              <a:t>6</a:t>
-            </a:r>
-            <a:r>
-              <a:rPr lang="zh-CN" altLang="en-US" dirty="0"/>
-              <a:t>、考虑一种有意思的情况：在当前线程内调用</a:t>
-            </a:r>
-            <a:r>
-              <a:rPr lang="en-US" altLang="zh-CN" dirty="0" err="1"/>
-              <a:t>Thread.CurrentThread.Join</a:t>
-            </a:r>
-            <a:r>
-              <a:rPr lang="en-US" altLang="zh-CN" dirty="0"/>
-              <a:t>() </a:t>
-            </a:r>
-            <a:r>
-              <a:rPr lang="zh-CN" altLang="en-US" dirty="0"/>
-              <a:t>会出现什么情况？分析：假设当前线程为</a:t>
-            </a:r>
-            <a:r>
-              <a:rPr lang="en-US" altLang="zh-CN" dirty="0"/>
-              <a:t>A</a:t>
-            </a:r>
-            <a:r>
-              <a:rPr lang="zh-CN" altLang="en-US" dirty="0"/>
-              <a:t>，此时调用线程为</a:t>
-            </a:r>
-            <a:r>
-              <a:rPr lang="en-US" altLang="zh-CN" dirty="0"/>
-              <a:t>A</a:t>
-            </a:r>
-            <a:r>
-              <a:rPr lang="zh-CN" altLang="en-US" dirty="0"/>
-              <a:t>，被调用线程也为</a:t>
-            </a:r>
-            <a:r>
-              <a:rPr lang="en-US" altLang="zh-CN" dirty="0"/>
-              <a:t>A</a:t>
-            </a:r>
-            <a:r>
-              <a:rPr lang="zh-CN" altLang="en-US" dirty="0"/>
-              <a:t>，由于调用线程</a:t>
-            </a:r>
-            <a:r>
-              <a:rPr lang="en-US" altLang="zh-CN" dirty="0"/>
-              <a:t>A</a:t>
-            </a:r>
-            <a:r>
-              <a:rPr lang="zh-CN" altLang="en-US" dirty="0"/>
-              <a:t>暂停，被调用线程</a:t>
-            </a:r>
-            <a:r>
-              <a:rPr lang="en-US" altLang="zh-CN" dirty="0"/>
-              <a:t>A</a:t>
-            </a:r>
-            <a:r>
-              <a:rPr lang="zh-CN" altLang="en-US" dirty="0"/>
-              <a:t>（也就是调用线程</a:t>
-            </a:r>
-            <a:r>
-              <a:rPr lang="en-US" altLang="zh-CN" dirty="0"/>
-              <a:t>A</a:t>
-            </a:r>
-            <a:r>
-              <a:rPr lang="zh-CN" altLang="en-US" dirty="0"/>
-              <a:t>）永远不会执行完毕，造成死锁。</a:t>
-            </a:r>
           </a:p>
         </p:txBody>
       </p:sp>
@@ -22836,7 +22906,7 @@
           <a:p>
             <a:fld id="{FF6B7014-1CA7-42FF-9E69-87C27AE33F47}" type="slidenum">
               <a:rPr lang="zh-CN" altLang="en-US" smtClean="0"/>
-              <a:t>16</a:t>
+              <a:t>4</a:t>
             </a:fld>
             <a:endParaRPr lang="zh-CN" altLang="en-US"/>
           </a:p>
@@ -22845,7 +22915,7 @@
     </p:spTree>
     <p:extLst>
       <p:ext uri="{BB962C8B-B14F-4D97-AF65-F5344CB8AC3E}">
-        <p14:creationId xmlns:p14="http://schemas.microsoft.com/office/powerpoint/2010/main" val="20801960"/>
+        <p14:creationId xmlns:p14="http://schemas.microsoft.com/office/powerpoint/2010/main" val="3763200695"/>
       </p:ext>
     </p:extLst>
   </p:cSld>
@@ -22901,41 +22971,99 @@
           <a:p>
             <a:r>
               <a:rPr lang="en-US" altLang="zh-CN" dirty="0"/>
-              <a:t>EPYC 7H12</a:t>
+              <a:t>Lambda</a:t>
             </a:r>
             <a:r>
               <a:rPr lang="zh-CN" altLang="en-US" dirty="0"/>
-              <a:t>，</a:t>
+              <a:t>表达式来自于</a:t>
             </a:r>
             <a:r>
               <a:rPr lang="en-US" altLang="zh-CN" dirty="0"/>
-              <a:t>64</a:t>
+              <a:t>FP</a:t>
             </a:r>
             <a:r>
               <a:rPr lang="zh-CN" altLang="en-US" dirty="0"/>
-              <a:t>核</a:t>
+              <a:t>（</a:t>
+            </a:r>
+            <a:r>
+              <a:rPr lang="en-US" altLang="zh-CN" sz="1200" b="0" i="0" kern="1200" dirty="0">
+                <a:solidFill>
+                  <a:schemeClr val="tx1"/>
+                </a:solidFill>
+                <a:effectLst/>
+                <a:latin typeface="+mn-lt"/>
+                <a:ea typeface="+mn-ea"/>
+                <a:cs typeface="+mn-cs"/>
+              </a:rPr>
+              <a:t>Functional Programming</a:t>
+            </a:r>
+            <a:r>
+              <a:rPr lang="zh-CN" altLang="en-US" dirty="0"/>
+              <a:t>），是一种</a:t>
             </a:r>
             <a:r>
               <a:rPr lang="en-US" altLang="zh-CN" dirty="0"/>
-              <a:t>128</a:t>
+              <a:t>"</a:t>
             </a:r>
             <a:r>
               <a:rPr lang="zh-CN" altLang="en-US" dirty="0"/>
-              <a:t>线程，</a:t>
+              <a:t>编程范式</a:t>
             </a:r>
             <a:r>
               <a:rPr lang="en-US" altLang="zh-CN" dirty="0"/>
-              <a:t>7nm</a:t>
+              <a:t>"</a:t>
             </a:r>
             <a:r>
               <a:rPr lang="zh-CN" altLang="en-US" dirty="0"/>
-              <a:t>工艺，基础频率</a:t>
+              <a:t>（</a:t>
             </a:r>
             <a:r>
               <a:rPr lang="en-US" altLang="zh-CN" dirty="0"/>
-              <a:t>2.6GHz</a:t>
-            </a:r>
-            <a:endParaRPr lang="zh-CN" altLang="en-US" dirty="0"/>
+              <a:t>programming paradigm</a:t>
+            </a:r>
+            <a:r>
+              <a:rPr lang="zh-CN" altLang="en-US" dirty="0"/>
+              <a:t>），也就是如何编写程序的方法论。属于</a:t>
+            </a:r>
+            <a:r>
+              <a:rPr lang="en-US" altLang="zh-CN" dirty="0"/>
+              <a:t>"</a:t>
+            </a:r>
+            <a:r>
+              <a:rPr lang="zh-CN" altLang="en-US" dirty="0"/>
+              <a:t>结构化编程</a:t>
+            </a:r>
+            <a:r>
+              <a:rPr lang="en-US" altLang="zh-CN" dirty="0"/>
+              <a:t>"</a:t>
+            </a:r>
+            <a:r>
+              <a:rPr lang="zh-CN" altLang="en-US" dirty="0"/>
+              <a:t>的一种，主要思想是把运算过程尽量写成一系列嵌套的函数调用。</a:t>
+            </a:r>
+            <a:endParaRPr lang="en-US" altLang="zh-CN" dirty="0"/>
+          </a:p>
+          <a:p>
+            <a:r>
+              <a:rPr lang="zh-CN" altLang="en-US" dirty="0"/>
+              <a:t>函数式编程（</a:t>
+            </a:r>
+            <a:r>
+              <a:rPr lang="en-US" altLang="zh-CN" sz="1200" b="0" i="0" kern="1200" dirty="0">
+                <a:solidFill>
+                  <a:schemeClr val="tx1"/>
+                </a:solidFill>
+                <a:effectLst/>
+                <a:latin typeface="+mn-lt"/>
+                <a:ea typeface="+mn-ea"/>
+                <a:cs typeface="+mn-cs"/>
+              </a:rPr>
+              <a:t>Functional Programming</a:t>
+            </a:r>
+            <a:r>
+              <a:rPr lang="zh-CN" altLang="en-US" dirty="0"/>
+              <a:t>）：函数与其他数据类型一样，处于平等地位，可以赋值给其他变量，也可以作为参数，传入另一个函数，或者作为别的函数的返回值。</a:t>
+            </a:r>
           </a:p>
         </p:txBody>
       </p:sp>
@@ -22956,7 +23084,7 @@
           <a:p>
             <a:fld id="{FF6B7014-1CA7-42FF-9E69-87C27AE33F47}" type="slidenum">
               <a:rPr lang="zh-CN" altLang="en-US" smtClean="0"/>
-              <a:t>22</a:t>
+              <a:t>12</a:t>
             </a:fld>
             <a:endParaRPr lang="zh-CN" altLang="en-US"/>
           </a:p>
@@ -22965,7 +23093,7 @@
     </p:spTree>
     <p:extLst>
       <p:ext uri="{BB962C8B-B14F-4D97-AF65-F5344CB8AC3E}">
-        <p14:creationId xmlns:p14="http://schemas.microsoft.com/office/powerpoint/2010/main" val="2776087489"/>
+        <p14:creationId xmlns:p14="http://schemas.microsoft.com/office/powerpoint/2010/main" val="2320680822"/>
       </p:ext>
     </p:extLst>
   </p:cSld>
@@ -23019,94 +23147,195 @@
           <a:bodyPr/>
           <a:lstStyle/>
           <a:p>
-            <a:pPr marL="0" marR="0" lvl="0" indent="0" algn="l" defTabSz="914400" rtl="0" eaLnBrk="1" fontAlgn="auto" latinLnBrk="0" hangingPunct="1">
-              <a:lnSpc>
-                <a:spcPct val="100000"/>
-              </a:lnSpc>
-              <a:spcBef>
-                <a:spcPts val="0"/>
-              </a:spcBef>
-              <a:spcAft>
-                <a:spcPts val="0"/>
-              </a:spcAft>
-              <a:buClrTx/>
-              <a:buSzTx/>
-              <a:buFontTx/>
-              <a:buNone/>
-              <a:tabLst/>
-              <a:defRPr/>
-            </a:pPr>
+            <a:r>
+              <a:rPr lang="en-US" altLang="zh-CN" dirty="0" err="1"/>
+              <a:t>Thread.Join</a:t>
+            </a:r>
             <a:r>
               <a:rPr lang="en-US" altLang="zh-CN" dirty="0"/>
-              <a:t>FB (front bus) </a:t>
+              <a:t> ( ) MSDN</a:t>
             </a:r>
             <a:r>
               <a:rPr lang="zh-CN" altLang="en-US" dirty="0"/>
-              <a:t>属于</a:t>
-            </a:r>
-            <a:r>
-              <a:rPr lang="en-US" altLang="zh-CN" sz="1200" b="1" i="0" kern="1200" dirty="0">
-                <a:solidFill>
-                  <a:schemeClr val="tx1"/>
-                </a:solidFill>
-                <a:effectLst/>
-                <a:latin typeface="+mn-lt"/>
-                <a:ea typeface="+mn-ea"/>
-                <a:cs typeface="+mn-cs"/>
-              </a:rPr>
-              <a:t>NUMA</a:t>
-            </a:r>
-            <a:r>
-              <a:rPr lang="zh-CN" altLang="en-US" sz="1200" b="0" i="0" kern="1200" dirty="0">
-                <a:solidFill>
-                  <a:schemeClr val="tx1"/>
-                </a:solidFill>
-                <a:effectLst/>
-                <a:latin typeface="+mn-lt"/>
-                <a:ea typeface="+mn-ea"/>
-                <a:cs typeface="+mn-cs"/>
-              </a:rPr>
-              <a:t>架构</a:t>
-            </a:r>
-            <a:endParaRPr lang="en-US" altLang="zh-CN" sz="1200" b="0" i="0" kern="1200" dirty="0">
-              <a:solidFill>
-                <a:schemeClr val="tx1"/>
-              </a:solidFill>
-              <a:effectLst/>
-              <a:latin typeface="+mn-lt"/>
-              <a:ea typeface="+mn-ea"/>
-              <a:cs typeface="+mn-cs"/>
-            </a:endParaRPr>
-          </a:p>
-          <a:p>
-            <a:pPr marL="0" marR="0" lvl="0" indent="0" algn="l" defTabSz="914400" rtl="0" eaLnBrk="1" fontAlgn="auto" latinLnBrk="0" hangingPunct="1">
-              <a:lnSpc>
-                <a:spcPct val="100000"/>
-              </a:lnSpc>
-              <a:spcBef>
-                <a:spcPts val="0"/>
-              </a:spcBef>
-              <a:spcAft>
-                <a:spcPts val="0"/>
-              </a:spcAft>
-              <a:buClrTx/>
-              <a:buSzTx/>
-              <a:buFontTx/>
-              <a:buNone/>
-              <a:tabLst/>
-              <a:defRPr/>
-            </a:pPr>
-            <a:r>
-              <a:rPr lang="en-US" altLang="zh-CN" sz="1200" b="1" i="0" kern="1200" dirty="0">
-                <a:solidFill>
-                  <a:schemeClr val="tx1"/>
-                </a:solidFill>
-                <a:effectLst/>
-                <a:latin typeface="+mn-lt"/>
-                <a:ea typeface="+mn-ea"/>
-                <a:cs typeface="+mn-cs"/>
-              </a:rPr>
-              <a:t>http://www.cnblogs.com/diegodu/p/9340243.html</a:t>
+              <a:t>的解释：阻塞调用线程，直到某个线程终止时为止。首先明确几个问题：</a:t>
+            </a:r>
+          </a:p>
+          <a:p>
+            <a:endParaRPr lang="zh-CN" altLang="en-US" dirty="0"/>
+          </a:p>
+          <a:p>
+            <a:r>
+              <a:rPr lang="en-US" altLang="zh-CN" dirty="0"/>
+              <a:t>1</a:t>
+            </a:r>
+            <a:r>
+              <a:rPr lang="zh-CN" altLang="en-US" dirty="0"/>
+              <a:t>、一个进程由一个或者多个线程组成，线程之间有可能会存在一定的先后关系和互斥关系。多线程编程，首先就是要想办法划分线程，减少线程之间的先后关系和互斥关系，这样才能保证线程之间的独立性，各自工作，不受影响。</a:t>
+            </a:r>
+            <a:r>
+              <a:rPr lang="en-US" altLang="zh-CN" dirty="0"/>
+              <a:t>Google</a:t>
+            </a:r>
+            <a:r>
+              <a:rPr lang="zh-CN" altLang="en-US" dirty="0"/>
+              <a:t>的</a:t>
+            </a:r>
+            <a:r>
+              <a:rPr lang="en-US" altLang="zh-CN" dirty="0"/>
+              <a:t>MapReduce</a:t>
+            </a:r>
+            <a:r>
+              <a:rPr lang="zh-CN" altLang="en-US" dirty="0"/>
+              <a:t>核心思想就是尽量减少线程之间的先后关系和互斥关系。</a:t>
+            </a:r>
+          </a:p>
+          <a:p>
+            <a:endParaRPr lang="zh-CN" altLang="en-US" dirty="0"/>
+          </a:p>
+          <a:p>
+            <a:r>
+              <a:rPr lang="en-US" altLang="zh-CN" dirty="0"/>
+              <a:t>2</a:t>
+            </a:r>
+            <a:r>
+              <a:rPr lang="zh-CN" altLang="en-US" dirty="0"/>
+              <a:t>、无论如何地想办法，线程之间还是会存在一定的先后关系和互斥关系，这时候可以使用</a:t>
+            </a:r>
+            <a:r>
+              <a:rPr lang="en-US" altLang="zh-CN" dirty="0" err="1"/>
+              <a:t>Thread.Join</a:t>
+            </a:r>
+            <a:r>
+              <a:rPr lang="zh-CN" altLang="en-US" dirty="0"/>
+              <a:t>方法。</a:t>
+            </a:r>
+          </a:p>
+          <a:p>
+            <a:endParaRPr lang="zh-CN" altLang="en-US" dirty="0"/>
+          </a:p>
+          <a:p>
+            <a:r>
+              <a:rPr lang="en-US" altLang="zh-CN" dirty="0"/>
+              <a:t>3</a:t>
+            </a:r>
+            <a:r>
+              <a:rPr lang="zh-CN" altLang="en-US" dirty="0"/>
+              <a:t>、一个线程在执行的过程中，可能调用另一个线程，前者可以称为调用线程，后者成为被调用线程。</a:t>
+            </a:r>
+          </a:p>
+          <a:p>
+            <a:endParaRPr lang="zh-CN" altLang="en-US" dirty="0"/>
+          </a:p>
+          <a:p>
+            <a:r>
+              <a:rPr lang="en-US" altLang="zh-CN" dirty="0"/>
+              <a:t>4</a:t>
+            </a:r>
+            <a:r>
+              <a:rPr lang="zh-CN" altLang="en-US" dirty="0"/>
+              <a:t>、</a:t>
+            </a:r>
+            <a:r>
+              <a:rPr lang="en-US" altLang="zh-CN" dirty="0" err="1"/>
+              <a:t>Thread.Join</a:t>
+            </a:r>
+            <a:r>
+              <a:rPr lang="zh-CN" altLang="en-US" dirty="0"/>
+              <a:t>方法的使用场景：调用线程挂起，等待被调用线程执行完毕后，继续执行。</a:t>
+            </a:r>
+          </a:p>
+          <a:p>
+            <a:endParaRPr lang="zh-CN" altLang="en-US" dirty="0"/>
+          </a:p>
+          <a:p>
+            <a:r>
+              <a:rPr lang="en-US" altLang="zh-CN" dirty="0"/>
+              <a:t>5</a:t>
+            </a:r>
+            <a:r>
+              <a:rPr lang="zh-CN" altLang="en-US" dirty="0"/>
+              <a:t>、被调用线程执行</a:t>
+            </a:r>
+            <a:r>
+              <a:rPr lang="en-US" altLang="zh-CN" dirty="0"/>
+              <a:t>Join</a:t>
+            </a:r>
+            <a:r>
+              <a:rPr lang="zh-CN" altLang="en-US" dirty="0"/>
+              <a:t>方法，告诉调用线程，你先暂停，我执行完了，你再执行。从而保证了先后关系。</a:t>
+            </a:r>
+          </a:p>
+          <a:p>
+            <a:endParaRPr lang="zh-CN" altLang="en-US" dirty="0"/>
+          </a:p>
+          <a:p>
+            <a:r>
+              <a:rPr lang="en-US" altLang="zh-CN" dirty="0"/>
+              <a:t>6</a:t>
+            </a:r>
+            <a:r>
+              <a:rPr lang="zh-CN" altLang="en-US" dirty="0"/>
+              <a:t>、考虑一种有意思的情况：在当前线程内调用</a:t>
+            </a:r>
+            <a:r>
+              <a:rPr lang="en-US" altLang="zh-CN" dirty="0" err="1"/>
+              <a:t>Thread.CurrentThread.Join</a:t>
+            </a:r>
+            <a:r>
+              <a:rPr lang="en-US" altLang="zh-CN" dirty="0"/>
+              <a:t>() </a:t>
+            </a:r>
+            <a:r>
+              <a:rPr lang="zh-CN" altLang="en-US" dirty="0"/>
+              <a:t>会出现什么情况？分析：假设当前线程为</a:t>
+            </a:r>
+            <a:r>
+              <a:rPr lang="en-US" altLang="zh-CN" dirty="0"/>
+              <a:t>A</a:t>
+            </a:r>
+            <a:r>
+              <a:rPr lang="zh-CN" altLang="en-US" dirty="0"/>
+              <a:t>，此时调用线程为</a:t>
+            </a:r>
+            <a:r>
+              <a:rPr lang="en-US" altLang="zh-CN" dirty="0"/>
+              <a:t>A</a:t>
+            </a:r>
+            <a:r>
+              <a:rPr lang="zh-CN" altLang="en-US" dirty="0"/>
+              <a:t>，被调用线程也为</a:t>
+            </a:r>
+            <a:r>
+              <a:rPr lang="en-US" altLang="zh-CN" dirty="0"/>
+              <a:t>A</a:t>
+            </a:r>
+            <a:r>
+              <a:rPr lang="zh-CN" altLang="en-US" dirty="0"/>
+              <a:t>，由于调用线程</a:t>
+            </a:r>
+            <a:r>
+              <a:rPr lang="en-US" altLang="zh-CN" dirty="0"/>
+              <a:t>A</a:t>
+            </a:r>
+            <a:r>
+              <a:rPr lang="zh-CN" altLang="en-US" dirty="0"/>
+              <a:t>暂停，被调用线程</a:t>
+            </a:r>
+            <a:r>
+              <a:rPr lang="en-US" altLang="zh-CN" dirty="0"/>
+              <a:t>A</a:t>
+            </a:r>
+            <a:r>
+              <a:rPr lang="zh-CN" altLang="en-US" dirty="0"/>
+              <a:t>（也就是调用线程</a:t>
+            </a:r>
+            <a:r>
+              <a:rPr lang="en-US" altLang="zh-CN" dirty="0"/>
+              <a:t>A</a:t>
+            </a:r>
+            <a:r>
+              <a:rPr lang="zh-CN" altLang="en-US" dirty="0"/>
+              <a:t>）永远不会执行完毕，造成死锁。</a:t>
             </a:r>
           </a:p>
         </p:txBody>
@@ -23118,7 +23347,7 @@
             <a:spLocks noGrp="1"/>
           </p:cNvSpPr>
           <p:nvPr>
-            <p:ph type="sldNum" sz="quarter" idx="10"/>
+            <p:ph type="sldNum" sz="quarter" idx="5"/>
           </p:nvPr>
         </p:nvSpPr>
         <p:spPr/>
@@ -23126,24 +23355,18 @@
           <a:bodyPr/>
           <a:lstStyle/>
           <a:p>
-            <a:pPr>
-              <a:defRPr/>
-            </a:pPr>
-            <a:fld id="{2B4AFDB2-0EDC-4C9F-9F69-C798F77C05B1}" type="slidenum">
-              <a:rPr lang="en-US" altLang="zh-CN" smtClean="0"/>
-              <a:pPr>
-                <a:defRPr/>
-              </a:pPr>
-              <a:t>23</a:t>
+            <a:fld id="{FF6B7014-1CA7-42FF-9E69-87C27AE33F47}" type="slidenum">
+              <a:rPr lang="zh-CN" altLang="en-US" smtClean="0"/>
+              <a:t>16</a:t>
             </a:fld>
-            <a:endParaRPr lang="en-US" altLang="zh-CN"/>
+            <a:endParaRPr lang="zh-CN" altLang="en-US"/>
           </a:p>
         </p:txBody>
       </p:sp>
     </p:spTree>
     <p:extLst>
       <p:ext uri="{BB962C8B-B14F-4D97-AF65-F5344CB8AC3E}">
-        <p14:creationId xmlns:p14="http://schemas.microsoft.com/office/powerpoint/2010/main" val="1920582923"/>
+        <p14:creationId xmlns:p14="http://schemas.microsoft.com/office/powerpoint/2010/main" val="20801960"/>
       </p:ext>
     </p:extLst>
   </p:cSld>
@@ -23197,7 +23420,43 @@
           <a:bodyPr/>
           <a:lstStyle/>
           <a:p>
-            <a:endParaRPr lang="zh-CN" altLang="en-US"/>
+            <a:r>
+              <a:rPr lang="en-US" altLang="zh-CN" dirty="0"/>
+              <a:t>EPYC 7H12</a:t>
+            </a:r>
+            <a:r>
+              <a:rPr lang="zh-CN" altLang="en-US" dirty="0"/>
+              <a:t>，</a:t>
+            </a:r>
+            <a:r>
+              <a:rPr lang="en-US" altLang="zh-CN" dirty="0"/>
+              <a:t>64</a:t>
+            </a:r>
+            <a:r>
+              <a:rPr lang="zh-CN" altLang="en-US" dirty="0"/>
+              <a:t>核</a:t>
+            </a:r>
+            <a:r>
+              <a:rPr lang="en-US" altLang="zh-CN" dirty="0"/>
+              <a:t>128</a:t>
+            </a:r>
+            <a:r>
+              <a:rPr lang="zh-CN" altLang="en-US" dirty="0"/>
+              <a:t>线程，</a:t>
+            </a:r>
+            <a:r>
+              <a:rPr lang="en-US" altLang="zh-CN" dirty="0"/>
+              <a:t>7nm</a:t>
+            </a:r>
+            <a:r>
+              <a:rPr lang="zh-CN" altLang="en-US" dirty="0"/>
+              <a:t>工艺，基础频率</a:t>
+            </a:r>
+            <a:r>
+              <a:rPr lang="en-US" altLang="zh-CN" dirty="0"/>
+              <a:t>2.6GHz</a:t>
+            </a:r>
+            <a:endParaRPr lang="zh-CN" altLang="en-US" dirty="0"/>
           </a:p>
         </p:txBody>
       </p:sp>
@@ -23208,7 +23467,7 @@
             <a:spLocks noGrp="1"/>
           </p:cNvSpPr>
           <p:nvPr>
-            <p:ph type="sldNum" sz="quarter" idx="10"/>
+            <p:ph type="sldNum" sz="quarter" idx="5"/>
           </p:nvPr>
         </p:nvSpPr>
         <p:spPr/>
@@ -23216,24 +23475,18 @@
           <a:bodyPr/>
           <a:lstStyle/>
           <a:p>
-            <a:pPr>
-              <a:defRPr/>
-            </a:pPr>
-            <a:fld id="{2B4AFDB2-0EDC-4C9F-9F69-C798F77C05B1}" type="slidenum">
-              <a:rPr lang="en-US" altLang="zh-CN" smtClean="0"/>
-              <a:pPr>
-                <a:defRPr/>
-              </a:pPr>
-              <a:t>24</a:t>
+            <a:fld id="{FF6B7014-1CA7-42FF-9E69-87C27AE33F47}" type="slidenum">
+              <a:rPr lang="zh-CN" altLang="en-US" smtClean="0"/>
+              <a:t>22</a:t>
             </a:fld>
-            <a:endParaRPr lang="en-US" altLang="zh-CN"/>
+            <a:endParaRPr lang="zh-CN" altLang="en-US"/>
           </a:p>
         </p:txBody>
       </p:sp>
     </p:spTree>
     <p:extLst>
       <p:ext uri="{BB962C8B-B14F-4D97-AF65-F5344CB8AC3E}">
-        <p14:creationId xmlns:p14="http://schemas.microsoft.com/office/powerpoint/2010/main" val="3732243218"/>
+        <p14:creationId xmlns:p14="http://schemas.microsoft.com/office/powerpoint/2010/main" val="2776087489"/>
       </p:ext>
     </p:extLst>
   </p:cSld>
@@ -23287,46 +23540,95 @@
           <a:bodyPr/>
           <a:lstStyle/>
           <a:p>
-            <a:r>
-              <a:rPr lang="en-US" altLang="zh-CN" sz="1800" dirty="0"/>
-              <a:t>Invoke</a:t>
-            </a:r>
-            <a:r>
-              <a:rPr lang="zh-CN" altLang="en-US" sz="1800" dirty="0"/>
-              <a:t>方法会顺着控件树向上搜索，直到找到创建控件的那个线程（通常是主线程），然后进入那个线程改变控件的外观，确保不发生线程冲突。</a:t>
-            </a:r>
-            <a:endParaRPr lang="en-US" altLang="zh-CN" sz="1800" dirty="0"/>
-          </a:p>
-          <a:p>
-            <a:r>
-              <a:rPr lang="en-US" altLang="zh-CN" sz="1800" dirty="0"/>
-              <a:t>C# </a:t>
-            </a:r>
-            <a:r>
-              <a:rPr lang="zh-CN" altLang="en-US" sz="1800" dirty="0"/>
-              <a:t>通过</a:t>
-            </a:r>
-            <a:r>
-              <a:rPr lang="en-US" altLang="zh-CN" sz="1800" dirty="0" err="1"/>
-              <a:t>PostMessage</a:t>
-            </a:r>
-            <a:r>
-              <a:rPr lang="zh-CN" altLang="en-US" sz="1800" dirty="0"/>
-              <a:t>完成</a:t>
-            </a:r>
-            <a:r>
-              <a:rPr lang="en-US" altLang="zh-CN" sz="1800" dirty="0"/>
-              <a:t>UI</a:t>
-            </a:r>
-            <a:r>
-              <a:rPr lang="zh-CN" altLang="en-US" sz="1800" dirty="0"/>
-              <a:t>的更新</a:t>
-            </a:r>
-            <a:r>
-              <a:rPr lang="en-US" altLang="zh-CN" sz="1800" dirty="0"/>
-              <a:t>:  https://www.cnblogs.com/stonecastle/p/3142084.html</a:t>
-            </a:r>
-            <a:endParaRPr lang="zh-CN" altLang="en-US" sz="1800" dirty="0"/>
+            <a:pPr marL="0" marR="0" lvl="0" indent="0" algn="l" defTabSz="914400" rtl="0" eaLnBrk="1" fontAlgn="auto" latinLnBrk="0" hangingPunct="1">
+              <a:lnSpc>
+                <a:spcPct val="100000"/>
+              </a:lnSpc>
+              <a:spcBef>
+                <a:spcPts val="0"/>
+              </a:spcBef>
+              <a:spcAft>
+                <a:spcPts val="0"/>
+              </a:spcAft>
+              <a:buClrTx/>
+              <a:buSzTx/>
+              <a:buFontTx/>
+              <a:buNone/>
+              <a:tabLst/>
+              <a:defRPr/>
+            </a:pPr>
+            <a:r>
+              <a:rPr lang="en-US" altLang="zh-CN" dirty="0"/>
+              <a:t>FB (front bus) </a:t>
+            </a:r>
+            <a:r>
+              <a:rPr lang="zh-CN" altLang="en-US" dirty="0"/>
+              <a:t>属于</a:t>
+            </a:r>
+            <a:r>
+              <a:rPr lang="en-US" altLang="zh-CN" sz="1200" b="1" i="0" kern="1200" dirty="0">
+                <a:solidFill>
+                  <a:schemeClr val="tx1"/>
+                </a:solidFill>
+                <a:effectLst/>
+                <a:latin typeface="+mn-lt"/>
+                <a:ea typeface="+mn-ea"/>
+                <a:cs typeface="+mn-cs"/>
+              </a:rPr>
+              <a:t>NUMA</a:t>
+            </a:r>
+            <a:r>
+              <a:rPr lang="zh-CN" altLang="en-US" sz="1200" b="0" i="0" kern="1200" dirty="0">
+                <a:solidFill>
+                  <a:schemeClr val="tx1"/>
+                </a:solidFill>
+                <a:effectLst/>
+                <a:latin typeface="+mn-lt"/>
+                <a:ea typeface="+mn-ea"/>
+                <a:cs typeface="+mn-cs"/>
+              </a:rPr>
+              <a:t>架构</a:t>
+            </a:r>
+            <a:endParaRPr lang="en-US" altLang="zh-CN" sz="1200" b="0" i="0" kern="1200" dirty="0">
+              <a:solidFill>
+                <a:schemeClr val="tx1"/>
+              </a:solidFill>
+              <a:effectLst/>
+              <a:latin typeface="+mn-lt"/>
+              <a:ea typeface="+mn-ea"/>
+              <a:cs typeface="+mn-cs"/>
+            </a:endParaRPr>
+          </a:p>
+          <a:p>
+            <a:pPr marL="0" marR="0" lvl="0" indent="0" algn="l" defTabSz="914400" rtl="0" eaLnBrk="1" fontAlgn="auto" latinLnBrk="0" hangingPunct="1">
+              <a:lnSpc>
+                <a:spcPct val="100000"/>
+              </a:lnSpc>
+              <a:spcBef>
+                <a:spcPts val="0"/>
+              </a:spcBef>
+              <a:spcAft>
+                <a:spcPts val="0"/>
+              </a:spcAft>
+              <a:buClrTx/>
+              <a:buSzTx/>
+              <a:buFontTx/>
+              <a:buNone/>
+              <a:tabLst/>
+              <a:defRPr/>
+            </a:pPr>
+            <a:r>
+              <a:rPr lang="en-US" altLang="zh-CN" sz="1200" b="1" i="0" kern="1200" dirty="0">
+                <a:solidFill>
+                  <a:schemeClr val="tx1"/>
+                </a:solidFill>
+                <a:effectLst/>
+                <a:latin typeface="+mn-lt"/>
+                <a:ea typeface="+mn-ea"/>
+                <a:cs typeface="+mn-cs"/>
+              </a:rPr>
+              <a:t>http://www.cnblogs.com/diegodu/p/9340243.html</a:t>
+            </a:r>
           </a:p>
         </p:txBody>
       </p:sp>
@@ -23337,7 +23639,7 @@
             <a:spLocks noGrp="1"/>
           </p:cNvSpPr>
           <p:nvPr>
-            <p:ph type="sldNum" sz="quarter" idx="5"/>
+            <p:ph type="sldNum" sz="quarter" idx="10"/>
           </p:nvPr>
         </p:nvSpPr>
         <p:spPr/>
@@ -23345,18 +23647,24 @@
           <a:bodyPr/>
           <a:lstStyle/>
           <a:p>
-            <a:fld id="{FF6B7014-1CA7-42FF-9E69-87C27AE33F47}" type="slidenum">
-              <a:rPr lang="zh-CN" altLang="en-US" smtClean="0"/>
-              <a:t>28</a:t>
+            <a:pPr>
+              <a:defRPr/>
+            </a:pPr>
+            <a:fld id="{2B4AFDB2-0EDC-4C9F-9F69-C798F77C05B1}" type="slidenum">
+              <a:rPr lang="en-US" altLang="zh-CN" smtClean="0"/>
+              <a:pPr>
+                <a:defRPr/>
+              </a:pPr>
+              <a:t>23</a:t>
             </a:fld>
-            <a:endParaRPr lang="zh-CN" altLang="en-US"/>
+            <a:endParaRPr lang="en-US" altLang="zh-CN"/>
           </a:p>
         </p:txBody>
       </p:sp>
     </p:spTree>
     <p:extLst>
       <p:ext uri="{BB962C8B-B14F-4D97-AF65-F5344CB8AC3E}">
-        <p14:creationId xmlns:p14="http://schemas.microsoft.com/office/powerpoint/2010/main" val="3567416740"/>
+        <p14:creationId xmlns:p14="http://schemas.microsoft.com/office/powerpoint/2010/main" val="1920582923"/>
       </p:ext>
     </p:extLst>
   </p:cSld>
@@ -23410,7 +23718,7 @@
           <a:bodyPr/>
           <a:lstStyle/>
           <a:p>
-            <a:endParaRPr lang="zh-CN" altLang="en-US" dirty="0"/>
+            <a:endParaRPr lang="zh-CN" altLang="en-US"/>
           </a:p>
         </p:txBody>
       </p:sp>
@@ -23421,7 +23729,7 @@
             <a:spLocks noGrp="1"/>
           </p:cNvSpPr>
           <p:nvPr>
-            <p:ph type="sldNum" sz="quarter" idx="5"/>
+            <p:ph type="sldNum" sz="quarter" idx="10"/>
           </p:nvPr>
         </p:nvSpPr>
         <p:spPr/>
@@ -23429,18 +23737,24 @@
           <a:bodyPr/>
           <a:lstStyle/>
           <a:p>
-            <a:fld id="{FF6B7014-1CA7-42FF-9E69-87C27AE33F47}" type="slidenum">
-              <a:rPr lang="zh-CN" altLang="en-US" smtClean="0"/>
-              <a:t>33</a:t>
+            <a:pPr>
+              <a:defRPr/>
+            </a:pPr>
+            <a:fld id="{2B4AFDB2-0EDC-4C9F-9F69-C798F77C05B1}" type="slidenum">
+              <a:rPr lang="en-US" altLang="zh-CN" smtClean="0"/>
+              <a:pPr>
+                <a:defRPr/>
+              </a:pPr>
+              <a:t>24</a:t>
             </a:fld>
-            <a:endParaRPr lang="zh-CN" altLang="en-US"/>
+            <a:endParaRPr lang="en-US" altLang="zh-CN"/>
           </a:p>
         </p:txBody>
       </p:sp>
     </p:spTree>
     <p:extLst>
       <p:ext uri="{BB962C8B-B14F-4D97-AF65-F5344CB8AC3E}">
-        <p14:creationId xmlns:p14="http://schemas.microsoft.com/office/powerpoint/2010/main" val="2264776296"/>
+        <p14:creationId xmlns:p14="http://schemas.microsoft.com/office/powerpoint/2010/main" val="3732243218"/>
       </p:ext>
     </p:extLst>
   </p:cSld>
@@ -23494,7 +23808,46 @@
           <a:bodyPr/>
           <a:lstStyle/>
           <a:p>
-            <a:endParaRPr lang="zh-CN" altLang="en-US" dirty="0"/>
+            <a:r>
+              <a:rPr lang="en-US" altLang="zh-CN" sz="1800" dirty="0"/>
+              <a:t>Invoke</a:t>
+            </a:r>
+            <a:r>
+              <a:rPr lang="zh-CN" altLang="en-US" sz="1800" dirty="0"/>
+              <a:t>方法会顺着控件树向上搜索，直到找到创建控件的那个线程（通常是主线程），然后进入那个线程改变控件的外观，确保不发生线程冲突。</a:t>
+            </a:r>
+            <a:endParaRPr lang="en-US" altLang="zh-CN" sz="1800" dirty="0"/>
+          </a:p>
+          <a:p>
+            <a:r>
+              <a:rPr lang="en-US" altLang="zh-CN" sz="1800" dirty="0"/>
+              <a:t>C# </a:t>
+            </a:r>
+            <a:r>
+              <a:rPr lang="zh-CN" altLang="en-US" sz="1800" dirty="0"/>
+              <a:t>通过</a:t>
+            </a:r>
+            <a:r>
+              <a:rPr lang="en-US" altLang="zh-CN" sz="1800" dirty="0" err="1"/>
+              <a:t>PostMessage</a:t>
+            </a:r>
+            <a:r>
+              <a:rPr lang="zh-CN" altLang="en-US" sz="1800" dirty="0"/>
+              <a:t>完成</a:t>
+            </a:r>
+            <a:r>
+              <a:rPr lang="en-US" altLang="zh-CN" sz="1800" dirty="0"/>
+              <a:t>UI</a:t>
+            </a:r>
+            <a:r>
+              <a:rPr lang="zh-CN" altLang="en-US" sz="1800" dirty="0"/>
+              <a:t>的更新</a:t>
+            </a:r>
+            <a:r>
+              <a:rPr lang="en-US" altLang="zh-CN" sz="1800" dirty="0"/>
+              <a:t>:  https://www.cnblogs.com/stonecastle/p/3142084.html</a:t>
+            </a:r>
+            <a:endParaRPr lang="zh-CN" altLang="en-US" sz="1800" dirty="0"/>
           </a:p>
         </p:txBody>
       </p:sp>
@@ -23515,7 +23868,7 @@
           <a:p>
             <a:fld id="{FF6B7014-1CA7-42FF-9E69-87C27AE33F47}" type="slidenum">
               <a:rPr lang="zh-CN" altLang="en-US" smtClean="0"/>
-              <a:t>34</a:t>
+              <a:t>28</a:t>
             </a:fld>
             <a:endParaRPr lang="zh-CN" altLang="en-US"/>
           </a:p>
@@ -23524,7 +23877,7 @@
     </p:spTree>
     <p:extLst>
       <p:ext uri="{BB962C8B-B14F-4D97-AF65-F5344CB8AC3E}">
-        <p14:creationId xmlns:p14="http://schemas.microsoft.com/office/powerpoint/2010/main" val="3934248989"/>
+        <p14:creationId xmlns:p14="http://schemas.microsoft.com/office/powerpoint/2010/main" val="3567416740"/>
       </p:ext>
     </p:extLst>
   </p:cSld>
@@ -23578,191 +23931,6 @@
           <a:bodyPr/>
           <a:lstStyle/>
           <a:p>
-            <a:r>
-              <a:rPr lang="zh-CN" altLang="en-US" sz="1200" b="0" i="0" kern="1200" dirty="0">
-                <a:solidFill>
-                  <a:schemeClr val="tx1"/>
-                </a:solidFill>
-                <a:effectLst/>
-                <a:latin typeface="+mn-lt"/>
-                <a:ea typeface="+mn-ea"/>
-                <a:cs typeface="+mn-cs"/>
-              </a:rPr>
-              <a:t>参见 </a:t>
-            </a:r>
-            <a:r>
-              <a:rPr lang="en-US" altLang="zh-CN" sz="1200" b="0" i="0" kern="1200" dirty="0">
-                <a:solidFill>
-                  <a:schemeClr val="tx1"/>
-                </a:solidFill>
-                <a:effectLst/>
-                <a:latin typeface="+mn-lt"/>
-                <a:ea typeface="+mn-ea"/>
-                <a:cs typeface="+mn-cs"/>
-              </a:rPr>
-              <a:t>https://blog.csdn.net/weixin_41049188/article/details/100109624</a:t>
-            </a:r>
-          </a:p>
-          <a:p>
-            <a:r>
-              <a:rPr lang="en-US" altLang="zh-CN" sz="1200" b="0" i="0" kern="1200" dirty="0" err="1">
-                <a:solidFill>
-                  <a:schemeClr val="tx1"/>
-                </a:solidFill>
-                <a:effectLst/>
-                <a:latin typeface="+mn-lt"/>
-                <a:ea typeface="+mn-ea"/>
-                <a:cs typeface="+mn-cs"/>
-              </a:rPr>
-              <a:t>WaitHandle</a:t>
-            </a:r>
-            <a:r>
-              <a:rPr lang="zh-CN" altLang="en-US" sz="1200" b="0" i="0" kern="1200" dirty="0">
-                <a:solidFill>
-                  <a:schemeClr val="tx1"/>
-                </a:solidFill>
-                <a:effectLst/>
-                <a:latin typeface="+mn-lt"/>
-                <a:ea typeface="+mn-ea"/>
-                <a:cs typeface="+mn-cs"/>
-              </a:rPr>
-              <a:t>：是一个抽象类，我们一般不直接用，而是用它的派生类：</a:t>
-            </a:r>
-          </a:p>
-          <a:p>
-            <a:r>
-              <a:rPr lang="en-US" altLang="zh-CN" sz="1200" b="1" i="0" kern="1200" dirty="0">
-                <a:solidFill>
-                  <a:schemeClr val="tx1"/>
-                </a:solidFill>
-                <a:effectLst/>
-                <a:latin typeface="+mn-lt"/>
-                <a:ea typeface="+mn-ea"/>
-                <a:cs typeface="+mn-cs"/>
-              </a:rPr>
-              <a:t>1. </a:t>
-            </a:r>
-            <a:r>
-              <a:rPr lang="en-US" altLang="zh-CN" sz="1200" b="1" i="0" kern="1200" dirty="0" err="1">
-                <a:solidFill>
-                  <a:schemeClr val="tx1"/>
-                </a:solidFill>
-                <a:effectLst/>
-                <a:latin typeface="+mn-lt"/>
-                <a:ea typeface="+mn-ea"/>
-                <a:cs typeface="+mn-cs"/>
-              </a:rPr>
-              <a:t>AutoResetEvent</a:t>
-            </a:r>
-            <a:endParaRPr lang="en-US" altLang="zh-CN" sz="1200" b="0" i="0" kern="1200" dirty="0">
-              <a:solidFill>
-                <a:schemeClr val="tx1"/>
-              </a:solidFill>
-              <a:effectLst/>
-              <a:latin typeface="+mn-lt"/>
-              <a:ea typeface="+mn-ea"/>
-              <a:cs typeface="+mn-cs"/>
-            </a:endParaRPr>
-          </a:p>
-          <a:p>
-            <a:r>
-              <a:rPr lang="en-US" altLang="zh-CN" sz="1200" b="1" i="0" kern="1200" dirty="0">
-                <a:solidFill>
-                  <a:schemeClr val="tx1"/>
-                </a:solidFill>
-                <a:effectLst/>
-                <a:latin typeface="+mn-lt"/>
-                <a:ea typeface="+mn-ea"/>
-                <a:cs typeface="+mn-cs"/>
-              </a:rPr>
-              <a:t>2. </a:t>
-            </a:r>
-            <a:r>
-              <a:rPr lang="en-US" altLang="zh-CN" sz="1200" b="1" i="0" kern="1200" dirty="0" err="1">
-                <a:solidFill>
-                  <a:schemeClr val="tx1"/>
-                </a:solidFill>
-                <a:effectLst/>
-                <a:latin typeface="+mn-lt"/>
-                <a:ea typeface="+mn-ea"/>
-                <a:cs typeface="+mn-cs"/>
-              </a:rPr>
-              <a:t>EventWaitHandle</a:t>
-            </a:r>
-            <a:endParaRPr lang="en-US" altLang="zh-CN" sz="1200" b="0" i="0" kern="1200" dirty="0">
-              <a:solidFill>
-                <a:schemeClr val="tx1"/>
-              </a:solidFill>
-              <a:effectLst/>
-              <a:latin typeface="+mn-lt"/>
-              <a:ea typeface="+mn-ea"/>
-              <a:cs typeface="+mn-cs"/>
-            </a:endParaRPr>
-          </a:p>
-          <a:p>
-            <a:r>
-              <a:rPr lang="en-US" altLang="zh-CN" sz="1200" b="1" i="0" kern="1200" dirty="0">
-                <a:solidFill>
-                  <a:schemeClr val="tx1"/>
-                </a:solidFill>
-                <a:effectLst/>
-                <a:latin typeface="+mn-lt"/>
-                <a:ea typeface="+mn-ea"/>
-                <a:cs typeface="+mn-cs"/>
-              </a:rPr>
-              <a:t>3. </a:t>
-            </a:r>
-            <a:r>
-              <a:rPr lang="en-US" altLang="zh-CN" sz="1200" b="1" i="0" kern="1200" dirty="0" err="1">
-                <a:solidFill>
-                  <a:schemeClr val="tx1"/>
-                </a:solidFill>
-                <a:effectLst/>
-                <a:latin typeface="+mn-lt"/>
-                <a:ea typeface="+mn-ea"/>
-                <a:cs typeface="+mn-cs"/>
-              </a:rPr>
-              <a:t>ManualResetEvent</a:t>
-            </a:r>
-            <a:endParaRPr lang="en-US" altLang="zh-CN" sz="1200" b="0" i="0" kern="1200" dirty="0">
-              <a:solidFill>
-                <a:schemeClr val="tx1"/>
-              </a:solidFill>
-              <a:effectLst/>
-              <a:latin typeface="+mn-lt"/>
-              <a:ea typeface="+mn-ea"/>
-              <a:cs typeface="+mn-cs"/>
-            </a:endParaRPr>
-          </a:p>
-          <a:p>
-            <a:r>
-              <a:rPr lang="en-US" altLang="zh-CN" sz="1200" b="0" i="0" kern="1200" dirty="0">
-                <a:solidFill>
-                  <a:schemeClr val="tx1"/>
-                </a:solidFill>
-                <a:effectLst/>
-                <a:latin typeface="+mn-lt"/>
-                <a:ea typeface="+mn-ea"/>
-                <a:cs typeface="+mn-cs"/>
-              </a:rPr>
-              <a:t>4. Mutex</a:t>
-            </a:r>
-          </a:p>
-          <a:p>
-            <a:r>
-              <a:rPr lang="en-US" altLang="zh-CN" sz="1200" b="0" i="0" kern="1200" dirty="0">
-                <a:solidFill>
-                  <a:schemeClr val="tx1"/>
-                </a:solidFill>
-                <a:effectLst/>
-                <a:latin typeface="+mn-lt"/>
-                <a:ea typeface="+mn-ea"/>
-                <a:cs typeface="+mn-cs"/>
-              </a:rPr>
-              <a:t>5. Semaphore</a:t>
-            </a:r>
-          </a:p>
-          <a:p>
             <a:endParaRPr lang="zh-CN" altLang="en-US" dirty="0"/>
           </a:p>
         </p:txBody>
@@ -23784,7 +23952,7 @@
           <a:p>
             <a:fld id="{FF6B7014-1CA7-42FF-9E69-87C27AE33F47}" type="slidenum">
               <a:rPr lang="zh-CN" altLang="en-US" smtClean="0"/>
-              <a:t>37</a:t>
+              <a:t>33</a:t>
             </a:fld>
             <a:endParaRPr lang="zh-CN" altLang="en-US"/>
           </a:p>
@@ -23793,7 +23961,7 @@
     </p:spTree>
     <p:extLst>
       <p:ext uri="{BB962C8B-B14F-4D97-AF65-F5344CB8AC3E}">
-        <p14:creationId xmlns:p14="http://schemas.microsoft.com/office/powerpoint/2010/main" val="1513445381"/>
+        <p14:creationId xmlns:p14="http://schemas.microsoft.com/office/powerpoint/2010/main" val="2264776296"/>
       </p:ext>
     </p:extLst>
   </p:cSld>
@@ -23986,7 +24154,7 @@
           <a:p>
             <a:fld id="{F0A08C6D-CA89-457F-88D7-56281A3E4E44}" type="datetimeFigureOut">
               <a:rPr lang="zh-CN" altLang="en-US" smtClean="0"/>
-              <a:t>2020/9/23</a:t>
+              <a:t>2021/10/7</a:t>
             </a:fld>
             <a:endParaRPr lang="zh-CN" altLang="en-US"/>
           </a:p>
@@ -26015,7 +26183,7 @@
             <a:pPr lvl="0" algn="l"/>
             <a:r>
               <a:rPr lang="en-US" sz="1333" dirty="0"/>
-              <a:t>FALL 2020</a:t>
+              <a:t>FALL 2021</a:t>
             </a:r>
           </a:p>
         </p:txBody>
@@ -36044,8 +36212,8 @@
         </p:nvSpPr>
         <p:spPr>
           <a:xfrm>
-            <a:off x="836428" y="4876800"/>
-            <a:ext cx="5096539" cy="1015663"/>
+            <a:off x="836428" y="4933504"/>
+            <a:ext cx="5096539" cy="707886"/>
           </a:xfrm>
           <a:prstGeom prst="rect">
             <a:avLst/>
@@ -36093,7 +36261,7 @@
                 <a:latin typeface="微软雅黑" panose="020B0503020204020204" pitchFamily="34" charset="-122"/>
                 <a:ea typeface="微软雅黑" panose="020B0503020204020204" pitchFamily="34" charset="-122"/>
               </a:rPr>
-              <a:t>   周</a:t>
+              <a:t>  第</a:t>
             </a:r>
             <a:r>
               <a:rPr lang="en-US" altLang="zh-CN" sz="2000" dirty="0">
@@ -36105,7 +36273,7 @@
                 <a:latin typeface="微软雅黑" panose="020B0503020204020204" pitchFamily="34" charset="-122"/>
                 <a:ea typeface="微软雅黑" panose="020B0503020204020204" pitchFamily="34" charset="-122"/>
               </a:rPr>
-              <a:t>2 </a:t>
+              <a:t>6</a:t>
             </a:r>
             <a:r>
               <a:rPr lang="zh-CN" altLang="en-US" sz="2000" dirty="0">
@@ -36117,7 +36285,7 @@
                 <a:latin typeface="微软雅黑" panose="020B0503020204020204" pitchFamily="34" charset="-122"/>
                 <a:ea typeface="微软雅黑" panose="020B0503020204020204" pitchFamily="34" charset="-122"/>
               </a:rPr>
-              <a:t>晚 </a:t>
+              <a:t>周周</a:t>
             </a:r>
             <a:r>
               <a:rPr lang="en-US" altLang="zh-CN" sz="2000" dirty="0">
@@ -36129,7 +36297,7 @@
                 <a:latin typeface="微软雅黑" panose="020B0503020204020204" pitchFamily="34" charset="-122"/>
                 <a:ea typeface="微软雅黑" panose="020B0503020204020204" pitchFamily="34" charset="-122"/>
               </a:rPr>
-              <a:t>6:00-9:30	</a:t>
+              <a:t>4 </a:t>
             </a:r>
             <a:r>
               <a:rPr lang="zh-CN" altLang="en-US" sz="2000" dirty="0">
@@ -36141,7 +36309,7 @@
                 <a:latin typeface="微软雅黑" panose="020B0503020204020204" pitchFamily="34" charset="-122"/>
                 <a:ea typeface="微软雅黑" panose="020B0503020204020204" pitchFamily="34" charset="-122"/>
               </a:rPr>
-              <a:t>计算机学院 </a:t>
+              <a:t>晚 </a:t>
             </a:r>
             <a:r>
               <a:rPr lang="en-US" altLang="zh-CN" sz="2000" dirty="0">
@@ -36153,10 +36321,8 @@
                 <a:latin typeface="微软雅黑" panose="020B0503020204020204" pitchFamily="34" charset="-122"/>
                 <a:ea typeface="微软雅黑" panose="020B0503020204020204" pitchFamily="34" charset="-122"/>
               </a:rPr>
-              <a:t>B303</a:t>
-            </a:r>
-          </a:p>
-          <a:p>
+              <a:t>6:00-9:00	 </a:t>
+            </a:r>
             <a:r>
               <a:rPr lang="zh-CN" altLang="en-US" sz="2000" dirty="0">
                 <a:solidFill>
@@ -36167,7 +36333,7 @@
                 <a:latin typeface="微软雅黑" panose="020B0503020204020204" pitchFamily="34" charset="-122"/>
                 <a:ea typeface="微软雅黑" panose="020B0503020204020204" pitchFamily="34" charset="-122"/>
               </a:rPr>
-              <a:t>   周</a:t>
+              <a:t>计算机学院 </a:t>
             </a:r>
             <a:r>
               <a:rPr lang="en-US" altLang="zh-CN" sz="2000" dirty="0">
@@ -36179,65 +36345,8 @@
                 <a:latin typeface="微软雅黑" panose="020B0503020204020204" pitchFamily="34" charset="-122"/>
                 <a:ea typeface="微软雅黑" panose="020B0503020204020204" pitchFamily="34" charset="-122"/>
               </a:rPr>
-              <a:t>3</a:t>
-            </a:r>
-            <a:r>
-              <a:rPr lang="zh-CN" altLang="en-US" sz="2000" dirty="0">
-                <a:solidFill>
-                  <a:schemeClr val="accent6">
-                    <a:lumMod val="50000"/>
-                  </a:schemeClr>
-                </a:solidFill>
-                <a:latin typeface="微软雅黑" panose="020B0503020204020204" pitchFamily="34" charset="-122"/>
-                <a:ea typeface="微软雅黑" panose="020B0503020204020204" pitchFamily="34" charset="-122"/>
-              </a:rPr>
-              <a:t>下午</a:t>
-            </a:r>
-            <a:r>
-              <a:rPr lang="en-US" altLang="zh-CN" sz="2000" dirty="0">
-                <a:solidFill>
-                  <a:schemeClr val="accent6">
-                    <a:lumMod val="50000"/>
-                  </a:schemeClr>
-                </a:solidFill>
-                <a:latin typeface="微软雅黑" panose="020B0503020204020204" pitchFamily="34" charset="-122"/>
-                <a:ea typeface="微软雅黑" panose="020B0503020204020204" pitchFamily="34" charset="-122"/>
-              </a:rPr>
-              <a:t>2:00-5:30	</a:t>
-            </a:r>
-            <a:r>
-              <a:rPr lang="zh-CN" altLang="en-US" sz="2000" dirty="0">
-                <a:solidFill>
-                  <a:schemeClr val="accent6">
-                    <a:lumMod val="50000"/>
-                  </a:schemeClr>
-                </a:solidFill>
-                <a:latin typeface="微软雅黑" panose="020B0503020204020204" pitchFamily="34" charset="-122"/>
-                <a:ea typeface="微软雅黑" panose="020B0503020204020204" pitchFamily="34" charset="-122"/>
-              </a:rPr>
-              <a:t>计算机学院 </a:t>
-            </a:r>
-            <a:r>
-              <a:rPr lang="en-US" altLang="zh-CN" sz="2000" dirty="0">
-                <a:solidFill>
-                  <a:schemeClr val="accent6">
-                    <a:lumMod val="50000"/>
-                  </a:schemeClr>
-                </a:solidFill>
-                <a:latin typeface="微软雅黑" panose="020B0503020204020204" pitchFamily="34" charset="-122"/>
-                <a:ea typeface="微软雅黑" panose="020B0503020204020204" pitchFamily="34" charset="-122"/>
-              </a:rPr>
-              <a:t>B302</a:t>
-            </a:r>
-            <a:endParaRPr lang="zh-CN" altLang="en-US" sz="2000" dirty="0">
-              <a:solidFill>
-                <a:schemeClr val="accent6">
-                  <a:lumMod val="50000"/>
-                </a:schemeClr>
-              </a:solidFill>
-              <a:latin typeface="微软雅黑" panose="020B0503020204020204" pitchFamily="34" charset="-122"/>
-              <a:ea typeface="微软雅黑" panose="020B0503020204020204" pitchFamily="34" charset="-122"/>
-            </a:endParaRPr>
+              <a:t>B303</a:t>
+            </a:r>
           </a:p>
         </p:txBody>
       </p:sp>
@@ -43921,7 +44030,7 @@
         </p:xfrm>
         <a:graphic>
           <a:graphicData uri="http://schemas.openxmlformats.org/drawingml/2006/diagram">
-            <dgm:relIds xmlns:dgm="http://schemas.openxmlformats.org/drawingml/2006/diagram" xmlns:r="http://schemas.openxmlformats.org/officeDocument/2006/relationships" r:dm="rId2" r:lo="rId3" r:qs="rId4" r:cs="rId5"/>
+            <dgm:relIds xmlns:dgm="http://schemas.openxmlformats.org/drawingml/2006/diagram" xmlns:r="http://schemas.openxmlformats.org/officeDocument/2006/relationships" r:dm="rId3" r:lo="rId4" r:qs="rId5" r:cs="rId6"/>
           </a:graphicData>
         </a:graphic>
       </p:graphicFrame>

--- a/slides/instruction/principleWindows_3.pptx
+++ b/slides/instruction/principleWindows_3.pptx
@@ -23,7 +23,7 @@
     <p:sldId id="512" r:id="rId14"/>
     <p:sldId id="513" r:id="rId15"/>
     <p:sldId id="561" r:id="rId16"/>
-    <p:sldId id="514" r:id="rId17"/>
+    <p:sldId id="563" r:id="rId17"/>
     <p:sldId id="515" r:id="rId18"/>
     <p:sldId id="516" r:id="rId19"/>
     <p:sldId id="517" r:id="rId20"/>
@@ -21869,7 +21869,7 @@
           <a:p>
             <a:fld id="{62B690D2-9F6C-4A40-B045-5871089CDE7B}" type="datetimeFigureOut">
               <a:rPr lang="zh-CN" altLang="en-US" smtClean="0"/>
-              <a:t>2021/10/7</a:t>
+              <a:t>2021/10/13</a:t>
             </a:fld>
             <a:endParaRPr lang="zh-CN" altLang="en-US"/>
           </a:p>
@@ -22264,6 +22264,90 @@
           <a:bodyPr/>
           <a:lstStyle/>
           <a:p>
+            <a:r>
+              <a:rPr lang="en-US" altLang="zh-CN" sz="1200" b="0" i="0" kern="1200" dirty="0">
+                <a:solidFill>
+                  <a:schemeClr val="tx1"/>
+                </a:solidFill>
+                <a:effectLst/>
+                <a:latin typeface="+mn-lt"/>
+                <a:ea typeface="+mn-ea"/>
+                <a:cs typeface="+mn-cs"/>
+              </a:rPr>
+              <a:t>AMD </a:t>
+            </a:r>
+            <a:r>
+              <a:rPr lang="en-US" altLang="zh-CN" sz="1200" b="0" i="0" kern="1200" dirty="0" err="1">
+                <a:solidFill>
+                  <a:schemeClr val="tx1"/>
+                </a:solidFill>
+                <a:effectLst/>
+                <a:latin typeface="+mn-lt"/>
+                <a:ea typeface="+mn-ea"/>
+                <a:cs typeface="+mn-cs"/>
+              </a:rPr>
+              <a:t>Threadripper</a:t>
+            </a:r>
+            <a:r>
+              <a:rPr lang="en-US" altLang="zh-CN" sz="1200" b="0" i="0" kern="1200" dirty="0">
+                <a:solidFill>
+                  <a:schemeClr val="tx1"/>
+                </a:solidFill>
+                <a:effectLst/>
+                <a:latin typeface="+mn-lt"/>
+                <a:ea typeface="+mn-ea"/>
+                <a:cs typeface="+mn-cs"/>
+              </a:rPr>
+              <a:t> Pro 3995WX</a:t>
+            </a:r>
+            <a:r>
+              <a:rPr lang="zh-CN" altLang="en-US" dirty="0"/>
+              <a:t>，</a:t>
+            </a:r>
+            <a:r>
+              <a:rPr lang="en-US" altLang="zh-CN" dirty="0"/>
+              <a:t>64</a:t>
+            </a:r>
+            <a:r>
+              <a:rPr lang="zh-CN" altLang="en-US" dirty="0"/>
+              <a:t>核</a:t>
+            </a:r>
+            <a:r>
+              <a:rPr lang="en-US" altLang="zh-CN" dirty="0"/>
+              <a:t>128</a:t>
+            </a:r>
+            <a:r>
+              <a:rPr lang="zh-CN" altLang="en-US" dirty="0"/>
+              <a:t>线程，</a:t>
+            </a:r>
+            <a:r>
+              <a:rPr lang="en-US" altLang="zh-CN" dirty="0"/>
+              <a:t>7nm</a:t>
+            </a:r>
+            <a:r>
+              <a:rPr lang="zh-CN" altLang="en-US" dirty="0"/>
+              <a:t>工艺，基础频率</a:t>
+            </a:r>
+            <a:r>
+              <a:rPr lang="en-US" altLang="zh-CN" dirty="0"/>
+              <a:t>2.7GHz</a:t>
+            </a:r>
+            <a:r>
+              <a:rPr lang="zh-CN" altLang="en-US" dirty="0"/>
+              <a:t>，最高</a:t>
+            </a:r>
+            <a:r>
+              <a:rPr lang="en-US" altLang="zh-CN" dirty="0"/>
+              <a:t>4.2G</a:t>
+            </a:r>
+            <a:r>
+              <a:rPr lang="zh-CN" altLang="en-US" dirty="0"/>
+              <a:t>，</a:t>
+            </a:r>
+            <a:r>
+              <a:rPr lang="en-US" altLang="zh-CN" dirty="0"/>
+              <a:t>280W</a:t>
+            </a:r>
             <a:endParaRPr lang="zh-CN" altLang="en-US" dirty="0"/>
           </a:p>
         </p:txBody>
@@ -22285,7 +22369,7 @@
           <a:p>
             <a:fld id="{FF6B7014-1CA7-42FF-9E69-87C27AE33F47}" type="slidenum">
               <a:rPr lang="zh-CN" altLang="en-US" smtClean="0"/>
-              <a:t>34</a:t>
+              <a:t>22</a:t>
             </a:fld>
             <a:endParaRPr lang="zh-CN" altLang="en-US"/>
           </a:p>
@@ -22294,7 +22378,7 @@
     </p:spTree>
     <p:extLst>
       <p:ext uri="{BB962C8B-B14F-4D97-AF65-F5344CB8AC3E}">
-        <p14:creationId xmlns:p14="http://schemas.microsoft.com/office/powerpoint/2010/main" val="3934248989"/>
+        <p14:creationId xmlns:p14="http://schemas.microsoft.com/office/powerpoint/2010/main" val="2776087489"/>
       </p:ext>
     </p:extLst>
   </p:cSld>
@@ -22348,8 +22432,33 @@
           <a:bodyPr/>
           <a:lstStyle/>
           <a:p>
-            <a:r>
-              <a:rPr lang="zh-CN" altLang="en-US" sz="1200" b="0" i="0" kern="1200" dirty="0">
+            <a:pPr marL="0" marR="0" lvl="0" indent="0" algn="l" defTabSz="914400" rtl="0" eaLnBrk="1" fontAlgn="auto" latinLnBrk="0" hangingPunct="1">
+              <a:lnSpc>
+                <a:spcPct val="100000"/>
+              </a:lnSpc>
+              <a:spcBef>
+                <a:spcPts val="0"/>
+              </a:spcBef>
+              <a:spcAft>
+                <a:spcPts val="0"/>
+              </a:spcAft>
+              <a:buClrTx/>
+              <a:buSzTx/>
+              <a:buFontTx/>
+              <a:buNone/>
+              <a:tabLst/>
+              <a:defRPr/>
+            </a:pPr>
+            <a:r>
+              <a:rPr lang="en-US" altLang="zh-CN" dirty="0"/>
+              <a:t>FB (front bus) </a:t>
+            </a:r>
+            <a:r>
+              <a:rPr lang="zh-CN" altLang="en-US" dirty="0"/>
+              <a:t>属于</a:t>
+            </a:r>
+            <a:r>
+              <a:rPr lang="en-US" altLang="zh-CN" sz="1200" b="1" i="0" kern="1200" dirty="0">
                 <a:solidFill>
                   <a:schemeClr val="tx1"/>
                 </a:solidFill>
@@ -22358,10 +22467,10 @@
                 <a:ea typeface="+mn-ea"/>
                 <a:cs typeface="+mn-cs"/>
               </a:rPr>
-              <a:t>参见 </a:t>
-            </a:r>
-            <a:r>
-              <a:rPr lang="en-US" altLang="zh-CN" sz="1200" b="0" i="0" kern="1200" dirty="0">
+              <a:t>NUMA</a:t>
+            </a:r>
+            <a:r>
+              <a:rPr lang="zh-CN" altLang="en-US" sz="1200" b="0" i="0" kern="1200" dirty="0">
                 <a:solidFill>
                   <a:schemeClr val="tx1"/>
                 </a:solidFill>
@@ -22370,59 +22479,7 @@
                 <a:ea typeface="+mn-ea"/>
                 <a:cs typeface="+mn-cs"/>
               </a:rPr>
-              <a:t>https://blog.csdn.net/weixin_41049188/article/details/100109624</a:t>
-            </a:r>
-          </a:p>
-          <a:p>
-            <a:r>
-              <a:rPr lang="en-US" altLang="zh-CN" sz="1200" b="0" i="0" kern="1200" dirty="0" err="1">
-                <a:solidFill>
-                  <a:schemeClr val="tx1"/>
-                </a:solidFill>
-                <a:effectLst/>
-                <a:latin typeface="+mn-lt"/>
-                <a:ea typeface="+mn-ea"/>
-                <a:cs typeface="+mn-cs"/>
-              </a:rPr>
-              <a:t>WaitHandle</a:t>
-            </a:r>
-            <a:r>
-              <a:rPr lang="zh-CN" altLang="en-US" sz="1200" b="0" i="0" kern="1200" dirty="0">
-                <a:solidFill>
-                  <a:schemeClr val="tx1"/>
-                </a:solidFill>
-                <a:effectLst/>
-                <a:latin typeface="+mn-lt"/>
-                <a:ea typeface="+mn-ea"/>
-                <a:cs typeface="+mn-cs"/>
-              </a:rPr>
-              <a:t>：是一个抽象类，我们一般不直接用，而是用它的派生类：</a:t>
-            </a:r>
-          </a:p>
-          <a:p>
-            <a:r>
-              <a:rPr lang="en-US" altLang="zh-CN" sz="1200" b="1" i="0" kern="1200" dirty="0">
-                <a:solidFill>
-                  <a:schemeClr val="tx1"/>
-                </a:solidFill>
-                <a:effectLst/>
-                <a:latin typeface="+mn-lt"/>
-                <a:ea typeface="+mn-ea"/>
-                <a:cs typeface="+mn-cs"/>
-              </a:rPr>
-              <a:t>1. </a:t>
-            </a:r>
-            <a:r>
-              <a:rPr lang="en-US" altLang="zh-CN" sz="1200" b="1" i="0" kern="1200" dirty="0" err="1">
-                <a:solidFill>
-                  <a:schemeClr val="tx1"/>
-                </a:solidFill>
-                <a:effectLst/>
-                <a:latin typeface="+mn-lt"/>
-                <a:ea typeface="+mn-ea"/>
-                <a:cs typeface="+mn-cs"/>
-              </a:rPr>
-              <a:t>AutoResetEvent</a:t>
+              <a:t>架构</a:t>
             </a:r>
             <a:endParaRPr lang="en-US" altLang="zh-CN" sz="1200" b="0" i="0" kern="1200" dirty="0">
               <a:solidFill>
@@ -22435,6 +22492,23 @@
             </a:endParaRPr>
           </a:p>
           <a:p>
+            <a:pPr marL="0" marR="0" lvl="0" indent="0" algn="l" defTabSz="914400" rtl="0" eaLnBrk="1" fontAlgn="auto" latinLnBrk="0" hangingPunct="1">
+              <a:lnSpc>
+                <a:spcPct val="100000"/>
+              </a:lnSpc>
+              <a:spcBef>
+                <a:spcPts val="0"/>
+              </a:spcBef>
+              <a:spcAft>
+                <a:spcPts val="0"/>
+              </a:spcAft>
+              <a:buClrTx/>
+              <a:buSzTx/>
+              <a:buFontTx/>
+              <a:buNone/>
+              <a:tabLst/>
+              <a:defRPr/>
+            </a:pPr>
             <a:r>
               <a:rPr lang="en-US" altLang="zh-CN" sz="1200" b="1" i="0" kern="1200" dirty="0">
                 <a:solidFill>
@@ -22445,95 +22519,8 @@
                 <a:ea typeface="+mn-ea"/>
                 <a:cs typeface="+mn-cs"/>
               </a:rPr>
-              <a:t>2. </a:t>
-            </a:r>
-            <a:r>
-              <a:rPr lang="en-US" altLang="zh-CN" sz="1200" b="1" i="0" kern="1200" dirty="0" err="1">
-                <a:solidFill>
-                  <a:schemeClr val="tx1"/>
-                </a:solidFill>
-                <a:effectLst/>
-                <a:latin typeface="+mn-lt"/>
-                <a:ea typeface="+mn-ea"/>
-                <a:cs typeface="+mn-cs"/>
-              </a:rPr>
-              <a:t>EventWaitHandle</a:t>
-            </a:r>
-            <a:endParaRPr lang="en-US" altLang="zh-CN" sz="1200" b="0" i="0" kern="1200" dirty="0">
-              <a:solidFill>
-                <a:schemeClr val="tx1"/>
-              </a:solidFill>
-              <a:effectLst/>
-              <a:latin typeface="+mn-lt"/>
-              <a:ea typeface="+mn-ea"/>
-              <a:cs typeface="+mn-cs"/>
-            </a:endParaRPr>
-          </a:p>
-          <a:p>
-            <a:r>
-              <a:rPr lang="en-US" altLang="zh-CN" sz="1200" b="1" i="0" kern="1200" dirty="0">
-                <a:solidFill>
-                  <a:schemeClr val="tx1"/>
-                </a:solidFill>
-                <a:effectLst/>
-                <a:latin typeface="+mn-lt"/>
-                <a:ea typeface="+mn-ea"/>
-                <a:cs typeface="+mn-cs"/>
-              </a:rPr>
-              <a:t>3. </a:t>
-            </a:r>
-            <a:r>
-              <a:rPr lang="en-US" altLang="zh-CN" sz="1200" b="1" i="0" kern="1200" dirty="0" err="1">
-                <a:solidFill>
-                  <a:schemeClr val="tx1"/>
-                </a:solidFill>
-                <a:effectLst/>
-                <a:latin typeface="+mn-lt"/>
-                <a:ea typeface="+mn-ea"/>
-                <a:cs typeface="+mn-cs"/>
-              </a:rPr>
-              <a:t>ManualResetEvent</a:t>
-            </a:r>
-            <a:endParaRPr lang="en-US" altLang="zh-CN" sz="1200" b="0" i="0" kern="1200" dirty="0">
-              <a:solidFill>
-                <a:schemeClr val="tx1"/>
-              </a:solidFill>
-              <a:effectLst/>
-              <a:latin typeface="+mn-lt"/>
-              <a:ea typeface="+mn-ea"/>
-              <a:cs typeface="+mn-cs"/>
-            </a:endParaRPr>
-          </a:p>
-          <a:p>
-            <a:r>
-              <a:rPr lang="en-US" altLang="zh-CN" sz="1200" b="0" i="0" kern="1200" dirty="0">
-                <a:solidFill>
-                  <a:schemeClr val="tx1"/>
-                </a:solidFill>
-                <a:effectLst/>
-                <a:latin typeface="+mn-lt"/>
-                <a:ea typeface="+mn-ea"/>
-                <a:cs typeface="+mn-cs"/>
-              </a:rPr>
-              <a:t>4. Mutex</a:t>
-            </a:r>
-          </a:p>
-          <a:p>
-            <a:r>
-              <a:rPr lang="en-US" altLang="zh-CN" sz="1200" b="0" i="0" kern="1200" dirty="0">
-                <a:solidFill>
-                  <a:schemeClr val="tx1"/>
-                </a:solidFill>
-                <a:effectLst/>
-                <a:latin typeface="+mn-lt"/>
-                <a:ea typeface="+mn-ea"/>
-                <a:cs typeface="+mn-cs"/>
-              </a:rPr>
-              <a:t>5. Semaphore</a:t>
-            </a:r>
-          </a:p>
-          <a:p>
-            <a:endParaRPr lang="zh-CN" altLang="en-US" dirty="0"/>
+              <a:t>http://www.cnblogs.com/diegodu/p/9340243.html</a:t>
+            </a:r>
           </a:p>
         </p:txBody>
       </p:sp>
@@ -22544,7 +22531,7 @@
             <a:spLocks noGrp="1"/>
           </p:cNvSpPr>
           <p:nvPr>
-            <p:ph type="sldNum" sz="quarter" idx="5"/>
+            <p:ph type="sldNum" sz="quarter" idx="10"/>
           </p:nvPr>
         </p:nvSpPr>
         <p:spPr/>
@@ -22552,18 +22539,24 @@
           <a:bodyPr/>
           <a:lstStyle/>
           <a:p>
-            <a:fld id="{FF6B7014-1CA7-42FF-9E69-87C27AE33F47}" type="slidenum">
-              <a:rPr lang="zh-CN" altLang="en-US" smtClean="0"/>
-              <a:t>37</a:t>
+            <a:pPr>
+              <a:defRPr/>
+            </a:pPr>
+            <a:fld id="{2B4AFDB2-0EDC-4C9F-9F69-C798F77C05B1}" type="slidenum">
+              <a:rPr lang="en-US" altLang="zh-CN" smtClean="0"/>
+              <a:pPr>
+                <a:defRPr/>
+              </a:pPr>
+              <a:t>23</a:t>
             </a:fld>
-            <a:endParaRPr lang="zh-CN" altLang="en-US"/>
+            <a:endParaRPr lang="en-US" altLang="zh-CN"/>
           </a:p>
         </p:txBody>
       </p:sp>
     </p:spTree>
     <p:extLst>
       <p:ext uri="{BB962C8B-B14F-4D97-AF65-F5344CB8AC3E}">
-        <p14:creationId xmlns:p14="http://schemas.microsoft.com/office/powerpoint/2010/main" val="1513445381"/>
+        <p14:creationId xmlns:p14="http://schemas.microsoft.com/office/powerpoint/2010/main" val="1920582923"/>
       </p:ext>
     </p:extLst>
   </p:cSld>
@@ -22617,103 +22610,7 @@
           <a:bodyPr/>
           <a:lstStyle/>
           <a:p>
-            <a:r>
-              <a:rPr lang="en-US" altLang="zh-CN" sz="1200" kern="1200" dirty="0">
-                <a:solidFill>
-                  <a:schemeClr val="tx1"/>
-                </a:solidFill>
-                <a:effectLst/>
-                <a:latin typeface="+mn-lt"/>
-                <a:ea typeface="+mn-ea"/>
-                <a:cs typeface="+mn-cs"/>
-              </a:rPr>
-              <a:t>foreach</a:t>
-            </a:r>
-            <a:r>
-              <a:rPr lang="en-US" altLang="zh-CN" dirty="0"/>
-              <a:t> (</a:t>
-            </a:r>
-            <a:r>
-              <a:rPr lang="en-US" altLang="zh-CN" dirty="0" err="1"/>
-              <a:t>ParameterInfo</a:t>
-            </a:r>
-            <a:r>
-              <a:rPr lang="en-US" altLang="zh-CN" dirty="0"/>
-              <a:t> </a:t>
-            </a:r>
-            <a:r>
-              <a:rPr lang="en-US" altLang="zh-CN" dirty="0" err="1"/>
-              <a:t>parInfo</a:t>
-            </a:r>
-            <a:r>
-              <a:rPr lang="en-US" altLang="zh-CN" dirty="0"/>
-              <a:t> </a:t>
-            </a:r>
-            <a:r>
-              <a:rPr lang="en-US" altLang="zh-CN" sz="1200" kern="1200" dirty="0">
-                <a:solidFill>
-                  <a:schemeClr val="tx1"/>
-                </a:solidFill>
-                <a:effectLst/>
-                <a:latin typeface="+mn-lt"/>
-                <a:ea typeface="+mn-ea"/>
-                <a:cs typeface="+mn-cs"/>
-              </a:rPr>
-              <a:t>in </a:t>
-            </a:r>
-            <a:r>
-              <a:rPr lang="en-US" altLang="zh-CN" sz="1200" kern="1200" dirty="0" err="1">
-                <a:solidFill>
-                  <a:schemeClr val="tx1"/>
-                </a:solidFill>
-                <a:effectLst/>
-                <a:latin typeface="+mn-lt"/>
-                <a:ea typeface="+mn-ea"/>
-                <a:cs typeface="+mn-cs"/>
-              </a:rPr>
-              <a:t>method.GetParameters</a:t>
-            </a:r>
-            <a:r>
-              <a:rPr lang="en-US" altLang="zh-CN" sz="1200" kern="1200" dirty="0">
-                <a:solidFill>
-                  <a:schemeClr val="tx1"/>
-                </a:solidFill>
-                <a:effectLst/>
-                <a:latin typeface="+mn-lt"/>
-                <a:ea typeface="+mn-ea"/>
-                <a:cs typeface="+mn-cs"/>
-              </a:rPr>
-              <a:t>()) {</a:t>
-            </a:r>
-          </a:p>
-          <a:p>
-            <a:r>
-              <a:rPr lang="en-US" altLang="zh-CN" dirty="0"/>
-              <a:t>    if (</a:t>
-            </a:r>
-            <a:r>
-              <a:rPr lang="en-US" altLang="zh-CN" dirty="0" err="1"/>
-              <a:t>parInfo.IsOut</a:t>
-            </a:r>
-            <a:r>
-              <a:rPr lang="en-US" altLang="zh-CN" dirty="0"/>
-              <a:t>)  { …</a:t>
-            </a:r>
-            <a:r>
-              <a:rPr lang="zh-CN" altLang="en-US" dirty="0"/>
-              <a:t> </a:t>
-            </a:r>
-            <a:r>
-              <a:rPr lang="en-US" altLang="zh-CN" dirty="0"/>
-              <a:t>}</a:t>
-            </a:r>
-          </a:p>
-          <a:p>
-            <a:r>
-              <a:rPr lang="en-US" altLang="zh-CN" dirty="0"/>
-              <a:t>}</a:t>
-            </a:r>
-            <a:endParaRPr lang="zh-CN" altLang="en-US" dirty="0"/>
+            <a:endParaRPr lang="zh-CN" altLang="en-US"/>
           </a:p>
         </p:txBody>
       </p:sp>
@@ -22724,7 +22621,7 @@
             <a:spLocks noGrp="1"/>
           </p:cNvSpPr>
           <p:nvPr>
-            <p:ph type="sldNum" sz="quarter" idx="5"/>
+            <p:ph type="sldNum" sz="quarter" idx="10"/>
           </p:nvPr>
         </p:nvSpPr>
         <p:spPr/>
@@ -22732,18 +22629,24 @@
           <a:bodyPr/>
           <a:lstStyle/>
           <a:p>
-            <a:fld id="{FF6B7014-1CA7-42FF-9E69-87C27AE33F47}" type="slidenum">
-              <a:rPr lang="zh-CN" altLang="en-US" smtClean="0"/>
-              <a:t>39</a:t>
+            <a:pPr>
+              <a:defRPr/>
+            </a:pPr>
+            <a:fld id="{2B4AFDB2-0EDC-4C9F-9F69-C798F77C05B1}" type="slidenum">
+              <a:rPr lang="en-US" altLang="zh-CN" smtClean="0"/>
+              <a:pPr>
+                <a:defRPr/>
+              </a:pPr>
+              <a:t>24</a:t>
             </a:fld>
-            <a:endParaRPr lang="zh-CN" altLang="en-US"/>
+            <a:endParaRPr lang="en-US" altLang="zh-CN"/>
           </a:p>
         </p:txBody>
       </p:sp>
     </p:spTree>
     <p:extLst>
       <p:ext uri="{BB962C8B-B14F-4D97-AF65-F5344CB8AC3E}">
-        <p14:creationId xmlns:p14="http://schemas.microsoft.com/office/powerpoint/2010/main" val="4210248628"/>
+        <p14:creationId xmlns:p14="http://schemas.microsoft.com/office/powerpoint/2010/main" val="3732243218"/>
       </p:ext>
     </p:extLst>
   </p:cSld>
@@ -22798,10 +22701,45 @@
           <a:lstStyle/>
           <a:p>
             <a:r>
-              <a:rPr lang="en-US" altLang="zh-CN" dirty="0"/>
-              <a:t>https://blog.csdn.net/u013986317/article/details/87909603</a:t>
-            </a:r>
-            <a:endParaRPr lang="zh-CN" altLang="en-US" dirty="0"/>
+              <a:rPr lang="en-US" altLang="zh-CN" sz="1800" dirty="0"/>
+              <a:t>Invoke</a:t>
+            </a:r>
+            <a:r>
+              <a:rPr lang="zh-CN" altLang="en-US" sz="1800" dirty="0"/>
+              <a:t>方法会顺着控件树向上搜索，直到找到创建控件的那个线程（通常是主线程），然后进入那个线程改变控件的外观，确保不发生线程冲突。</a:t>
+            </a:r>
+            <a:endParaRPr lang="en-US" altLang="zh-CN" sz="1800" dirty="0"/>
+          </a:p>
+          <a:p>
+            <a:r>
+              <a:rPr lang="en-US" altLang="zh-CN" sz="1800" dirty="0"/>
+              <a:t>C# </a:t>
+            </a:r>
+            <a:r>
+              <a:rPr lang="zh-CN" altLang="en-US" sz="1800" dirty="0"/>
+              <a:t>通过</a:t>
+            </a:r>
+            <a:r>
+              <a:rPr lang="en-US" altLang="zh-CN" sz="1800" dirty="0" err="1"/>
+              <a:t>PostMessage</a:t>
+            </a:r>
+            <a:r>
+              <a:rPr lang="zh-CN" altLang="en-US" sz="1800" dirty="0"/>
+              <a:t>完成</a:t>
+            </a:r>
+            <a:r>
+              <a:rPr lang="en-US" altLang="zh-CN" sz="1800" dirty="0"/>
+              <a:t>UI</a:t>
+            </a:r>
+            <a:r>
+              <a:rPr lang="zh-CN" altLang="en-US" sz="1800" dirty="0"/>
+              <a:t>的更新</a:t>
+            </a:r>
+            <a:r>
+              <a:rPr lang="en-US" altLang="zh-CN" sz="1800" dirty="0"/>
+              <a:t>:  https://www.cnblogs.com/stonecastle/p/3142084.html</a:t>
+            </a:r>
+            <a:endParaRPr lang="zh-CN" altLang="en-US" sz="1800" dirty="0"/>
           </a:p>
         </p:txBody>
       </p:sp>
@@ -22822,6 +22760,711 @@
           <a:p>
             <a:fld id="{FF6B7014-1CA7-42FF-9E69-87C27AE33F47}" type="slidenum">
               <a:rPr lang="zh-CN" altLang="en-US" smtClean="0"/>
+              <a:t>28</a:t>
+            </a:fld>
+            <a:endParaRPr lang="zh-CN" altLang="en-US"/>
+          </a:p>
+        </p:txBody>
+      </p:sp>
+    </p:spTree>
+    <p:extLst>
+      <p:ext uri="{BB962C8B-B14F-4D97-AF65-F5344CB8AC3E}">
+        <p14:creationId xmlns:p14="http://schemas.microsoft.com/office/powerpoint/2010/main" val="3567416740"/>
+      </p:ext>
+    </p:extLst>
+  </p:cSld>
+  <p:clrMapOvr>
+    <a:masterClrMapping/>
+  </p:clrMapOvr>
+</p:notes>
+</file>
+
+<file path=ppt/notesSlides/notesSlide14.xml><?xml version="1.0" encoding="utf-8"?>
+<p:notes xmlns:a="http://schemas.openxmlformats.org/drawingml/2006/main" xmlns:r="http://schemas.openxmlformats.org/officeDocument/2006/relationships" xmlns:p="http://schemas.openxmlformats.org/presentationml/2006/main">
+  <p:cSld>
+    <p:spTree>
+      <p:nvGrpSpPr>
+        <p:cNvPr id="1" name=""/>
+        <p:cNvGrpSpPr/>
+        <p:nvPr/>
+      </p:nvGrpSpPr>
+      <p:grpSpPr>
+        <a:xfrm>
+          <a:off x="0" y="0"/>
+          <a:ext cx="0" cy="0"/>
+          <a:chOff x="0" y="0"/>
+          <a:chExt cx="0" cy="0"/>
+        </a:xfrm>
+      </p:grpSpPr>
+      <p:sp>
+        <p:nvSpPr>
+          <p:cNvPr id="2" name="幻灯片图像占位符 1"/>
+          <p:cNvSpPr>
+            <a:spLocks noGrp="1" noRot="1" noChangeAspect="1"/>
+          </p:cNvSpPr>
+          <p:nvPr>
+            <p:ph type="sldImg"/>
+          </p:nvPr>
+        </p:nvSpPr>
+        <p:spPr/>
+      </p:sp>
+      <p:sp>
+        <p:nvSpPr>
+          <p:cNvPr id="3" name="备注占位符 2"/>
+          <p:cNvSpPr>
+            <a:spLocks noGrp="1"/>
+          </p:cNvSpPr>
+          <p:nvPr>
+            <p:ph type="body" idx="1"/>
+          </p:nvPr>
+        </p:nvSpPr>
+        <p:spPr/>
+        <p:txBody>
+          <a:bodyPr/>
+          <a:lstStyle/>
+          <a:p>
+            <a:endParaRPr lang="zh-CN" altLang="en-US" dirty="0"/>
+          </a:p>
+        </p:txBody>
+      </p:sp>
+      <p:sp>
+        <p:nvSpPr>
+          <p:cNvPr id="4" name="灯片编号占位符 3"/>
+          <p:cNvSpPr>
+            <a:spLocks noGrp="1"/>
+          </p:cNvSpPr>
+          <p:nvPr>
+            <p:ph type="sldNum" sz="quarter" idx="5"/>
+          </p:nvPr>
+        </p:nvSpPr>
+        <p:spPr/>
+        <p:txBody>
+          <a:bodyPr/>
+          <a:lstStyle/>
+          <a:p>
+            <a:fld id="{FF6B7014-1CA7-42FF-9E69-87C27AE33F47}" type="slidenum">
+              <a:rPr lang="zh-CN" altLang="en-US" smtClean="0"/>
+              <a:t>33</a:t>
+            </a:fld>
+            <a:endParaRPr lang="zh-CN" altLang="en-US"/>
+          </a:p>
+        </p:txBody>
+      </p:sp>
+    </p:spTree>
+    <p:extLst>
+      <p:ext uri="{BB962C8B-B14F-4D97-AF65-F5344CB8AC3E}">
+        <p14:creationId xmlns:p14="http://schemas.microsoft.com/office/powerpoint/2010/main" val="2264776296"/>
+      </p:ext>
+    </p:extLst>
+  </p:cSld>
+  <p:clrMapOvr>
+    <a:masterClrMapping/>
+  </p:clrMapOvr>
+</p:notes>
+</file>
+
+<file path=ppt/notesSlides/notesSlide15.xml><?xml version="1.0" encoding="utf-8"?>
+<p:notes xmlns:a="http://schemas.openxmlformats.org/drawingml/2006/main" xmlns:r="http://schemas.openxmlformats.org/officeDocument/2006/relationships" xmlns:p="http://schemas.openxmlformats.org/presentationml/2006/main">
+  <p:cSld>
+    <p:spTree>
+      <p:nvGrpSpPr>
+        <p:cNvPr id="1" name=""/>
+        <p:cNvGrpSpPr/>
+        <p:nvPr/>
+      </p:nvGrpSpPr>
+      <p:grpSpPr>
+        <a:xfrm>
+          <a:off x="0" y="0"/>
+          <a:ext cx="0" cy="0"/>
+          <a:chOff x="0" y="0"/>
+          <a:chExt cx="0" cy="0"/>
+        </a:xfrm>
+      </p:grpSpPr>
+      <p:sp>
+        <p:nvSpPr>
+          <p:cNvPr id="2" name="幻灯片图像占位符 1"/>
+          <p:cNvSpPr>
+            <a:spLocks noGrp="1" noRot="1" noChangeAspect="1"/>
+          </p:cNvSpPr>
+          <p:nvPr>
+            <p:ph type="sldImg"/>
+          </p:nvPr>
+        </p:nvSpPr>
+        <p:spPr/>
+      </p:sp>
+      <p:sp>
+        <p:nvSpPr>
+          <p:cNvPr id="3" name="备注占位符 2"/>
+          <p:cNvSpPr>
+            <a:spLocks noGrp="1"/>
+          </p:cNvSpPr>
+          <p:nvPr>
+            <p:ph type="body" idx="1"/>
+          </p:nvPr>
+        </p:nvSpPr>
+        <p:spPr/>
+        <p:txBody>
+          <a:bodyPr/>
+          <a:lstStyle/>
+          <a:p>
+            <a:endParaRPr lang="zh-CN" altLang="en-US" dirty="0"/>
+          </a:p>
+        </p:txBody>
+      </p:sp>
+      <p:sp>
+        <p:nvSpPr>
+          <p:cNvPr id="4" name="灯片编号占位符 3"/>
+          <p:cNvSpPr>
+            <a:spLocks noGrp="1"/>
+          </p:cNvSpPr>
+          <p:nvPr>
+            <p:ph type="sldNum" sz="quarter" idx="5"/>
+          </p:nvPr>
+        </p:nvSpPr>
+        <p:spPr/>
+        <p:txBody>
+          <a:bodyPr/>
+          <a:lstStyle/>
+          <a:p>
+            <a:fld id="{FF6B7014-1CA7-42FF-9E69-87C27AE33F47}" type="slidenum">
+              <a:rPr lang="zh-CN" altLang="en-US" smtClean="0"/>
+              <a:t>34</a:t>
+            </a:fld>
+            <a:endParaRPr lang="zh-CN" altLang="en-US"/>
+          </a:p>
+        </p:txBody>
+      </p:sp>
+    </p:spTree>
+    <p:extLst>
+      <p:ext uri="{BB962C8B-B14F-4D97-AF65-F5344CB8AC3E}">
+        <p14:creationId xmlns:p14="http://schemas.microsoft.com/office/powerpoint/2010/main" val="3934248989"/>
+      </p:ext>
+    </p:extLst>
+  </p:cSld>
+  <p:clrMapOvr>
+    <a:masterClrMapping/>
+  </p:clrMapOvr>
+</p:notes>
+</file>
+
+<file path=ppt/notesSlides/notesSlide16.xml><?xml version="1.0" encoding="utf-8"?>
+<p:notes xmlns:a="http://schemas.openxmlformats.org/drawingml/2006/main" xmlns:r="http://schemas.openxmlformats.org/officeDocument/2006/relationships" xmlns:p="http://schemas.openxmlformats.org/presentationml/2006/main">
+  <p:cSld>
+    <p:spTree>
+      <p:nvGrpSpPr>
+        <p:cNvPr id="1" name=""/>
+        <p:cNvGrpSpPr/>
+        <p:nvPr/>
+      </p:nvGrpSpPr>
+      <p:grpSpPr>
+        <a:xfrm>
+          <a:off x="0" y="0"/>
+          <a:ext cx="0" cy="0"/>
+          <a:chOff x="0" y="0"/>
+          <a:chExt cx="0" cy="0"/>
+        </a:xfrm>
+      </p:grpSpPr>
+      <p:sp>
+        <p:nvSpPr>
+          <p:cNvPr id="2" name="幻灯片图像占位符 1"/>
+          <p:cNvSpPr>
+            <a:spLocks noGrp="1" noRot="1" noChangeAspect="1"/>
+          </p:cNvSpPr>
+          <p:nvPr>
+            <p:ph type="sldImg"/>
+          </p:nvPr>
+        </p:nvSpPr>
+        <p:spPr/>
+      </p:sp>
+      <p:sp>
+        <p:nvSpPr>
+          <p:cNvPr id="3" name="备注占位符 2"/>
+          <p:cNvSpPr>
+            <a:spLocks noGrp="1"/>
+          </p:cNvSpPr>
+          <p:nvPr>
+            <p:ph type="body" idx="1"/>
+          </p:nvPr>
+        </p:nvSpPr>
+        <p:spPr/>
+        <p:txBody>
+          <a:bodyPr/>
+          <a:lstStyle/>
+          <a:p>
+            <a:r>
+              <a:rPr lang="zh-CN" altLang="en-US" sz="1200" b="0" i="0" kern="1200" dirty="0">
+                <a:solidFill>
+                  <a:schemeClr val="tx1"/>
+                </a:solidFill>
+                <a:effectLst/>
+                <a:latin typeface="+mn-lt"/>
+                <a:ea typeface="+mn-ea"/>
+                <a:cs typeface="+mn-cs"/>
+              </a:rPr>
+              <a:t>参见 </a:t>
+            </a:r>
+            <a:r>
+              <a:rPr lang="en-US" altLang="zh-CN" sz="1200" b="0" i="0" kern="1200" dirty="0">
+                <a:solidFill>
+                  <a:schemeClr val="tx1"/>
+                </a:solidFill>
+                <a:effectLst/>
+                <a:latin typeface="+mn-lt"/>
+                <a:ea typeface="+mn-ea"/>
+                <a:cs typeface="+mn-cs"/>
+              </a:rPr>
+              <a:t>https://blog.csdn.net/weixin_41049188/article/details/100109624</a:t>
+            </a:r>
+          </a:p>
+          <a:p>
+            <a:r>
+              <a:rPr lang="en-US" altLang="zh-CN" sz="1200" b="0" i="0" kern="1200" dirty="0" err="1">
+                <a:solidFill>
+                  <a:schemeClr val="tx1"/>
+                </a:solidFill>
+                <a:effectLst/>
+                <a:latin typeface="+mn-lt"/>
+                <a:ea typeface="+mn-ea"/>
+                <a:cs typeface="+mn-cs"/>
+              </a:rPr>
+              <a:t>WaitHandle</a:t>
+            </a:r>
+            <a:r>
+              <a:rPr lang="zh-CN" altLang="en-US" sz="1200" b="0" i="0" kern="1200" dirty="0">
+                <a:solidFill>
+                  <a:schemeClr val="tx1"/>
+                </a:solidFill>
+                <a:effectLst/>
+                <a:latin typeface="+mn-lt"/>
+                <a:ea typeface="+mn-ea"/>
+                <a:cs typeface="+mn-cs"/>
+              </a:rPr>
+              <a:t>：是一个抽象类，我们一般不直接用，而是用它的派生类：</a:t>
+            </a:r>
+          </a:p>
+          <a:p>
+            <a:r>
+              <a:rPr lang="en-US" altLang="zh-CN" sz="1200" b="1" i="0" kern="1200" dirty="0">
+                <a:solidFill>
+                  <a:schemeClr val="tx1"/>
+                </a:solidFill>
+                <a:effectLst/>
+                <a:latin typeface="+mn-lt"/>
+                <a:ea typeface="+mn-ea"/>
+                <a:cs typeface="+mn-cs"/>
+              </a:rPr>
+              <a:t>1. </a:t>
+            </a:r>
+            <a:r>
+              <a:rPr lang="en-US" altLang="zh-CN" sz="1200" b="1" i="0" kern="1200" dirty="0" err="1">
+                <a:solidFill>
+                  <a:schemeClr val="tx1"/>
+                </a:solidFill>
+                <a:effectLst/>
+                <a:latin typeface="+mn-lt"/>
+                <a:ea typeface="+mn-ea"/>
+                <a:cs typeface="+mn-cs"/>
+              </a:rPr>
+              <a:t>AutoResetEvent</a:t>
+            </a:r>
+            <a:endParaRPr lang="en-US" altLang="zh-CN" sz="1200" b="0" i="0" kern="1200" dirty="0">
+              <a:solidFill>
+                <a:schemeClr val="tx1"/>
+              </a:solidFill>
+              <a:effectLst/>
+              <a:latin typeface="+mn-lt"/>
+              <a:ea typeface="+mn-ea"/>
+              <a:cs typeface="+mn-cs"/>
+            </a:endParaRPr>
+          </a:p>
+          <a:p>
+            <a:r>
+              <a:rPr lang="en-US" altLang="zh-CN" sz="1200" b="1" i="0" kern="1200" dirty="0">
+                <a:solidFill>
+                  <a:schemeClr val="tx1"/>
+                </a:solidFill>
+                <a:effectLst/>
+                <a:latin typeface="+mn-lt"/>
+                <a:ea typeface="+mn-ea"/>
+                <a:cs typeface="+mn-cs"/>
+              </a:rPr>
+              <a:t>2. </a:t>
+            </a:r>
+            <a:r>
+              <a:rPr lang="en-US" altLang="zh-CN" sz="1200" b="1" i="0" kern="1200" dirty="0" err="1">
+                <a:solidFill>
+                  <a:schemeClr val="tx1"/>
+                </a:solidFill>
+                <a:effectLst/>
+                <a:latin typeface="+mn-lt"/>
+                <a:ea typeface="+mn-ea"/>
+                <a:cs typeface="+mn-cs"/>
+              </a:rPr>
+              <a:t>EventWaitHandle</a:t>
+            </a:r>
+            <a:endParaRPr lang="en-US" altLang="zh-CN" sz="1200" b="0" i="0" kern="1200" dirty="0">
+              <a:solidFill>
+                <a:schemeClr val="tx1"/>
+              </a:solidFill>
+              <a:effectLst/>
+              <a:latin typeface="+mn-lt"/>
+              <a:ea typeface="+mn-ea"/>
+              <a:cs typeface="+mn-cs"/>
+            </a:endParaRPr>
+          </a:p>
+          <a:p>
+            <a:r>
+              <a:rPr lang="en-US" altLang="zh-CN" sz="1200" b="1" i="0" kern="1200" dirty="0">
+                <a:solidFill>
+                  <a:schemeClr val="tx1"/>
+                </a:solidFill>
+                <a:effectLst/>
+                <a:latin typeface="+mn-lt"/>
+                <a:ea typeface="+mn-ea"/>
+                <a:cs typeface="+mn-cs"/>
+              </a:rPr>
+              <a:t>3. </a:t>
+            </a:r>
+            <a:r>
+              <a:rPr lang="en-US" altLang="zh-CN" sz="1200" b="1" i="0" kern="1200" dirty="0" err="1">
+                <a:solidFill>
+                  <a:schemeClr val="tx1"/>
+                </a:solidFill>
+                <a:effectLst/>
+                <a:latin typeface="+mn-lt"/>
+                <a:ea typeface="+mn-ea"/>
+                <a:cs typeface="+mn-cs"/>
+              </a:rPr>
+              <a:t>ManualResetEvent</a:t>
+            </a:r>
+            <a:endParaRPr lang="en-US" altLang="zh-CN" sz="1200" b="0" i="0" kern="1200" dirty="0">
+              <a:solidFill>
+                <a:schemeClr val="tx1"/>
+              </a:solidFill>
+              <a:effectLst/>
+              <a:latin typeface="+mn-lt"/>
+              <a:ea typeface="+mn-ea"/>
+              <a:cs typeface="+mn-cs"/>
+            </a:endParaRPr>
+          </a:p>
+          <a:p>
+            <a:r>
+              <a:rPr lang="en-US" altLang="zh-CN" sz="1200" b="0" i="0" kern="1200" dirty="0">
+                <a:solidFill>
+                  <a:schemeClr val="tx1"/>
+                </a:solidFill>
+                <a:effectLst/>
+                <a:latin typeface="+mn-lt"/>
+                <a:ea typeface="+mn-ea"/>
+                <a:cs typeface="+mn-cs"/>
+              </a:rPr>
+              <a:t>4. Mutex</a:t>
+            </a:r>
+          </a:p>
+          <a:p>
+            <a:r>
+              <a:rPr lang="en-US" altLang="zh-CN" sz="1200" b="0" i="0" kern="1200" dirty="0">
+                <a:solidFill>
+                  <a:schemeClr val="tx1"/>
+                </a:solidFill>
+                <a:effectLst/>
+                <a:latin typeface="+mn-lt"/>
+                <a:ea typeface="+mn-ea"/>
+                <a:cs typeface="+mn-cs"/>
+              </a:rPr>
+              <a:t>5. Semaphore</a:t>
+            </a:r>
+          </a:p>
+          <a:p>
+            <a:endParaRPr lang="zh-CN" altLang="en-US" dirty="0"/>
+          </a:p>
+        </p:txBody>
+      </p:sp>
+      <p:sp>
+        <p:nvSpPr>
+          <p:cNvPr id="4" name="灯片编号占位符 3"/>
+          <p:cNvSpPr>
+            <a:spLocks noGrp="1"/>
+          </p:cNvSpPr>
+          <p:nvPr>
+            <p:ph type="sldNum" sz="quarter" idx="5"/>
+          </p:nvPr>
+        </p:nvSpPr>
+        <p:spPr/>
+        <p:txBody>
+          <a:bodyPr/>
+          <a:lstStyle/>
+          <a:p>
+            <a:fld id="{FF6B7014-1CA7-42FF-9E69-87C27AE33F47}" type="slidenum">
+              <a:rPr lang="zh-CN" altLang="en-US" smtClean="0"/>
+              <a:t>37</a:t>
+            </a:fld>
+            <a:endParaRPr lang="zh-CN" altLang="en-US"/>
+          </a:p>
+        </p:txBody>
+      </p:sp>
+    </p:spTree>
+    <p:extLst>
+      <p:ext uri="{BB962C8B-B14F-4D97-AF65-F5344CB8AC3E}">
+        <p14:creationId xmlns:p14="http://schemas.microsoft.com/office/powerpoint/2010/main" val="1513445381"/>
+      </p:ext>
+    </p:extLst>
+  </p:cSld>
+  <p:clrMapOvr>
+    <a:masterClrMapping/>
+  </p:clrMapOvr>
+</p:notes>
+</file>
+
+<file path=ppt/notesSlides/notesSlide17.xml><?xml version="1.0" encoding="utf-8"?>
+<p:notes xmlns:a="http://schemas.openxmlformats.org/drawingml/2006/main" xmlns:r="http://schemas.openxmlformats.org/officeDocument/2006/relationships" xmlns:p="http://schemas.openxmlformats.org/presentationml/2006/main">
+  <p:cSld>
+    <p:spTree>
+      <p:nvGrpSpPr>
+        <p:cNvPr id="1" name=""/>
+        <p:cNvGrpSpPr/>
+        <p:nvPr/>
+      </p:nvGrpSpPr>
+      <p:grpSpPr>
+        <a:xfrm>
+          <a:off x="0" y="0"/>
+          <a:ext cx="0" cy="0"/>
+          <a:chOff x="0" y="0"/>
+          <a:chExt cx="0" cy="0"/>
+        </a:xfrm>
+      </p:grpSpPr>
+      <p:sp>
+        <p:nvSpPr>
+          <p:cNvPr id="2" name="幻灯片图像占位符 1"/>
+          <p:cNvSpPr>
+            <a:spLocks noGrp="1" noRot="1" noChangeAspect="1"/>
+          </p:cNvSpPr>
+          <p:nvPr>
+            <p:ph type="sldImg"/>
+          </p:nvPr>
+        </p:nvSpPr>
+        <p:spPr/>
+      </p:sp>
+      <p:sp>
+        <p:nvSpPr>
+          <p:cNvPr id="3" name="备注占位符 2"/>
+          <p:cNvSpPr>
+            <a:spLocks noGrp="1"/>
+          </p:cNvSpPr>
+          <p:nvPr>
+            <p:ph type="body" idx="1"/>
+          </p:nvPr>
+        </p:nvSpPr>
+        <p:spPr/>
+        <p:txBody>
+          <a:bodyPr/>
+          <a:lstStyle/>
+          <a:p>
+            <a:r>
+              <a:rPr lang="en-US" altLang="zh-CN" sz="1200" kern="1200" dirty="0">
+                <a:solidFill>
+                  <a:schemeClr val="tx1"/>
+                </a:solidFill>
+                <a:effectLst/>
+                <a:latin typeface="+mn-lt"/>
+                <a:ea typeface="+mn-ea"/>
+                <a:cs typeface="+mn-cs"/>
+              </a:rPr>
+              <a:t>foreach</a:t>
+            </a:r>
+            <a:r>
+              <a:rPr lang="en-US" altLang="zh-CN" dirty="0"/>
+              <a:t> (</a:t>
+            </a:r>
+            <a:r>
+              <a:rPr lang="en-US" altLang="zh-CN" dirty="0" err="1"/>
+              <a:t>ParameterInfo</a:t>
+            </a:r>
+            <a:r>
+              <a:rPr lang="en-US" altLang="zh-CN" dirty="0"/>
+              <a:t> </a:t>
+            </a:r>
+            <a:r>
+              <a:rPr lang="en-US" altLang="zh-CN" dirty="0" err="1"/>
+              <a:t>parInfo</a:t>
+            </a:r>
+            <a:r>
+              <a:rPr lang="en-US" altLang="zh-CN" dirty="0"/>
+              <a:t> </a:t>
+            </a:r>
+            <a:r>
+              <a:rPr lang="en-US" altLang="zh-CN" sz="1200" kern="1200" dirty="0">
+                <a:solidFill>
+                  <a:schemeClr val="tx1"/>
+                </a:solidFill>
+                <a:effectLst/>
+                <a:latin typeface="+mn-lt"/>
+                <a:ea typeface="+mn-ea"/>
+                <a:cs typeface="+mn-cs"/>
+              </a:rPr>
+              <a:t>in </a:t>
+            </a:r>
+            <a:r>
+              <a:rPr lang="en-US" altLang="zh-CN" sz="1200" kern="1200" dirty="0" err="1">
+                <a:solidFill>
+                  <a:schemeClr val="tx1"/>
+                </a:solidFill>
+                <a:effectLst/>
+                <a:latin typeface="+mn-lt"/>
+                <a:ea typeface="+mn-ea"/>
+                <a:cs typeface="+mn-cs"/>
+              </a:rPr>
+              <a:t>method.GetParameters</a:t>
+            </a:r>
+            <a:r>
+              <a:rPr lang="en-US" altLang="zh-CN" sz="1200" kern="1200" dirty="0">
+                <a:solidFill>
+                  <a:schemeClr val="tx1"/>
+                </a:solidFill>
+                <a:effectLst/>
+                <a:latin typeface="+mn-lt"/>
+                <a:ea typeface="+mn-ea"/>
+                <a:cs typeface="+mn-cs"/>
+              </a:rPr>
+              <a:t>()) {</a:t>
+            </a:r>
+          </a:p>
+          <a:p>
+            <a:r>
+              <a:rPr lang="en-US" altLang="zh-CN" dirty="0"/>
+              <a:t>    if (</a:t>
+            </a:r>
+            <a:r>
+              <a:rPr lang="en-US" altLang="zh-CN" dirty="0" err="1"/>
+              <a:t>parInfo.IsOut</a:t>
+            </a:r>
+            <a:r>
+              <a:rPr lang="en-US" altLang="zh-CN" dirty="0"/>
+              <a:t>)  { …</a:t>
+            </a:r>
+            <a:r>
+              <a:rPr lang="zh-CN" altLang="en-US" dirty="0"/>
+              <a:t> </a:t>
+            </a:r>
+            <a:r>
+              <a:rPr lang="en-US" altLang="zh-CN" dirty="0"/>
+              <a:t>}</a:t>
+            </a:r>
+          </a:p>
+          <a:p>
+            <a:r>
+              <a:rPr lang="en-US" altLang="zh-CN" dirty="0"/>
+              <a:t>}</a:t>
+            </a:r>
+            <a:endParaRPr lang="zh-CN" altLang="en-US" dirty="0"/>
+          </a:p>
+        </p:txBody>
+      </p:sp>
+      <p:sp>
+        <p:nvSpPr>
+          <p:cNvPr id="4" name="灯片编号占位符 3"/>
+          <p:cNvSpPr>
+            <a:spLocks noGrp="1"/>
+          </p:cNvSpPr>
+          <p:nvPr>
+            <p:ph type="sldNum" sz="quarter" idx="5"/>
+          </p:nvPr>
+        </p:nvSpPr>
+        <p:spPr/>
+        <p:txBody>
+          <a:bodyPr/>
+          <a:lstStyle/>
+          <a:p>
+            <a:fld id="{FF6B7014-1CA7-42FF-9E69-87C27AE33F47}" type="slidenum">
+              <a:rPr lang="zh-CN" altLang="en-US" smtClean="0"/>
+              <a:t>39</a:t>
+            </a:fld>
+            <a:endParaRPr lang="zh-CN" altLang="en-US"/>
+          </a:p>
+        </p:txBody>
+      </p:sp>
+    </p:spTree>
+    <p:extLst>
+      <p:ext uri="{BB962C8B-B14F-4D97-AF65-F5344CB8AC3E}">
+        <p14:creationId xmlns:p14="http://schemas.microsoft.com/office/powerpoint/2010/main" val="4210248628"/>
+      </p:ext>
+    </p:extLst>
+  </p:cSld>
+  <p:clrMapOvr>
+    <a:masterClrMapping/>
+  </p:clrMapOvr>
+</p:notes>
+</file>
+
+<file path=ppt/notesSlides/notesSlide18.xml><?xml version="1.0" encoding="utf-8"?>
+<p:notes xmlns:a="http://schemas.openxmlformats.org/drawingml/2006/main" xmlns:r="http://schemas.openxmlformats.org/officeDocument/2006/relationships" xmlns:p="http://schemas.openxmlformats.org/presentationml/2006/main">
+  <p:cSld>
+    <p:spTree>
+      <p:nvGrpSpPr>
+        <p:cNvPr id="1" name=""/>
+        <p:cNvGrpSpPr/>
+        <p:nvPr/>
+      </p:nvGrpSpPr>
+      <p:grpSpPr>
+        <a:xfrm>
+          <a:off x="0" y="0"/>
+          <a:ext cx="0" cy="0"/>
+          <a:chOff x="0" y="0"/>
+          <a:chExt cx="0" cy="0"/>
+        </a:xfrm>
+      </p:grpSpPr>
+      <p:sp>
+        <p:nvSpPr>
+          <p:cNvPr id="2" name="幻灯片图像占位符 1"/>
+          <p:cNvSpPr>
+            <a:spLocks noGrp="1" noRot="1" noChangeAspect="1"/>
+          </p:cNvSpPr>
+          <p:nvPr>
+            <p:ph type="sldImg"/>
+          </p:nvPr>
+        </p:nvSpPr>
+        <p:spPr/>
+      </p:sp>
+      <p:sp>
+        <p:nvSpPr>
+          <p:cNvPr id="3" name="备注占位符 2"/>
+          <p:cNvSpPr>
+            <a:spLocks noGrp="1"/>
+          </p:cNvSpPr>
+          <p:nvPr>
+            <p:ph type="body" idx="1"/>
+          </p:nvPr>
+        </p:nvSpPr>
+        <p:spPr/>
+        <p:txBody>
+          <a:bodyPr/>
+          <a:lstStyle/>
+          <a:p>
+            <a:r>
+              <a:rPr lang="en-US" altLang="zh-CN" dirty="0"/>
+              <a:t>https://blog.csdn.net/u013986317/article/details/87909603</a:t>
+            </a:r>
+            <a:endParaRPr lang="zh-CN" altLang="en-US" dirty="0"/>
+          </a:p>
+        </p:txBody>
+      </p:sp>
+      <p:sp>
+        <p:nvSpPr>
+          <p:cNvPr id="4" name="灯片编号占位符 3"/>
+          <p:cNvSpPr>
+            <a:spLocks noGrp="1"/>
+          </p:cNvSpPr>
+          <p:nvPr>
+            <p:ph type="sldNum" sz="quarter" idx="5"/>
+          </p:nvPr>
+        </p:nvSpPr>
+        <p:spPr/>
+        <p:txBody>
+          <a:bodyPr/>
+          <a:lstStyle/>
+          <a:p>
+            <a:fld id="{FF6B7014-1CA7-42FF-9E69-87C27AE33F47}" type="slidenum">
+              <a:rPr lang="zh-CN" altLang="en-US" smtClean="0"/>
               <a:t>40</a:t>
             </a:fld>
             <a:endParaRPr lang="zh-CN" altLang="en-US"/>
@@ -22832,6 +23475,90 @@
     <p:extLst>
       <p:ext uri="{BB962C8B-B14F-4D97-AF65-F5344CB8AC3E}">
         <p14:creationId xmlns:p14="http://schemas.microsoft.com/office/powerpoint/2010/main" val="2061582639"/>
+      </p:ext>
+    </p:extLst>
+  </p:cSld>
+  <p:clrMapOvr>
+    <a:masterClrMapping/>
+  </p:clrMapOvr>
+</p:notes>
+</file>
+
+<file path=ppt/notesSlides/notesSlide19.xml><?xml version="1.0" encoding="utf-8"?>
+<p:notes xmlns:a="http://schemas.openxmlformats.org/drawingml/2006/main" xmlns:r="http://schemas.openxmlformats.org/officeDocument/2006/relationships" xmlns:p="http://schemas.openxmlformats.org/presentationml/2006/main">
+  <p:cSld>
+    <p:spTree>
+      <p:nvGrpSpPr>
+        <p:cNvPr id="1" name=""/>
+        <p:cNvGrpSpPr/>
+        <p:nvPr/>
+      </p:nvGrpSpPr>
+      <p:grpSpPr>
+        <a:xfrm>
+          <a:off x="0" y="0"/>
+          <a:ext cx="0" cy="0"/>
+          <a:chOff x="0" y="0"/>
+          <a:chExt cx="0" cy="0"/>
+        </a:xfrm>
+      </p:grpSpPr>
+      <p:sp>
+        <p:nvSpPr>
+          <p:cNvPr id="2" name="幻灯片图像占位符 1"/>
+          <p:cNvSpPr>
+            <a:spLocks noGrp="1" noRot="1" noChangeAspect="1"/>
+          </p:cNvSpPr>
+          <p:nvPr>
+            <p:ph type="sldImg"/>
+          </p:nvPr>
+        </p:nvSpPr>
+        <p:spPr/>
+      </p:sp>
+      <p:sp>
+        <p:nvSpPr>
+          <p:cNvPr id="3" name="备注占位符 2"/>
+          <p:cNvSpPr>
+            <a:spLocks noGrp="1"/>
+          </p:cNvSpPr>
+          <p:nvPr>
+            <p:ph type="body" idx="1"/>
+          </p:nvPr>
+        </p:nvSpPr>
+        <p:spPr/>
+        <p:txBody>
+          <a:bodyPr/>
+          <a:lstStyle/>
+          <a:p>
+            <a:endParaRPr lang="zh-CN" altLang="en-US" dirty="0"/>
+          </a:p>
+        </p:txBody>
+      </p:sp>
+      <p:sp>
+        <p:nvSpPr>
+          <p:cNvPr id="4" name="灯片编号占位符 3"/>
+          <p:cNvSpPr>
+            <a:spLocks noGrp="1"/>
+          </p:cNvSpPr>
+          <p:nvPr>
+            <p:ph type="sldNum" sz="quarter" idx="5"/>
+          </p:nvPr>
+        </p:nvSpPr>
+        <p:spPr/>
+        <p:txBody>
+          <a:bodyPr/>
+          <a:lstStyle/>
+          <a:p>
+            <a:fld id="{FF6B7014-1CA7-42FF-9E69-87C27AE33F47}" type="slidenum">
+              <a:rPr lang="zh-CN" altLang="en-US" smtClean="0"/>
+              <a:t>49</a:t>
+            </a:fld>
+            <a:endParaRPr lang="zh-CN" altLang="en-US"/>
+          </a:p>
+        </p:txBody>
+      </p:sp>
+    </p:spTree>
+    <p:extLst>
+      <p:ext uri="{BB962C8B-B14F-4D97-AF65-F5344CB8AC3E}">
+        <p14:creationId xmlns:p14="http://schemas.microsoft.com/office/powerpoint/2010/main" val="1435903384"/>
       </p:ext>
     </p:extLst>
   </p:cSld>
@@ -22925,6 +23652,174 @@
 </p:notes>
 </file>
 
+<file path=ppt/notesSlides/notesSlide20.xml><?xml version="1.0" encoding="utf-8"?>
+<p:notes xmlns:a="http://schemas.openxmlformats.org/drawingml/2006/main" xmlns:r="http://schemas.openxmlformats.org/officeDocument/2006/relationships" xmlns:p="http://schemas.openxmlformats.org/presentationml/2006/main">
+  <p:cSld>
+    <p:spTree>
+      <p:nvGrpSpPr>
+        <p:cNvPr id="1" name=""/>
+        <p:cNvGrpSpPr/>
+        <p:nvPr/>
+      </p:nvGrpSpPr>
+      <p:grpSpPr>
+        <a:xfrm>
+          <a:off x="0" y="0"/>
+          <a:ext cx="0" cy="0"/>
+          <a:chOff x="0" y="0"/>
+          <a:chExt cx="0" cy="0"/>
+        </a:xfrm>
+      </p:grpSpPr>
+      <p:sp>
+        <p:nvSpPr>
+          <p:cNvPr id="2" name="幻灯片图像占位符 1"/>
+          <p:cNvSpPr>
+            <a:spLocks noGrp="1" noRot="1" noChangeAspect="1"/>
+          </p:cNvSpPr>
+          <p:nvPr>
+            <p:ph type="sldImg"/>
+          </p:nvPr>
+        </p:nvSpPr>
+        <p:spPr/>
+      </p:sp>
+      <p:sp>
+        <p:nvSpPr>
+          <p:cNvPr id="3" name="备注占位符 2"/>
+          <p:cNvSpPr>
+            <a:spLocks noGrp="1"/>
+          </p:cNvSpPr>
+          <p:nvPr>
+            <p:ph type="body" idx="1"/>
+          </p:nvPr>
+        </p:nvSpPr>
+        <p:spPr/>
+        <p:txBody>
+          <a:bodyPr/>
+          <a:lstStyle/>
+          <a:p>
+            <a:endParaRPr lang="zh-CN" altLang="en-US" dirty="0"/>
+          </a:p>
+        </p:txBody>
+      </p:sp>
+      <p:sp>
+        <p:nvSpPr>
+          <p:cNvPr id="4" name="灯片编号占位符 3"/>
+          <p:cNvSpPr>
+            <a:spLocks noGrp="1"/>
+          </p:cNvSpPr>
+          <p:nvPr>
+            <p:ph type="sldNum" sz="quarter" idx="5"/>
+          </p:nvPr>
+        </p:nvSpPr>
+        <p:spPr/>
+        <p:txBody>
+          <a:bodyPr/>
+          <a:lstStyle/>
+          <a:p>
+            <a:fld id="{FF6B7014-1CA7-42FF-9E69-87C27AE33F47}" type="slidenum">
+              <a:rPr lang="zh-CN" altLang="en-US" smtClean="0"/>
+              <a:t>51</a:t>
+            </a:fld>
+            <a:endParaRPr lang="zh-CN" altLang="en-US"/>
+          </a:p>
+        </p:txBody>
+      </p:sp>
+    </p:spTree>
+    <p:extLst>
+      <p:ext uri="{BB962C8B-B14F-4D97-AF65-F5344CB8AC3E}">
+        <p14:creationId xmlns:p14="http://schemas.microsoft.com/office/powerpoint/2010/main" val="4257736913"/>
+      </p:ext>
+    </p:extLst>
+  </p:cSld>
+  <p:clrMapOvr>
+    <a:masterClrMapping/>
+  </p:clrMapOvr>
+</p:notes>
+</file>
+
+<file path=ppt/notesSlides/notesSlide21.xml><?xml version="1.0" encoding="utf-8"?>
+<p:notes xmlns:a="http://schemas.openxmlformats.org/drawingml/2006/main" xmlns:r="http://schemas.openxmlformats.org/officeDocument/2006/relationships" xmlns:p="http://schemas.openxmlformats.org/presentationml/2006/main">
+  <p:cSld>
+    <p:spTree>
+      <p:nvGrpSpPr>
+        <p:cNvPr id="1" name=""/>
+        <p:cNvGrpSpPr/>
+        <p:nvPr/>
+      </p:nvGrpSpPr>
+      <p:grpSpPr>
+        <a:xfrm>
+          <a:off x="0" y="0"/>
+          <a:ext cx="0" cy="0"/>
+          <a:chOff x="0" y="0"/>
+          <a:chExt cx="0" cy="0"/>
+        </a:xfrm>
+      </p:grpSpPr>
+      <p:sp>
+        <p:nvSpPr>
+          <p:cNvPr id="2" name="幻灯片图像占位符 1"/>
+          <p:cNvSpPr>
+            <a:spLocks noGrp="1" noRot="1" noChangeAspect="1"/>
+          </p:cNvSpPr>
+          <p:nvPr>
+            <p:ph type="sldImg"/>
+          </p:nvPr>
+        </p:nvSpPr>
+        <p:spPr/>
+      </p:sp>
+      <p:sp>
+        <p:nvSpPr>
+          <p:cNvPr id="3" name="备注占位符 2"/>
+          <p:cNvSpPr>
+            <a:spLocks noGrp="1"/>
+          </p:cNvSpPr>
+          <p:nvPr>
+            <p:ph type="body" idx="1"/>
+          </p:nvPr>
+        </p:nvSpPr>
+        <p:spPr/>
+        <p:txBody>
+          <a:bodyPr/>
+          <a:lstStyle/>
+          <a:p>
+            <a:endParaRPr lang="zh-CN" altLang="en-US"/>
+          </a:p>
+        </p:txBody>
+      </p:sp>
+      <p:sp>
+        <p:nvSpPr>
+          <p:cNvPr id="4" name="灯片编号占位符 3"/>
+          <p:cNvSpPr>
+            <a:spLocks noGrp="1"/>
+          </p:cNvSpPr>
+          <p:nvPr>
+            <p:ph type="sldNum" sz="quarter" idx="5"/>
+          </p:nvPr>
+        </p:nvSpPr>
+        <p:spPr/>
+        <p:txBody>
+          <a:bodyPr/>
+          <a:lstStyle/>
+          <a:p>
+            <a:fld id="{FF6B7014-1CA7-42FF-9E69-87C27AE33F47}" type="slidenum">
+              <a:rPr lang="zh-CN" altLang="en-US" smtClean="0"/>
+              <a:t>58</a:t>
+            </a:fld>
+            <a:endParaRPr lang="zh-CN" altLang="en-US"/>
+          </a:p>
+        </p:txBody>
+      </p:sp>
+    </p:spTree>
+    <p:extLst>
+      <p:ext uri="{BB962C8B-B14F-4D97-AF65-F5344CB8AC3E}">
+        <p14:creationId xmlns:p14="http://schemas.microsoft.com/office/powerpoint/2010/main" val="3296746261"/>
+      </p:ext>
+    </p:extLst>
+  </p:cSld>
+  <p:clrMapOvr>
+    <a:masterClrMapping/>
+  </p:clrMapOvr>
+</p:notes>
+</file>
+
 <file path=ppt/notesSlides/notesSlide3.xml><?xml version="1.0" encoding="utf-8"?>
 <p:notes xmlns:a="http://schemas.openxmlformats.org/drawingml/2006/main" xmlns:r="http://schemas.openxmlformats.org/officeDocument/2006/relationships" xmlns:p="http://schemas.openxmlformats.org/presentationml/2006/main">
   <p:cSld>
@@ -22969,101 +23864,7 @@
           <a:bodyPr/>
           <a:lstStyle/>
           <a:p>
-            <a:r>
-              <a:rPr lang="en-US" altLang="zh-CN" dirty="0"/>
-              <a:t>Lambda</a:t>
-            </a:r>
-            <a:r>
-              <a:rPr lang="zh-CN" altLang="en-US" dirty="0"/>
-              <a:t>表达式来自于</a:t>
-            </a:r>
-            <a:r>
-              <a:rPr lang="en-US" altLang="zh-CN" dirty="0"/>
-              <a:t>FP</a:t>
-            </a:r>
-            <a:r>
-              <a:rPr lang="zh-CN" altLang="en-US" dirty="0"/>
-              <a:t>（</a:t>
-            </a:r>
-            <a:r>
-              <a:rPr lang="en-US" altLang="zh-CN" sz="1200" b="0" i="0" kern="1200" dirty="0">
-                <a:solidFill>
-                  <a:schemeClr val="tx1"/>
-                </a:solidFill>
-                <a:effectLst/>
-                <a:latin typeface="+mn-lt"/>
-                <a:ea typeface="+mn-ea"/>
-                <a:cs typeface="+mn-cs"/>
-              </a:rPr>
-              <a:t>Functional Programming</a:t>
-            </a:r>
-            <a:r>
-              <a:rPr lang="zh-CN" altLang="en-US" dirty="0"/>
-              <a:t>），是一种</a:t>
-            </a:r>
-            <a:r>
-              <a:rPr lang="en-US" altLang="zh-CN" dirty="0"/>
-              <a:t>"</a:t>
-            </a:r>
-            <a:r>
-              <a:rPr lang="zh-CN" altLang="en-US" dirty="0"/>
-              <a:t>编程范式</a:t>
-            </a:r>
-            <a:r>
-              <a:rPr lang="en-US" altLang="zh-CN" dirty="0"/>
-              <a:t>"</a:t>
-            </a:r>
-            <a:r>
-              <a:rPr lang="zh-CN" altLang="en-US" dirty="0"/>
-              <a:t>（</a:t>
-            </a:r>
-            <a:r>
-              <a:rPr lang="en-US" altLang="zh-CN" dirty="0"/>
-              <a:t>programming paradigm</a:t>
-            </a:r>
-            <a:r>
-              <a:rPr lang="zh-CN" altLang="en-US" dirty="0"/>
-              <a:t>），也就是如何编写程序的方法论。属于</a:t>
-            </a:r>
-            <a:r>
-              <a:rPr lang="en-US" altLang="zh-CN" dirty="0"/>
-              <a:t>"</a:t>
-            </a:r>
-            <a:r>
-              <a:rPr lang="zh-CN" altLang="en-US" dirty="0"/>
-              <a:t>结构化编程</a:t>
-            </a:r>
-            <a:r>
-              <a:rPr lang="en-US" altLang="zh-CN" dirty="0"/>
-              <a:t>"</a:t>
-            </a:r>
-            <a:r>
-              <a:rPr lang="zh-CN" altLang="en-US" dirty="0"/>
-              <a:t>的一种，主要思想是把运算过程尽量写成一系列嵌套的函数调用。</a:t>
-            </a:r>
-            <a:endParaRPr lang="en-US" altLang="zh-CN" dirty="0"/>
-          </a:p>
-          <a:p>
-            <a:r>
-              <a:rPr lang="zh-CN" altLang="en-US" dirty="0"/>
-              <a:t>函数式编程（</a:t>
-            </a:r>
-            <a:r>
-              <a:rPr lang="en-US" altLang="zh-CN" sz="1200" b="0" i="0" kern="1200" dirty="0">
-                <a:solidFill>
-                  <a:schemeClr val="tx1"/>
-                </a:solidFill>
-                <a:effectLst/>
-                <a:latin typeface="+mn-lt"/>
-                <a:ea typeface="+mn-ea"/>
-                <a:cs typeface="+mn-cs"/>
-              </a:rPr>
-              <a:t>Functional Programming</a:t>
-            </a:r>
-            <a:r>
-              <a:rPr lang="zh-CN" altLang="en-US" dirty="0"/>
-              <a:t>）：函数与其他数据类型一样，处于平等地位，可以赋值给其他变量，也可以作为参数，传入另一个函数，或者作为别的函数的返回值。</a:t>
-            </a:r>
+            <a:endParaRPr lang="zh-CN" altLang="en-US" dirty="0"/>
           </a:p>
         </p:txBody>
       </p:sp>
@@ -23084,7 +23885,7 @@
           <a:p>
             <a:fld id="{FF6B7014-1CA7-42FF-9E69-87C27AE33F47}" type="slidenum">
               <a:rPr lang="zh-CN" altLang="en-US" smtClean="0"/>
-              <a:t>12</a:t>
+              <a:t>11</a:t>
             </a:fld>
             <a:endParaRPr lang="zh-CN" altLang="en-US"/>
           </a:p>
@@ -23093,7 +23894,7 @@
     </p:spTree>
     <p:extLst>
       <p:ext uri="{BB962C8B-B14F-4D97-AF65-F5344CB8AC3E}">
-        <p14:creationId xmlns:p14="http://schemas.microsoft.com/office/powerpoint/2010/main" val="2320680822"/>
+        <p14:creationId xmlns:p14="http://schemas.microsoft.com/office/powerpoint/2010/main" val="1585627073"/>
       </p:ext>
     </p:extLst>
   </p:cSld>
@@ -23148,194 +23949,99 @@
           <a:lstStyle/>
           <a:p>
             <a:r>
-              <a:rPr lang="en-US" altLang="zh-CN" dirty="0" err="1"/>
-              <a:t>Thread.Join</a:t>
-            </a:r>
-            <a:r>
               <a:rPr lang="en-US" altLang="zh-CN" dirty="0"/>
-              <a:t> ( ) MSDN</a:t>
+              <a:t>Lambda</a:t>
             </a:r>
             <a:r>
               <a:rPr lang="zh-CN" altLang="en-US" dirty="0"/>
-              <a:t>的解释：阻塞调用线程，直到某个线程终止时为止。首先明确几个问题：</a:t>
-            </a:r>
-          </a:p>
-          <a:p>
-            <a:endParaRPr lang="zh-CN" altLang="en-US" dirty="0"/>
-          </a:p>
-          <a:p>
+              <a:t>表达式来自于</a:t>
+            </a:r>
             <a:r>
               <a:rPr lang="en-US" altLang="zh-CN" dirty="0"/>
-              <a:t>1</a:t>
+              <a:t>FP</a:t>
             </a:r>
             <a:r>
               <a:rPr lang="zh-CN" altLang="en-US" dirty="0"/>
-              <a:t>、一个进程由一个或者多个线程组成，线程之间有可能会存在一定的先后关系和互斥关系。多线程编程，首先就是要想办法划分线程，减少线程之间的先后关系和互斥关系，这样才能保证线程之间的独立性，各自工作，不受影响。</a:t>
+              <a:t>（</a:t>
+            </a:r>
+            <a:r>
+              <a:rPr lang="en-US" altLang="zh-CN" sz="1200" b="0" i="0" kern="1200" dirty="0">
+                <a:solidFill>
+                  <a:schemeClr val="tx1"/>
+                </a:solidFill>
+                <a:effectLst/>
+                <a:latin typeface="+mn-lt"/>
+                <a:ea typeface="+mn-ea"/>
+                <a:cs typeface="+mn-cs"/>
+              </a:rPr>
+              <a:t>Functional Programming</a:t>
+            </a:r>
+            <a:r>
+              <a:rPr lang="zh-CN" altLang="en-US" dirty="0"/>
+              <a:t>），是一种</a:t>
             </a:r>
             <a:r>
               <a:rPr lang="en-US" altLang="zh-CN" dirty="0"/>
-              <a:t>Google</a:t>
+              <a:t>"</a:t>
             </a:r>
             <a:r>
               <a:rPr lang="zh-CN" altLang="en-US" dirty="0"/>
-              <a:t>的</a:t>
+              <a:t>编程范式</a:t>
             </a:r>
             <a:r>
               <a:rPr lang="en-US" altLang="zh-CN" dirty="0"/>
-              <a:t>MapReduce</a:t>
+              <a:t>"</a:t>
             </a:r>
             <a:r>
               <a:rPr lang="zh-CN" altLang="en-US" dirty="0"/>
-              <a:t>核心思想就是尽量减少线程之间的先后关系和互斥关系。</a:t>
-            </a:r>
-          </a:p>
-          <a:p>
-            <a:endParaRPr lang="zh-CN" altLang="en-US" dirty="0"/>
-          </a:p>
-          <a:p>
+              <a:t>（</a:t>
+            </a:r>
             <a:r>
               <a:rPr lang="en-US" altLang="zh-CN" dirty="0"/>
-              <a:t>2</a:t>
+              <a:t>programming paradigm</a:t>
             </a:r>
             <a:r>
               <a:rPr lang="zh-CN" altLang="en-US" dirty="0"/>
-              <a:t>、无论如何地想办法，线程之间还是会存在一定的先后关系和互斥关系，这时候可以使用</a:t>
-            </a:r>
-            <a:r>
-              <a:rPr lang="en-US" altLang="zh-CN" dirty="0" err="1"/>
-              <a:t>Thread.Join</a:t>
+              <a:t>），也就是如何编写程序的方法论。属于</a:t>
+            </a:r>
+            <a:r>
+              <a:rPr lang="en-US" altLang="zh-CN" dirty="0"/>
+              <a:t>"</a:t>
             </a:r>
             <a:r>
               <a:rPr lang="zh-CN" altLang="en-US" dirty="0"/>
-              <a:t>方法。</a:t>
-            </a:r>
-          </a:p>
-          <a:p>
-            <a:endParaRPr lang="zh-CN" altLang="en-US" dirty="0"/>
-          </a:p>
-          <a:p>
+              <a:t>结构化编程</a:t>
+            </a:r>
             <a:r>
               <a:rPr lang="en-US" altLang="zh-CN" dirty="0"/>
-              <a:t>3</a:t>
+              <a:t>"</a:t>
             </a:r>
             <a:r>
               <a:rPr lang="zh-CN" altLang="en-US" dirty="0"/>
-              <a:t>、一个线程在执行的过程中，可能调用另一个线程，前者可以称为调用线程，后者成为被调用线程。</a:t>
-            </a:r>
-          </a:p>
-          <a:p>
-            <a:endParaRPr lang="zh-CN" altLang="en-US" dirty="0"/>
-          </a:p>
-          <a:p>
-            <a:r>
-              <a:rPr lang="en-US" altLang="zh-CN" dirty="0"/>
-              <a:t>4</a:t>
-            </a:r>
+              <a:t>的一种，主要思想是把运算过程尽量写成一系列嵌套的函数调用。</a:t>
+            </a:r>
+            <a:endParaRPr lang="en-US" altLang="zh-CN" dirty="0"/>
+          </a:p>
+          <a:p>
             <a:r>
               <a:rPr lang="zh-CN" altLang="en-US" dirty="0"/>
-              <a:t>、</a:t>
-            </a:r>
-            <a:r>
-              <a:rPr lang="en-US" altLang="zh-CN" dirty="0" err="1"/>
-              <a:t>Thread.Join</a:t>
+              <a:t>函数式编程（</a:t>
+            </a:r>
+            <a:r>
+              <a:rPr lang="en-US" altLang="zh-CN" sz="1200" b="0" i="0" kern="1200" dirty="0">
+                <a:solidFill>
+                  <a:schemeClr val="tx1"/>
+                </a:solidFill>
+                <a:effectLst/>
+                <a:latin typeface="+mn-lt"/>
+                <a:ea typeface="+mn-ea"/>
+                <a:cs typeface="+mn-cs"/>
+              </a:rPr>
+              <a:t>Functional Programming</a:t>
             </a:r>
             <a:r>
               <a:rPr lang="zh-CN" altLang="en-US" dirty="0"/>
-              <a:t>方法的使用场景：调用线程挂起，等待被调用线程执行完毕后，继续执行。</a:t>
-            </a:r>
-          </a:p>
-          <a:p>
-            <a:endParaRPr lang="zh-CN" altLang="en-US" dirty="0"/>
-          </a:p>
-          <a:p>
-            <a:r>
-              <a:rPr lang="en-US" altLang="zh-CN" dirty="0"/>
-              <a:t>5</a:t>
-            </a:r>
-            <a:r>
-              <a:rPr lang="zh-CN" altLang="en-US" dirty="0"/>
-              <a:t>、被调用线程执行</a:t>
-            </a:r>
-            <a:r>
-              <a:rPr lang="en-US" altLang="zh-CN" dirty="0"/>
-              <a:t>Join</a:t>
-            </a:r>
-            <a:r>
-              <a:rPr lang="zh-CN" altLang="en-US" dirty="0"/>
-              <a:t>方法，告诉调用线程，你先暂停，我执行完了，你再执行。从而保证了先后关系。</a:t>
-            </a:r>
-          </a:p>
-          <a:p>
-            <a:endParaRPr lang="zh-CN" altLang="en-US" dirty="0"/>
-          </a:p>
-          <a:p>
-            <a:r>
-              <a:rPr lang="en-US" altLang="zh-CN" dirty="0"/>
-              <a:t>6</a:t>
-            </a:r>
-            <a:r>
-              <a:rPr lang="zh-CN" altLang="en-US" dirty="0"/>
-              <a:t>、考虑一种有意思的情况：在当前线程内调用</a:t>
-            </a:r>
-            <a:r>
-              <a:rPr lang="en-US" altLang="zh-CN" dirty="0" err="1"/>
-              <a:t>Thread.CurrentThread.Join</a:t>
-            </a:r>
-            <a:r>
-              <a:rPr lang="en-US" altLang="zh-CN" dirty="0"/>
-              <a:t>() </a:t>
-            </a:r>
-            <a:r>
-              <a:rPr lang="zh-CN" altLang="en-US" dirty="0"/>
-              <a:t>会出现什么情况？分析：假设当前线程为</a:t>
-            </a:r>
-            <a:r>
-              <a:rPr lang="en-US" altLang="zh-CN" dirty="0"/>
-              <a:t>A</a:t>
-            </a:r>
-            <a:r>
-              <a:rPr lang="zh-CN" altLang="en-US" dirty="0"/>
-              <a:t>，此时调用线程为</a:t>
-            </a:r>
-            <a:r>
-              <a:rPr lang="en-US" altLang="zh-CN" dirty="0"/>
-              <a:t>A</a:t>
-            </a:r>
-            <a:r>
-              <a:rPr lang="zh-CN" altLang="en-US" dirty="0"/>
-              <a:t>，被调用线程也为</a:t>
-            </a:r>
-            <a:r>
-              <a:rPr lang="en-US" altLang="zh-CN" dirty="0"/>
-              <a:t>A</a:t>
-            </a:r>
-            <a:r>
-              <a:rPr lang="zh-CN" altLang="en-US" dirty="0"/>
-              <a:t>，由于调用线程</a:t>
-            </a:r>
-            <a:r>
-              <a:rPr lang="en-US" altLang="zh-CN" dirty="0"/>
-              <a:t>A</a:t>
-            </a:r>
-            <a:r>
-              <a:rPr lang="zh-CN" altLang="en-US" dirty="0"/>
-              <a:t>暂停，被调用线程</a:t>
-            </a:r>
-            <a:r>
-              <a:rPr lang="en-US" altLang="zh-CN" dirty="0"/>
-              <a:t>A</a:t>
-            </a:r>
-            <a:r>
-              <a:rPr lang="zh-CN" altLang="en-US" dirty="0"/>
-              <a:t>（也就是调用线程</a:t>
-            </a:r>
-            <a:r>
-              <a:rPr lang="en-US" altLang="zh-CN" dirty="0"/>
-              <a:t>A</a:t>
-            </a:r>
-            <a:r>
-              <a:rPr lang="zh-CN" altLang="en-US" dirty="0"/>
-              <a:t>）永远不会执行完毕，造成死锁。</a:t>
+              <a:t>）：函数与其他数据类型一样，处于平等地位，可以赋值给其他变量，也可以作为参数，传入另一个函数，或者作为别的函数的返回值。</a:t>
             </a:r>
           </a:p>
         </p:txBody>
@@ -23357,7 +24063,7 @@
           <a:p>
             <a:fld id="{FF6B7014-1CA7-42FF-9E69-87C27AE33F47}" type="slidenum">
               <a:rPr lang="zh-CN" altLang="en-US" smtClean="0"/>
-              <a:t>16</a:t>
+              <a:t>12</a:t>
             </a:fld>
             <a:endParaRPr lang="zh-CN" altLang="en-US"/>
           </a:p>
@@ -23366,7 +24072,7 @@
     </p:spTree>
     <p:extLst>
       <p:ext uri="{BB962C8B-B14F-4D97-AF65-F5344CB8AC3E}">
-        <p14:creationId xmlns:p14="http://schemas.microsoft.com/office/powerpoint/2010/main" val="20801960"/>
+        <p14:creationId xmlns:p14="http://schemas.microsoft.com/office/powerpoint/2010/main" val="2320680822"/>
       </p:ext>
     </p:extLst>
   </p:cSld>
@@ -23420,42 +24126,6 @@
           <a:bodyPr/>
           <a:lstStyle/>
           <a:p>
-            <a:r>
-              <a:rPr lang="en-US" altLang="zh-CN" dirty="0"/>
-              <a:t>EPYC 7H12</a:t>
-            </a:r>
-            <a:r>
-              <a:rPr lang="zh-CN" altLang="en-US" dirty="0"/>
-              <a:t>，</a:t>
-            </a:r>
-            <a:r>
-              <a:rPr lang="en-US" altLang="zh-CN" dirty="0"/>
-              <a:t>64</a:t>
-            </a:r>
-            <a:r>
-              <a:rPr lang="zh-CN" altLang="en-US" dirty="0"/>
-              <a:t>核</a:t>
-            </a:r>
-            <a:r>
-              <a:rPr lang="en-US" altLang="zh-CN" dirty="0"/>
-              <a:t>128</a:t>
-            </a:r>
-            <a:r>
-              <a:rPr lang="zh-CN" altLang="en-US" dirty="0"/>
-              <a:t>线程，</a:t>
-            </a:r>
-            <a:r>
-              <a:rPr lang="en-US" altLang="zh-CN" dirty="0"/>
-              <a:t>7nm</a:t>
-            </a:r>
-            <a:r>
-              <a:rPr lang="zh-CN" altLang="en-US" dirty="0"/>
-              <a:t>工艺，基础频率</a:t>
-            </a:r>
-            <a:r>
-              <a:rPr lang="en-US" altLang="zh-CN" dirty="0"/>
-              <a:t>2.6GHz</a:t>
-            </a:r>
             <a:endParaRPr lang="zh-CN" altLang="en-US" dirty="0"/>
           </a:p>
         </p:txBody>
@@ -23477,7 +24147,7 @@
           <a:p>
             <a:fld id="{FF6B7014-1CA7-42FF-9E69-87C27AE33F47}" type="slidenum">
               <a:rPr lang="zh-CN" altLang="en-US" smtClean="0"/>
-              <a:t>22</a:t>
+              <a:t>13</a:t>
             </a:fld>
             <a:endParaRPr lang="zh-CN" altLang="en-US"/>
           </a:p>
@@ -23486,7 +24156,7 @@
     </p:spTree>
     <p:extLst>
       <p:ext uri="{BB962C8B-B14F-4D97-AF65-F5344CB8AC3E}">
-        <p14:creationId xmlns:p14="http://schemas.microsoft.com/office/powerpoint/2010/main" val="2776087489"/>
+        <p14:creationId xmlns:p14="http://schemas.microsoft.com/office/powerpoint/2010/main" val="634357867"/>
       </p:ext>
     </p:extLst>
   </p:cSld>
@@ -23540,95 +24210,14 @@
           <a:bodyPr/>
           <a:lstStyle/>
           <a:p>
-            <a:pPr marL="0" marR="0" lvl="0" indent="0" algn="l" defTabSz="914400" rtl="0" eaLnBrk="1" fontAlgn="auto" latinLnBrk="0" hangingPunct="1">
-              <a:lnSpc>
-                <a:spcPct val="100000"/>
-              </a:lnSpc>
-              <a:spcBef>
-                <a:spcPts val="0"/>
-              </a:spcBef>
-              <a:spcAft>
-                <a:spcPts val="0"/>
-              </a:spcAft>
-              <a:buClrTx/>
-              <a:buSzTx/>
-              <a:buFontTx/>
-              <a:buNone/>
-              <a:tabLst/>
-              <a:defRPr/>
-            </a:pPr>
-            <a:r>
-              <a:rPr lang="en-US" altLang="zh-CN" dirty="0"/>
-              <a:t>FB (front bus) </a:t>
-            </a:r>
             <a:r>
               <a:rPr lang="zh-CN" altLang="en-US" dirty="0"/>
-              <a:t>属于</a:t>
-            </a:r>
-            <a:r>
-              <a:rPr lang="en-US" altLang="zh-CN" sz="1200" b="1" i="0" kern="1200" dirty="0">
-                <a:solidFill>
-                  <a:schemeClr val="tx1"/>
-                </a:solidFill>
-                <a:effectLst/>
-                <a:latin typeface="+mn-lt"/>
-                <a:ea typeface="+mn-ea"/>
-                <a:cs typeface="+mn-cs"/>
-              </a:rPr>
-              <a:t>NUMA</a:t>
-            </a:r>
-            <a:r>
-              <a:rPr lang="zh-CN" altLang="en-US" sz="1200" b="0" i="0" kern="1200" dirty="0">
-                <a:solidFill>
-                  <a:schemeClr val="tx1"/>
-                </a:solidFill>
-                <a:effectLst/>
-                <a:latin typeface="+mn-lt"/>
-                <a:ea typeface="+mn-ea"/>
-                <a:cs typeface="+mn-cs"/>
-              </a:rPr>
-              <a:t>架构</a:t>
-            </a:r>
-            <a:endParaRPr lang="en-US" altLang="zh-CN" sz="1200" b="0" i="0" kern="1200" dirty="0">
-              <a:solidFill>
-                <a:schemeClr val="tx1"/>
-              </a:solidFill>
-              <a:effectLst/>
-              <a:latin typeface="+mn-lt"/>
-              <a:ea typeface="+mn-ea"/>
-              <a:cs typeface="+mn-cs"/>
-            </a:endParaRPr>
-          </a:p>
-          <a:p>
-            <a:pPr marL="0" marR="0" lvl="0" indent="0" algn="l" defTabSz="914400" rtl="0" eaLnBrk="1" fontAlgn="auto" latinLnBrk="0" hangingPunct="1">
-              <a:lnSpc>
-                <a:spcPct val="100000"/>
-              </a:lnSpc>
-              <a:spcBef>
-                <a:spcPts val="0"/>
-              </a:spcBef>
-              <a:spcAft>
-                <a:spcPts val="0"/>
-              </a:spcAft>
-              <a:buClrTx/>
-              <a:buSzTx/>
-              <a:buFontTx/>
-              <a:buNone/>
-              <a:tabLst/>
-              <a:defRPr/>
-            </a:pPr>
-            <a:r>
-              <a:rPr lang="en-US" altLang="zh-CN" sz="1200" b="1" i="0" kern="1200" dirty="0">
-                <a:solidFill>
-                  <a:schemeClr val="tx1"/>
-                </a:solidFill>
-                <a:effectLst/>
-                <a:latin typeface="+mn-lt"/>
-                <a:ea typeface="+mn-ea"/>
-                <a:cs typeface="+mn-cs"/>
-              </a:rPr>
-              <a:t>http://www.cnblogs.com/diegodu/p/9340243.html</a:t>
-            </a:r>
+              <a:t>托管代码、托管数据和托管类</a:t>
+            </a:r>
+            <a:endParaRPr lang="en-US" altLang="zh-CN" dirty="0"/>
+          </a:p>
+          <a:p>
+            <a:endParaRPr lang="zh-CN" altLang="en-US" dirty="0"/>
           </a:p>
         </p:txBody>
       </p:sp>
@@ -23639,7 +24228,7 @@
             <a:spLocks noGrp="1"/>
           </p:cNvSpPr>
           <p:nvPr>
-            <p:ph type="sldNum" sz="quarter" idx="10"/>
+            <p:ph type="sldNum" sz="quarter" idx="5"/>
           </p:nvPr>
         </p:nvSpPr>
         <p:spPr/>
@@ -23647,24 +24236,18 @@
           <a:bodyPr/>
           <a:lstStyle/>
           <a:p>
-            <a:pPr>
-              <a:defRPr/>
-            </a:pPr>
-            <a:fld id="{2B4AFDB2-0EDC-4C9F-9F69-C798F77C05B1}" type="slidenum">
-              <a:rPr lang="en-US" altLang="zh-CN" smtClean="0"/>
-              <a:pPr>
-                <a:defRPr/>
-              </a:pPr>
-              <a:t>23</a:t>
+            <a:fld id="{FF6B7014-1CA7-42FF-9E69-87C27AE33F47}" type="slidenum">
+              <a:rPr lang="zh-CN" altLang="en-US" smtClean="0"/>
+              <a:t>15</a:t>
             </a:fld>
-            <a:endParaRPr lang="en-US" altLang="zh-CN"/>
+            <a:endParaRPr lang="zh-CN" altLang="en-US"/>
           </a:p>
         </p:txBody>
       </p:sp>
     </p:spTree>
     <p:extLst>
       <p:ext uri="{BB962C8B-B14F-4D97-AF65-F5344CB8AC3E}">
-        <p14:creationId xmlns:p14="http://schemas.microsoft.com/office/powerpoint/2010/main" val="1920582923"/>
+        <p14:creationId xmlns:p14="http://schemas.microsoft.com/office/powerpoint/2010/main" val="3518468927"/>
       </p:ext>
     </p:extLst>
   </p:cSld>
@@ -23718,7 +24301,178 @@
           <a:bodyPr/>
           <a:lstStyle/>
           <a:p>
-            <a:endParaRPr lang="zh-CN" altLang="en-US"/>
+            <a:r>
+              <a:rPr lang="en-US" altLang="zh-CN" dirty="0" err="1"/>
+              <a:t>Thread.Join</a:t>
+            </a:r>
+            <a:r>
+              <a:rPr lang="en-US" altLang="zh-CN" dirty="0"/>
+              <a:t> ( ) MSDN</a:t>
+            </a:r>
+            <a:r>
+              <a:rPr lang="zh-CN" altLang="en-US" dirty="0"/>
+              <a:t>的解释：阻塞调用线程，直到某个线程终止时为止。首先明确几个问题：</a:t>
+            </a:r>
+          </a:p>
+          <a:p>
+            <a:r>
+              <a:rPr lang="en-US" altLang="zh-CN" dirty="0"/>
+              <a:t>1</a:t>
+            </a:r>
+            <a:r>
+              <a:rPr lang="zh-CN" altLang="en-US" dirty="0"/>
+              <a:t>、一个进程由一个或者多个线程组成，线程之间有可能会存在一定的先后关系和互斥关系。多线程编程，首先就是要想办法划分线程，减少线程之间的先后关系和互斥关系，这样才能保证线程之间的独立性，各自工作，不受影响。</a:t>
+            </a:r>
+            <a:r>
+              <a:rPr lang="en-US" altLang="zh-CN" dirty="0"/>
+              <a:t>Google</a:t>
+            </a:r>
+            <a:r>
+              <a:rPr lang="zh-CN" altLang="en-US" dirty="0"/>
+              <a:t>的</a:t>
+            </a:r>
+            <a:r>
+              <a:rPr lang="en-US" altLang="zh-CN" dirty="0"/>
+              <a:t>MapReduce</a:t>
+            </a:r>
+            <a:r>
+              <a:rPr lang="zh-CN" altLang="en-US" dirty="0"/>
+              <a:t>核心思想就是尽量减少线程之间的先后关系和互斥关系。</a:t>
+            </a:r>
+          </a:p>
+          <a:p>
+            <a:r>
+              <a:rPr lang="en-US" altLang="zh-CN" dirty="0"/>
+              <a:t>2</a:t>
+            </a:r>
+            <a:r>
+              <a:rPr lang="zh-CN" altLang="en-US" dirty="0"/>
+              <a:t>、无论如何地想办法，线程之间还是会存在一定的先后关系和互斥关系，这时候可以使用</a:t>
+            </a:r>
+            <a:r>
+              <a:rPr lang="en-US" altLang="zh-CN" dirty="0" err="1"/>
+              <a:t>Thread.Join</a:t>
+            </a:r>
+            <a:r>
+              <a:rPr lang="zh-CN" altLang="en-US" dirty="0"/>
+              <a:t>方法。</a:t>
+            </a:r>
+          </a:p>
+          <a:p>
+            <a:r>
+              <a:rPr lang="en-US" altLang="zh-CN" dirty="0"/>
+              <a:t>3</a:t>
+            </a:r>
+            <a:r>
+              <a:rPr lang="zh-CN" altLang="en-US" dirty="0"/>
+              <a:t>、一个线程在执行的过程中，可能调用另一个线程，前者可以称为调用线程，后者成为被调用线程。</a:t>
+            </a:r>
+          </a:p>
+          <a:p>
+            <a:r>
+              <a:rPr lang="en-US" altLang="zh-CN" dirty="0"/>
+              <a:t>4</a:t>
+            </a:r>
+            <a:r>
+              <a:rPr lang="zh-CN" altLang="en-US" dirty="0"/>
+              <a:t>、</a:t>
+            </a:r>
+            <a:r>
+              <a:rPr lang="en-US" altLang="zh-CN" dirty="0" err="1"/>
+              <a:t>Thread.Join</a:t>
+            </a:r>
+            <a:r>
+              <a:rPr lang="zh-CN" altLang="en-US" dirty="0"/>
+              <a:t>方法的使用场景：调用线程挂起，等待被调用线程执行完毕后，继续执行。</a:t>
+            </a:r>
+          </a:p>
+          <a:p>
+            <a:r>
+              <a:rPr lang="en-US" altLang="zh-CN" dirty="0"/>
+              <a:t>5</a:t>
+            </a:r>
+            <a:r>
+              <a:rPr lang="zh-CN" altLang="en-US" dirty="0"/>
+              <a:t>、被调用线程执行</a:t>
+            </a:r>
+            <a:r>
+              <a:rPr lang="en-US" altLang="zh-CN" dirty="0"/>
+              <a:t>Join</a:t>
+            </a:r>
+            <a:r>
+              <a:rPr lang="zh-CN" altLang="en-US" dirty="0"/>
+              <a:t>方法，告诉调用线程，你先暂停，我执行完了，你再执行。从而保证了先后关系。</a:t>
+            </a:r>
+          </a:p>
+          <a:p>
+            <a:r>
+              <a:rPr lang="en-US" altLang="zh-CN" dirty="0"/>
+              <a:t>6</a:t>
+            </a:r>
+            <a:r>
+              <a:rPr lang="zh-CN" altLang="en-US" dirty="0"/>
+              <a:t>、考虑一种有意思的情况：在当前线程内调用</a:t>
+            </a:r>
+            <a:r>
+              <a:rPr lang="en-US" altLang="zh-CN" dirty="0" err="1"/>
+              <a:t>Thread.CurrentThread.Join</a:t>
+            </a:r>
+            <a:r>
+              <a:rPr lang="en-US" altLang="zh-CN" dirty="0"/>
+              <a:t>() </a:t>
+            </a:r>
+            <a:r>
+              <a:rPr lang="zh-CN" altLang="en-US" dirty="0"/>
+              <a:t>会出现什么情况？分析：假设当前线程为</a:t>
+            </a:r>
+            <a:r>
+              <a:rPr lang="en-US" altLang="zh-CN" dirty="0"/>
+              <a:t>A</a:t>
+            </a:r>
+            <a:r>
+              <a:rPr lang="zh-CN" altLang="en-US" dirty="0"/>
+              <a:t>，此时调用线程为</a:t>
+            </a:r>
+            <a:r>
+              <a:rPr lang="en-US" altLang="zh-CN" dirty="0"/>
+              <a:t>A</a:t>
+            </a:r>
+            <a:r>
+              <a:rPr lang="zh-CN" altLang="en-US" dirty="0"/>
+              <a:t>，被调用线程也为</a:t>
+            </a:r>
+            <a:r>
+              <a:rPr lang="en-US" altLang="zh-CN" dirty="0"/>
+              <a:t>A</a:t>
+            </a:r>
+            <a:r>
+              <a:rPr lang="zh-CN" altLang="en-US" dirty="0"/>
+              <a:t>，由于调用线程</a:t>
+            </a:r>
+            <a:r>
+              <a:rPr lang="en-US" altLang="zh-CN" dirty="0"/>
+              <a:t>A</a:t>
+            </a:r>
+            <a:r>
+              <a:rPr lang="zh-CN" altLang="en-US" dirty="0"/>
+              <a:t>暂停，被调用线程</a:t>
+            </a:r>
+            <a:r>
+              <a:rPr lang="en-US" altLang="zh-CN" dirty="0"/>
+              <a:t>A</a:t>
+            </a:r>
+            <a:r>
+              <a:rPr lang="zh-CN" altLang="en-US" dirty="0"/>
+              <a:t>（也就是调用线程</a:t>
+            </a:r>
+            <a:r>
+              <a:rPr lang="en-US" altLang="zh-CN" dirty="0"/>
+              <a:t>A</a:t>
+            </a:r>
+            <a:r>
+              <a:rPr lang="zh-CN" altLang="en-US" dirty="0"/>
+              <a:t>）永远不会执行完毕，造成死锁。</a:t>
+            </a:r>
           </a:p>
         </p:txBody>
       </p:sp>
@@ -23729,7 +24483,7 @@
             <a:spLocks noGrp="1"/>
           </p:cNvSpPr>
           <p:nvPr>
-            <p:ph type="sldNum" sz="quarter" idx="10"/>
+            <p:ph type="sldNum" sz="quarter" idx="5"/>
           </p:nvPr>
         </p:nvSpPr>
         <p:spPr/>
@@ -23737,24 +24491,18 @@
           <a:bodyPr/>
           <a:lstStyle/>
           <a:p>
-            <a:pPr>
-              <a:defRPr/>
-            </a:pPr>
-            <a:fld id="{2B4AFDB2-0EDC-4C9F-9F69-C798F77C05B1}" type="slidenum">
-              <a:rPr lang="en-US" altLang="zh-CN" smtClean="0"/>
-              <a:pPr>
-                <a:defRPr/>
-              </a:pPr>
-              <a:t>24</a:t>
+            <a:fld id="{FF6B7014-1CA7-42FF-9E69-87C27AE33F47}" type="slidenum">
+              <a:rPr lang="zh-CN" altLang="en-US" smtClean="0"/>
+              <a:t>16</a:t>
             </a:fld>
-            <a:endParaRPr lang="en-US" altLang="zh-CN"/>
+            <a:endParaRPr lang="zh-CN" altLang="en-US"/>
           </a:p>
         </p:txBody>
       </p:sp>
     </p:spTree>
     <p:extLst>
       <p:ext uri="{BB962C8B-B14F-4D97-AF65-F5344CB8AC3E}">
-        <p14:creationId xmlns:p14="http://schemas.microsoft.com/office/powerpoint/2010/main" val="3732243218"/>
+        <p14:creationId xmlns:p14="http://schemas.microsoft.com/office/powerpoint/2010/main" val="20801960"/>
       </p:ext>
     </p:extLst>
   </p:cSld>
@@ -23808,46 +24556,7 @@
           <a:bodyPr/>
           <a:lstStyle/>
           <a:p>
-            <a:r>
-              <a:rPr lang="en-US" altLang="zh-CN" sz="1800" dirty="0"/>
-              <a:t>Invoke</a:t>
-            </a:r>
-            <a:r>
-              <a:rPr lang="zh-CN" altLang="en-US" sz="1800" dirty="0"/>
-              <a:t>方法会顺着控件树向上搜索，直到找到创建控件的那个线程（通常是主线程），然后进入那个线程改变控件的外观，确保不发生线程冲突。</a:t>
-            </a:r>
-            <a:endParaRPr lang="en-US" altLang="zh-CN" sz="1800" dirty="0"/>
-          </a:p>
-          <a:p>
-            <a:r>
-              <a:rPr lang="en-US" altLang="zh-CN" sz="1800" dirty="0"/>
-              <a:t>C# </a:t>
-            </a:r>
-            <a:r>
-              <a:rPr lang="zh-CN" altLang="en-US" sz="1800" dirty="0"/>
-              <a:t>通过</a:t>
-            </a:r>
-            <a:r>
-              <a:rPr lang="en-US" altLang="zh-CN" sz="1800" dirty="0" err="1"/>
-              <a:t>PostMessage</a:t>
-            </a:r>
-            <a:r>
-              <a:rPr lang="zh-CN" altLang="en-US" sz="1800" dirty="0"/>
-              <a:t>完成</a:t>
-            </a:r>
-            <a:r>
-              <a:rPr lang="en-US" altLang="zh-CN" sz="1800" dirty="0"/>
-              <a:t>UI</a:t>
-            </a:r>
-            <a:r>
-              <a:rPr lang="zh-CN" altLang="en-US" sz="1800" dirty="0"/>
-              <a:t>的更新</a:t>
-            </a:r>
-            <a:r>
-              <a:rPr lang="en-US" altLang="zh-CN" sz="1800" dirty="0"/>
-              <a:t>:  https://www.cnblogs.com/stonecastle/p/3142084.html</a:t>
-            </a:r>
-            <a:endParaRPr lang="zh-CN" altLang="en-US" sz="1800" dirty="0"/>
+            <a:endParaRPr lang="zh-CN" altLang="en-US" dirty="0"/>
           </a:p>
         </p:txBody>
       </p:sp>
@@ -23868,7 +24577,7 @@
           <a:p>
             <a:fld id="{FF6B7014-1CA7-42FF-9E69-87C27AE33F47}" type="slidenum">
               <a:rPr lang="zh-CN" altLang="en-US" smtClean="0"/>
-              <a:t>28</a:t>
+              <a:t>18</a:t>
             </a:fld>
             <a:endParaRPr lang="zh-CN" altLang="en-US"/>
           </a:p>
@@ -23877,7 +24586,7 @@
     </p:spTree>
     <p:extLst>
       <p:ext uri="{BB962C8B-B14F-4D97-AF65-F5344CB8AC3E}">
-        <p14:creationId xmlns:p14="http://schemas.microsoft.com/office/powerpoint/2010/main" val="3567416740"/>
+        <p14:creationId xmlns:p14="http://schemas.microsoft.com/office/powerpoint/2010/main" val="4007573373"/>
       </p:ext>
     </p:extLst>
   </p:cSld>
@@ -23952,7 +24661,7 @@
           <a:p>
             <a:fld id="{FF6B7014-1CA7-42FF-9E69-87C27AE33F47}" type="slidenum">
               <a:rPr lang="zh-CN" altLang="en-US" smtClean="0"/>
-              <a:t>33</a:t>
+              <a:t>20</a:t>
             </a:fld>
             <a:endParaRPr lang="zh-CN" altLang="en-US"/>
           </a:p>
@@ -23961,7 +24670,7 @@
     </p:spTree>
     <p:extLst>
       <p:ext uri="{BB962C8B-B14F-4D97-AF65-F5344CB8AC3E}">
-        <p14:creationId xmlns:p14="http://schemas.microsoft.com/office/powerpoint/2010/main" val="2264776296"/>
+        <p14:creationId xmlns:p14="http://schemas.microsoft.com/office/powerpoint/2010/main" val="3402137783"/>
       </p:ext>
     </p:extLst>
   </p:cSld>
@@ -24154,7 +24863,7 @@
           <a:p>
             <a:fld id="{F0A08C6D-CA89-457F-88D7-56281A3E4E44}" type="datetimeFigureOut">
               <a:rPr lang="zh-CN" altLang="en-US" smtClean="0"/>
-              <a:t>2021/10/7</a:t>
+              <a:t>2021/10/13</a:t>
             </a:fld>
             <a:endParaRPr lang="zh-CN" altLang="en-US"/>
           </a:p>
@@ -29969,40 +30678,602 @@
           </a:p>
         </p:txBody>
       </p:sp>
-      <p:pic>
-        <p:nvPicPr>
-          <p:cNvPr id="4" name="图片 3"/>
-          <p:cNvPicPr>
-            <a:picLocks noChangeAspect="1"/>
-          </p:cNvPicPr>
-          <p:nvPr/>
-        </p:nvPicPr>
-        <p:blipFill>
-          <a:blip r:embed="rId2">
+      <p:graphicFrame>
+        <p:nvGraphicFramePr>
+          <p:cNvPr id="2" name="表格 1">
             <a:extLst>
-              <a:ext uri="{28A0092B-C50C-407E-A947-70E740481C1C}">
-                <a14:useLocalDpi xmlns:a14="http://schemas.microsoft.com/office/drawing/2010/main" val="0"/>
+              <a:ext uri="{FF2B5EF4-FFF2-40B4-BE49-F238E27FC236}">
+                <a16:creationId xmlns:a16="http://schemas.microsoft.com/office/drawing/2014/main" id="{A322B6A9-7217-4898-9C35-D18387AE985C}"/>
               </a:ext>
             </a:extLst>
-          </a:blip>
-          <a:stretch>
-            <a:fillRect/>
-          </a:stretch>
-        </p:blipFill>
+          </p:cNvPr>
+          <p:cNvGraphicFramePr>
+            <a:graphicFrameLocks noGrp="1"/>
+          </p:cNvGraphicFramePr>
+          <p:nvPr>
+            <p:extLst>
+              <p:ext uri="{D42A27DB-BD31-4B8C-83A1-F6EECF244321}">
+                <p14:modId xmlns:p14="http://schemas.microsoft.com/office/powerpoint/2010/main" val="357061659"/>
+              </p:ext>
+            </p:extLst>
+          </p:nvPr>
+        </p:nvGraphicFramePr>
+        <p:xfrm>
+          <a:off x="2032000" y="2340264"/>
+          <a:ext cx="8128000" cy="3757930"/>
+        </p:xfrm>
+        <a:graphic>
+          <a:graphicData uri="http://schemas.openxmlformats.org/drawingml/2006/table">
+            <a:tbl>
+              <a:tblPr firstRow="1" bandRow="1">
+                <a:tableStyleId>{5C22544A-7EE6-4342-B048-85BDC9FD1C3A}</a:tableStyleId>
+              </a:tblPr>
+              <a:tblGrid>
+                <a:gridCol w="1987107">
+                  <a:extLst>
+                    <a:ext uri="{9D8B030D-6E8A-4147-A177-3AD203B41FA5}">
+                      <a16:colId xmlns:a16="http://schemas.microsoft.com/office/drawing/2014/main" val="3731844217"/>
+                    </a:ext>
+                  </a:extLst>
+                </a:gridCol>
+                <a:gridCol w="6140893">
+                  <a:extLst>
+                    <a:ext uri="{9D8B030D-6E8A-4147-A177-3AD203B41FA5}">
+                      <a16:colId xmlns:a16="http://schemas.microsoft.com/office/drawing/2014/main" val="3680929806"/>
+                    </a:ext>
+                  </a:extLst>
+                </a:gridCol>
+              </a:tblGrid>
+              <a:tr h="370840">
+                <a:tc>
+                  <a:txBody>
+                    <a:bodyPr/>
+                    <a:lstStyle/>
+                    <a:p>
+                      <a:pPr algn="ctr"/>
+                      <a:r>
+                        <a:rPr lang="zh-CN" altLang="en-US" b="0" dirty="0">
+                          <a:latin typeface="微软雅黑" panose="020B0503020204020204" pitchFamily="34" charset="-122"/>
+                          <a:ea typeface="微软雅黑" panose="020B0503020204020204" pitchFamily="34" charset="-122"/>
+                        </a:rPr>
+                        <a:t>方法名称</a:t>
+                      </a:r>
+                    </a:p>
+                  </a:txBody>
+                  <a:tcPr/>
+                </a:tc>
+                <a:tc>
+                  <a:txBody>
+                    <a:bodyPr/>
+                    <a:lstStyle/>
+                    <a:p>
+                      <a:pPr algn="ctr"/>
+                      <a:r>
+                        <a:rPr lang="zh-CN" altLang="en-US" b="0" dirty="0">
+                          <a:latin typeface="微软雅黑" panose="020B0503020204020204" pitchFamily="34" charset="-122"/>
+                          <a:ea typeface="微软雅黑" panose="020B0503020204020204" pitchFamily="34" charset="-122"/>
+                        </a:rPr>
+                        <a:t>说明</a:t>
+                      </a:r>
+                    </a:p>
+                  </a:txBody>
+                  <a:tcPr/>
+                </a:tc>
+                <a:extLst>
+                  <a:ext uri="{0D108BD9-81ED-4DB2-BD59-A6C34878D82A}">
+                    <a16:rowId xmlns:a16="http://schemas.microsoft.com/office/drawing/2014/main" val="2541963757"/>
+                  </a:ext>
+                </a:extLst>
+              </a:tr>
+              <a:tr h="370840">
+                <a:tc>
+                  <a:txBody>
+                    <a:bodyPr/>
+                    <a:lstStyle/>
+                    <a:p>
+                      <a:r>
+                        <a:rPr lang="en-US" altLang="zh-CN" dirty="0">
+                          <a:latin typeface="微软雅黑" panose="020B0503020204020204" pitchFamily="34" charset="-122"/>
+                          <a:ea typeface="微软雅黑" panose="020B0503020204020204" pitchFamily="34" charset="-122"/>
+                        </a:rPr>
+                        <a:t>Abort ( )</a:t>
+                      </a:r>
+                      <a:endParaRPr lang="zh-CN" altLang="en-US" dirty="0">
+                        <a:latin typeface="微软雅黑" panose="020B0503020204020204" pitchFamily="34" charset="-122"/>
+                        <a:ea typeface="微软雅黑" panose="020B0503020204020204" pitchFamily="34" charset="-122"/>
+                      </a:endParaRPr>
+                    </a:p>
+                  </a:txBody>
+                  <a:tcPr/>
+                </a:tc>
+                <a:tc>
+                  <a:txBody>
+                    <a:bodyPr/>
+                    <a:lstStyle/>
+                    <a:p>
+                      <a:r>
+                        <a:rPr lang="zh-CN" altLang="en-US" dirty="0">
+                          <a:latin typeface="微软雅黑" panose="020B0503020204020204" pitchFamily="34" charset="-122"/>
+                          <a:ea typeface="微软雅黑" panose="020B0503020204020204" pitchFamily="34" charset="-122"/>
+                        </a:rPr>
+                        <a:t>终止本线程</a:t>
+                      </a:r>
+                    </a:p>
+                  </a:txBody>
+                  <a:tcPr/>
+                </a:tc>
+                <a:extLst>
+                  <a:ext uri="{0D108BD9-81ED-4DB2-BD59-A6C34878D82A}">
+                    <a16:rowId xmlns:a16="http://schemas.microsoft.com/office/drawing/2014/main" val="3313006458"/>
+                  </a:ext>
+                </a:extLst>
+              </a:tr>
+              <a:tr h="370840">
+                <a:tc>
+                  <a:txBody>
+                    <a:bodyPr/>
+                    <a:lstStyle/>
+                    <a:p>
+                      <a:r>
+                        <a:rPr lang="en-US" altLang="zh-CN" dirty="0" err="1">
+                          <a:latin typeface="微软雅黑" panose="020B0503020204020204" pitchFamily="34" charset="-122"/>
+                          <a:ea typeface="微软雅黑" panose="020B0503020204020204" pitchFamily="34" charset="-122"/>
+                        </a:rPr>
+                        <a:t>GetDomain</a:t>
+                      </a:r>
+                      <a:r>
+                        <a:rPr lang="en-US" altLang="zh-CN" dirty="0">
+                          <a:latin typeface="微软雅黑" panose="020B0503020204020204" pitchFamily="34" charset="-122"/>
+                          <a:ea typeface="微软雅黑" panose="020B0503020204020204" pitchFamily="34" charset="-122"/>
+                        </a:rPr>
+                        <a:t> ( )</a:t>
+                      </a:r>
+                      <a:endParaRPr lang="zh-CN" altLang="en-US" dirty="0">
+                        <a:latin typeface="微软雅黑" panose="020B0503020204020204" pitchFamily="34" charset="-122"/>
+                        <a:ea typeface="微软雅黑" panose="020B0503020204020204" pitchFamily="34" charset="-122"/>
+                      </a:endParaRPr>
+                    </a:p>
+                  </a:txBody>
+                  <a:tcPr/>
+                </a:tc>
+                <a:tc>
+                  <a:txBody>
+                    <a:bodyPr/>
+                    <a:lstStyle/>
+                    <a:p>
+                      <a:r>
+                        <a:rPr lang="zh-CN" altLang="en-US" dirty="0">
+                          <a:latin typeface="微软雅黑" panose="020B0503020204020204" pitchFamily="34" charset="-122"/>
+                          <a:ea typeface="微软雅黑" panose="020B0503020204020204" pitchFamily="34" charset="-122"/>
+                        </a:rPr>
+                        <a:t>返回当前线程正在其中运行的当前域</a:t>
+                      </a:r>
+                    </a:p>
+                  </a:txBody>
+                  <a:tcPr/>
+                </a:tc>
+                <a:extLst>
+                  <a:ext uri="{0D108BD9-81ED-4DB2-BD59-A6C34878D82A}">
+                    <a16:rowId xmlns:a16="http://schemas.microsoft.com/office/drawing/2014/main" val="1922458421"/>
+                  </a:ext>
+                </a:extLst>
+              </a:tr>
+              <a:tr h="370840">
+                <a:tc>
+                  <a:txBody>
+                    <a:bodyPr/>
+                    <a:lstStyle/>
+                    <a:p>
+                      <a:r>
+                        <a:rPr lang="en-US" altLang="zh-CN" dirty="0" err="1">
+                          <a:latin typeface="微软雅黑" panose="020B0503020204020204" pitchFamily="34" charset="-122"/>
+                          <a:ea typeface="微软雅黑" panose="020B0503020204020204" pitchFamily="34" charset="-122"/>
+                        </a:rPr>
+                        <a:t>GetDomainId</a:t>
+                      </a:r>
+                      <a:r>
+                        <a:rPr lang="en-US" altLang="zh-CN" dirty="0">
+                          <a:latin typeface="微软雅黑" panose="020B0503020204020204" pitchFamily="34" charset="-122"/>
+                          <a:ea typeface="微软雅黑" panose="020B0503020204020204" pitchFamily="34" charset="-122"/>
+                        </a:rPr>
+                        <a:t> ( )</a:t>
+                      </a:r>
+                      <a:endParaRPr lang="zh-CN" altLang="en-US" dirty="0">
+                        <a:latin typeface="微软雅黑" panose="020B0503020204020204" pitchFamily="34" charset="-122"/>
+                        <a:ea typeface="微软雅黑" panose="020B0503020204020204" pitchFamily="34" charset="-122"/>
+                      </a:endParaRPr>
+                    </a:p>
+                  </a:txBody>
+                  <a:tcPr/>
+                </a:tc>
+                <a:tc>
+                  <a:txBody>
+                    <a:bodyPr/>
+                    <a:lstStyle/>
+                    <a:p>
+                      <a:r>
+                        <a:rPr lang="zh-CN" altLang="en-US" dirty="0">
+                          <a:latin typeface="微软雅黑" panose="020B0503020204020204" pitchFamily="34" charset="-122"/>
+                          <a:ea typeface="微软雅黑" panose="020B0503020204020204" pitchFamily="34" charset="-122"/>
+                        </a:rPr>
+                        <a:t>返回当前线程正在其中运行的当前域</a:t>
+                      </a:r>
+                      <a:r>
+                        <a:rPr lang="en-US" altLang="zh-CN" dirty="0">
+                          <a:latin typeface="微软雅黑" panose="020B0503020204020204" pitchFamily="34" charset="-122"/>
+                          <a:ea typeface="微软雅黑" panose="020B0503020204020204" pitchFamily="34" charset="-122"/>
+                        </a:rPr>
+                        <a:t>Id</a:t>
+                      </a:r>
+                      <a:endParaRPr lang="zh-CN" altLang="en-US" dirty="0">
+                        <a:latin typeface="微软雅黑" panose="020B0503020204020204" pitchFamily="34" charset="-122"/>
+                        <a:ea typeface="微软雅黑" panose="020B0503020204020204" pitchFamily="34" charset="-122"/>
+                      </a:endParaRPr>
+                    </a:p>
+                  </a:txBody>
+                  <a:tcPr/>
+                </a:tc>
+                <a:extLst>
+                  <a:ext uri="{0D108BD9-81ED-4DB2-BD59-A6C34878D82A}">
+                    <a16:rowId xmlns:a16="http://schemas.microsoft.com/office/drawing/2014/main" val="2922047173"/>
+                  </a:ext>
+                </a:extLst>
+              </a:tr>
+              <a:tr h="370840">
+                <a:tc>
+                  <a:txBody>
+                    <a:bodyPr/>
+                    <a:lstStyle/>
+                    <a:p>
+                      <a:r>
+                        <a:rPr lang="en-US" altLang="zh-CN" dirty="0">
+                          <a:latin typeface="微软雅黑" panose="020B0503020204020204" pitchFamily="34" charset="-122"/>
+                          <a:ea typeface="微软雅黑" panose="020B0503020204020204" pitchFamily="34" charset="-122"/>
+                        </a:rPr>
+                        <a:t>Interrupt ( )</a:t>
+                      </a:r>
+                      <a:endParaRPr lang="zh-CN" altLang="en-US" dirty="0">
+                        <a:latin typeface="微软雅黑" panose="020B0503020204020204" pitchFamily="34" charset="-122"/>
+                        <a:ea typeface="微软雅黑" panose="020B0503020204020204" pitchFamily="34" charset="-122"/>
+                      </a:endParaRPr>
+                    </a:p>
+                  </a:txBody>
+                  <a:tcPr/>
+                </a:tc>
+                <a:tc>
+                  <a:txBody>
+                    <a:bodyPr/>
+                    <a:lstStyle/>
+                    <a:p>
+                      <a:r>
+                        <a:rPr lang="zh-CN" altLang="en-US" dirty="0">
+                          <a:latin typeface="微软雅黑" panose="020B0503020204020204" pitchFamily="34" charset="-122"/>
+                          <a:ea typeface="微软雅黑" panose="020B0503020204020204" pitchFamily="34" charset="-122"/>
+                        </a:rPr>
+                        <a:t>中断处于 </a:t>
+                      </a:r>
+                      <a:r>
+                        <a:rPr lang="en-US" altLang="zh-CN" dirty="0" err="1">
+                          <a:latin typeface="微软雅黑" panose="020B0503020204020204" pitchFamily="34" charset="-122"/>
+                          <a:ea typeface="微软雅黑" panose="020B0503020204020204" pitchFamily="34" charset="-122"/>
+                        </a:rPr>
+                        <a:t>WaitSleepJoin</a:t>
+                      </a:r>
+                      <a:r>
+                        <a:rPr lang="en-US" altLang="zh-CN" dirty="0">
+                          <a:latin typeface="微软雅黑" panose="020B0503020204020204" pitchFamily="34" charset="-122"/>
+                          <a:ea typeface="微软雅黑" panose="020B0503020204020204" pitchFamily="34" charset="-122"/>
+                        </a:rPr>
+                        <a:t> </a:t>
+                      </a:r>
+                      <a:r>
+                        <a:rPr lang="zh-CN" altLang="en-US" dirty="0">
+                          <a:latin typeface="微软雅黑" panose="020B0503020204020204" pitchFamily="34" charset="-122"/>
+                          <a:ea typeface="微软雅黑" panose="020B0503020204020204" pitchFamily="34" charset="-122"/>
+                        </a:rPr>
+                        <a:t>线程状态的线程</a:t>
+                      </a:r>
+                    </a:p>
+                  </a:txBody>
+                  <a:tcPr/>
+                </a:tc>
+                <a:extLst>
+                  <a:ext uri="{0D108BD9-81ED-4DB2-BD59-A6C34878D82A}">
+                    <a16:rowId xmlns:a16="http://schemas.microsoft.com/office/drawing/2014/main" val="4179266855"/>
+                  </a:ext>
+                </a:extLst>
+              </a:tr>
+              <a:tr h="370840">
+                <a:tc>
+                  <a:txBody>
+                    <a:bodyPr/>
+                    <a:lstStyle/>
+                    <a:p>
+                      <a:r>
+                        <a:rPr lang="en-US" altLang="zh-CN" dirty="0">
+                          <a:latin typeface="微软雅黑" panose="020B0503020204020204" pitchFamily="34" charset="-122"/>
+                          <a:ea typeface="微软雅黑" panose="020B0503020204020204" pitchFamily="34" charset="-122"/>
+                        </a:rPr>
+                        <a:t>Join ( )</a:t>
+                      </a:r>
+                      <a:endParaRPr lang="zh-CN" altLang="en-US" dirty="0">
+                        <a:latin typeface="微软雅黑" panose="020B0503020204020204" pitchFamily="34" charset="-122"/>
+                        <a:ea typeface="微软雅黑" panose="020B0503020204020204" pitchFamily="34" charset="-122"/>
+                      </a:endParaRPr>
+                    </a:p>
+                  </a:txBody>
+                  <a:tcPr/>
+                </a:tc>
+                <a:tc>
+                  <a:txBody>
+                    <a:bodyPr/>
+                    <a:lstStyle/>
+                    <a:p>
+                      <a:r>
+                        <a:rPr lang="zh-CN" altLang="en-US" dirty="0">
+                          <a:latin typeface="微软雅黑" panose="020B0503020204020204" pitchFamily="34" charset="-122"/>
+                          <a:ea typeface="微软雅黑" panose="020B0503020204020204" pitchFamily="34" charset="-122"/>
+                        </a:rPr>
+                        <a:t>已重载。阻塞调用线程，直到某个线程终止时为止</a:t>
+                      </a:r>
+                    </a:p>
+                  </a:txBody>
+                  <a:tcPr/>
+                </a:tc>
+                <a:extLst>
+                  <a:ext uri="{0D108BD9-81ED-4DB2-BD59-A6C34878D82A}">
+                    <a16:rowId xmlns:a16="http://schemas.microsoft.com/office/drawing/2014/main" val="1555504635"/>
+                  </a:ext>
+                </a:extLst>
+              </a:tr>
+              <a:tr h="370840">
+                <a:tc>
+                  <a:txBody>
+                    <a:bodyPr/>
+                    <a:lstStyle/>
+                    <a:p>
+                      <a:r>
+                        <a:rPr lang="en-US" altLang="zh-CN" dirty="0">
+                          <a:latin typeface="微软雅黑" panose="020B0503020204020204" pitchFamily="34" charset="-122"/>
+                          <a:ea typeface="微软雅黑" panose="020B0503020204020204" pitchFamily="34" charset="-122"/>
+                        </a:rPr>
+                        <a:t>Resume ( )</a:t>
+                      </a:r>
+                      <a:endParaRPr lang="zh-CN" altLang="en-US" dirty="0">
+                        <a:latin typeface="微软雅黑" panose="020B0503020204020204" pitchFamily="34" charset="-122"/>
+                        <a:ea typeface="微软雅黑" panose="020B0503020204020204" pitchFamily="34" charset="-122"/>
+                      </a:endParaRPr>
+                    </a:p>
+                  </a:txBody>
+                  <a:tcPr/>
+                </a:tc>
+                <a:tc>
+                  <a:txBody>
+                    <a:bodyPr/>
+                    <a:lstStyle/>
+                    <a:p>
+                      <a:r>
+                        <a:rPr lang="zh-CN" altLang="en-US" dirty="0">
+                          <a:latin typeface="微软雅黑" panose="020B0503020204020204" pitchFamily="34" charset="-122"/>
+                          <a:ea typeface="微软雅黑" panose="020B0503020204020204" pitchFamily="34" charset="-122"/>
+                        </a:rPr>
+                        <a:t>继续运行已挂起的线程</a:t>
+                      </a:r>
+                    </a:p>
+                  </a:txBody>
+                  <a:tcPr/>
+                </a:tc>
+                <a:extLst>
+                  <a:ext uri="{0D108BD9-81ED-4DB2-BD59-A6C34878D82A}">
+                    <a16:rowId xmlns:a16="http://schemas.microsoft.com/office/drawing/2014/main" val="2332820234"/>
+                  </a:ext>
+                </a:extLst>
+              </a:tr>
+              <a:tr h="370840">
+                <a:tc>
+                  <a:txBody>
+                    <a:bodyPr/>
+                    <a:lstStyle/>
+                    <a:p>
+                      <a:r>
+                        <a:rPr lang="en-US" altLang="zh-CN" dirty="0">
+                          <a:latin typeface="微软雅黑" panose="020B0503020204020204" pitchFamily="34" charset="-122"/>
+                          <a:ea typeface="微软雅黑" panose="020B0503020204020204" pitchFamily="34" charset="-122"/>
+                        </a:rPr>
+                        <a:t>Start ( )</a:t>
+                      </a:r>
+                      <a:endParaRPr lang="zh-CN" altLang="en-US" dirty="0">
+                        <a:latin typeface="微软雅黑" panose="020B0503020204020204" pitchFamily="34" charset="-122"/>
+                        <a:ea typeface="微软雅黑" panose="020B0503020204020204" pitchFamily="34" charset="-122"/>
+                      </a:endParaRPr>
+                    </a:p>
+                  </a:txBody>
+                  <a:tcPr/>
+                </a:tc>
+                <a:tc>
+                  <a:txBody>
+                    <a:bodyPr/>
+                    <a:lstStyle/>
+                    <a:p>
+                      <a:r>
+                        <a:rPr lang="zh-CN" altLang="en-US" dirty="0">
+                          <a:latin typeface="微软雅黑" panose="020B0503020204020204" pitchFamily="34" charset="-122"/>
+                          <a:ea typeface="微软雅黑" panose="020B0503020204020204" pitchFamily="34" charset="-122"/>
+                        </a:rPr>
+                        <a:t>执行本线程</a:t>
+                      </a:r>
+                    </a:p>
+                  </a:txBody>
+                  <a:tcPr/>
+                </a:tc>
+                <a:extLst>
+                  <a:ext uri="{0D108BD9-81ED-4DB2-BD59-A6C34878D82A}">
+                    <a16:rowId xmlns:a16="http://schemas.microsoft.com/office/drawing/2014/main" val="3527511794"/>
+                  </a:ext>
+                </a:extLst>
+              </a:tr>
+              <a:tr h="370840">
+                <a:tc>
+                  <a:txBody>
+                    <a:bodyPr/>
+                    <a:lstStyle/>
+                    <a:p>
+                      <a:r>
+                        <a:rPr lang="en-US" altLang="zh-CN" dirty="0">
+                          <a:latin typeface="微软雅黑" panose="020B0503020204020204" pitchFamily="34" charset="-122"/>
+                          <a:ea typeface="微软雅黑" panose="020B0503020204020204" pitchFamily="34" charset="-122"/>
+                        </a:rPr>
+                        <a:t>Suspend ( )</a:t>
+                      </a:r>
+                      <a:endParaRPr lang="zh-CN" altLang="en-US" dirty="0">
+                        <a:latin typeface="微软雅黑" panose="020B0503020204020204" pitchFamily="34" charset="-122"/>
+                        <a:ea typeface="微软雅黑" panose="020B0503020204020204" pitchFamily="34" charset="-122"/>
+                      </a:endParaRPr>
+                    </a:p>
+                  </a:txBody>
+                  <a:tcPr/>
+                </a:tc>
+                <a:tc>
+                  <a:txBody>
+                    <a:bodyPr/>
+                    <a:lstStyle/>
+                    <a:p>
+                      <a:r>
+                        <a:rPr lang="zh-CN" altLang="en-US" dirty="0">
+                          <a:latin typeface="微软雅黑" panose="020B0503020204020204" pitchFamily="34" charset="-122"/>
+                          <a:ea typeface="微软雅黑" panose="020B0503020204020204" pitchFamily="34" charset="-122"/>
+                        </a:rPr>
+                        <a:t>挂起当前线程，如果当前线程已属于挂起状态则不起作用</a:t>
+                      </a:r>
+                    </a:p>
+                  </a:txBody>
+                  <a:tcPr/>
+                </a:tc>
+                <a:extLst>
+                  <a:ext uri="{0D108BD9-81ED-4DB2-BD59-A6C34878D82A}">
+                    <a16:rowId xmlns:a16="http://schemas.microsoft.com/office/drawing/2014/main" val="2937154791"/>
+                  </a:ext>
+                </a:extLst>
+              </a:tr>
+              <a:tr h="370840">
+                <a:tc>
+                  <a:txBody>
+                    <a:bodyPr/>
+                    <a:lstStyle/>
+                    <a:p>
+                      <a:r>
+                        <a:rPr lang="en-US" altLang="zh-CN" dirty="0">
+                          <a:latin typeface="微软雅黑" panose="020B0503020204020204" pitchFamily="34" charset="-122"/>
+                          <a:ea typeface="微软雅黑" panose="020B0503020204020204" pitchFamily="34" charset="-122"/>
+                        </a:rPr>
+                        <a:t>Sleep ( )</a:t>
+                      </a:r>
+                      <a:endParaRPr lang="zh-CN" altLang="en-US" dirty="0">
+                        <a:latin typeface="微软雅黑" panose="020B0503020204020204" pitchFamily="34" charset="-122"/>
+                        <a:ea typeface="微软雅黑" panose="020B0503020204020204" pitchFamily="34" charset="-122"/>
+                      </a:endParaRPr>
+                    </a:p>
+                  </a:txBody>
+                  <a:tcPr/>
+                </a:tc>
+                <a:tc>
+                  <a:txBody>
+                    <a:bodyPr/>
+                    <a:lstStyle/>
+                    <a:p>
+                      <a:r>
+                        <a:rPr lang="zh-CN" altLang="en-US" dirty="0">
+                          <a:latin typeface="微软雅黑" panose="020B0503020204020204" pitchFamily="34" charset="-122"/>
+                          <a:ea typeface="微软雅黑" panose="020B0503020204020204" pitchFamily="34" charset="-122"/>
+                        </a:rPr>
+                        <a:t>把正在运行的线程挂起一段时间</a:t>
+                      </a:r>
+                    </a:p>
+                  </a:txBody>
+                  <a:tcPr/>
+                </a:tc>
+                <a:extLst>
+                  <a:ext uri="{0D108BD9-81ED-4DB2-BD59-A6C34878D82A}">
+                    <a16:rowId xmlns:a16="http://schemas.microsoft.com/office/drawing/2014/main" val="3187346368"/>
+                  </a:ext>
+                </a:extLst>
+              </a:tr>
+            </a:tbl>
+          </a:graphicData>
+        </a:graphic>
+      </p:graphicFrame>
+      <p:sp>
+        <p:nvSpPr>
+          <p:cNvPr id="3" name="矩形 2">
+            <a:extLst>
+              <a:ext uri="{FF2B5EF4-FFF2-40B4-BE49-F238E27FC236}">
+                <a16:creationId xmlns:a16="http://schemas.microsoft.com/office/drawing/2014/main" id="{ECE0E194-F6C8-476A-8909-D8776BA473F4}"/>
+              </a:ext>
+            </a:extLst>
+          </p:cNvPr>
+          <p:cNvSpPr/>
+          <p:nvPr/>
+        </p:nvSpPr>
         <p:spPr>
           <a:xfrm>
-            <a:off x="1630017" y="2277774"/>
-            <a:ext cx="9487610" cy="4580226"/>
+            <a:off x="1219199" y="6258015"/>
+            <a:ext cx="10412819" cy="369332"/>
           </a:xfrm>
           <a:prstGeom prst="rect">
             <a:avLst/>
           </a:prstGeom>
         </p:spPr>
-      </p:pic>
+        <p:txBody>
+          <a:bodyPr wrap="square">
+            <a:spAutoFit/>
+          </a:bodyPr>
+          <a:lstStyle/>
+          <a:p>
+            <a:r>
+              <a:rPr lang="en-US" altLang="zh-CN" sz="1800" dirty="0">
+                <a:latin typeface="Consolas" panose="020B0609020204030204" pitchFamily="49" charset="0"/>
+              </a:rPr>
+              <a:t>https://docs.microsoft.com/en-us/dotnet/api/system.threading.thread </a:t>
+            </a:r>
+            <a:r>
+              <a:rPr lang="zh-CN" altLang="en-US" sz="1800" dirty="0">
+                <a:latin typeface="微软雅黑" panose="020B0503020204020204" pitchFamily="34" charset="-122"/>
+                <a:ea typeface="微软雅黑" panose="020B0503020204020204" pitchFamily="34" charset="-122"/>
+              </a:rPr>
+              <a:t>选取</a:t>
+            </a:r>
+            <a:r>
+              <a:rPr lang="en-US" altLang="zh-CN" sz="1800" dirty="0">
+                <a:latin typeface="微软雅黑" panose="020B0503020204020204" pitchFamily="34" charset="-122"/>
+                <a:ea typeface="微软雅黑" panose="020B0503020204020204" pitchFamily="34" charset="-122"/>
+              </a:rPr>
+              <a:t>C++</a:t>
+            </a:r>
+            <a:r>
+              <a:rPr lang="zh-CN" altLang="en-US" sz="1800" dirty="0">
+                <a:latin typeface="微软雅黑" panose="020B0503020204020204" pitchFamily="34" charset="-122"/>
+                <a:ea typeface="微软雅黑" panose="020B0503020204020204" pitchFamily="34" charset="-122"/>
+              </a:rPr>
+              <a:t>或</a:t>
+            </a:r>
+            <a:r>
+              <a:rPr lang="en-US" altLang="zh-CN" sz="1800" dirty="0">
+                <a:latin typeface="微软雅黑" panose="020B0503020204020204" pitchFamily="34" charset="-122"/>
+                <a:ea typeface="微软雅黑" panose="020B0503020204020204" pitchFamily="34" charset="-122"/>
+              </a:rPr>
+              <a:t>C#</a:t>
+            </a:r>
+            <a:endParaRPr lang="zh-CN" altLang="en-US" sz="1800" dirty="0">
+              <a:latin typeface="微软雅黑" panose="020B0503020204020204" pitchFamily="34" charset="-122"/>
+              <a:ea typeface="微软雅黑" panose="020B0503020204020204" pitchFamily="34" charset="-122"/>
+            </a:endParaRPr>
+          </a:p>
+        </p:txBody>
+      </p:sp>
     </p:spTree>
     <p:extLst>
       <p:ext uri="{BB962C8B-B14F-4D97-AF65-F5344CB8AC3E}">
-        <p14:creationId xmlns:p14="http://schemas.microsoft.com/office/powerpoint/2010/main" val="1472810274"/>
+        <p14:creationId xmlns:p14="http://schemas.microsoft.com/office/powerpoint/2010/main" val="3551985726"/>
       </p:ext>
     </p:extLst>
   </p:cSld>
@@ -30877,35 +32148,541 @@
           </a:p>
         </p:txBody>
       </p:sp>
-      <p:pic>
-        <p:nvPicPr>
-          <p:cNvPr id="3" name="内容占位符 2"/>
-          <p:cNvPicPr>
-            <a:picLocks noGrp="1" noChangeAspect="1"/>
-          </p:cNvPicPr>
-          <p:nvPr>
-            <p:ph idx="4294967295"/>
-          </p:nvPr>
-        </p:nvPicPr>
-        <p:blipFill>
-          <a:blip r:embed="rId2">
+      <p:graphicFrame>
+        <p:nvGraphicFramePr>
+          <p:cNvPr id="2" name="表格 1">
             <a:extLst>
-              <a:ext uri="{28A0092B-C50C-407E-A947-70E740481C1C}">
-                <a14:useLocalDpi xmlns:a14="http://schemas.microsoft.com/office/drawing/2010/main" val="0"/>
+              <a:ext uri="{FF2B5EF4-FFF2-40B4-BE49-F238E27FC236}">
+                <a16:creationId xmlns:a16="http://schemas.microsoft.com/office/drawing/2014/main" id="{5EDC230E-77CE-41ED-9C75-8F7EDCA95591}"/>
               </a:ext>
             </a:extLst>
-          </a:blip>
-          <a:stretch>
-            <a:fillRect/>
-          </a:stretch>
-        </p:blipFill>
-        <p:spPr>
-          <a:xfrm>
-            <a:off x="1916724" y="1635125"/>
-            <a:ext cx="9044517" cy="5222875"/>
-          </a:xfrm>
-        </p:spPr>
-      </p:pic>
+          </p:cNvPr>
+          <p:cNvGraphicFramePr>
+            <a:graphicFrameLocks noGrp="1"/>
+          </p:cNvGraphicFramePr>
+          <p:nvPr>
+            <p:extLst>
+              <p:ext uri="{D42A27DB-BD31-4B8C-83A1-F6EECF244321}">
+                <p14:modId xmlns:p14="http://schemas.microsoft.com/office/powerpoint/2010/main" val="641247093"/>
+              </p:ext>
+            </p:extLst>
+          </p:nvPr>
+        </p:nvGraphicFramePr>
+        <p:xfrm>
+          <a:off x="1886687" y="1649523"/>
+          <a:ext cx="8418625" cy="4418076"/>
+        </p:xfrm>
+        <a:graphic>
+          <a:graphicData uri="http://schemas.openxmlformats.org/drawingml/2006/table">
+            <a:tbl>
+              <a:tblPr firstRow="1" bandRow="1">
+                <a:tableStyleId>{5C22544A-7EE6-4342-B048-85BDC9FD1C3A}</a:tableStyleId>
+              </a:tblPr>
+              <a:tblGrid>
+                <a:gridCol w="2526064">
+                  <a:extLst>
+                    <a:ext uri="{9D8B030D-6E8A-4147-A177-3AD203B41FA5}">
+                      <a16:colId xmlns:a16="http://schemas.microsoft.com/office/drawing/2014/main" val="3335242699"/>
+                    </a:ext>
+                  </a:extLst>
+                </a:gridCol>
+                <a:gridCol w="5892561">
+                  <a:extLst>
+                    <a:ext uri="{9D8B030D-6E8A-4147-A177-3AD203B41FA5}">
+                      <a16:colId xmlns:a16="http://schemas.microsoft.com/office/drawing/2014/main" val="3473615056"/>
+                    </a:ext>
+                  </a:extLst>
+                </a:gridCol>
+              </a:tblGrid>
+              <a:tr h="370840">
+                <a:tc>
+                  <a:txBody>
+                    <a:bodyPr/>
+                    <a:lstStyle/>
+                    <a:p>
+                      <a:pPr algn="ctr"/>
+                      <a:r>
+                        <a:rPr lang="zh-CN" altLang="en-US" b="0" dirty="0">
+                          <a:latin typeface="微软雅黑" panose="020B0503020204020204" pitchFamily="34" charset="-122"/>
+                          <a:ea typeface="微软雅黑" panose="020B0503020204020204" pitchFamily="34" charset="-122"/>
+                        </a:rPr>
+                        <a:t>属性名称</a:t>
+                      </a:r>
+                    </a:p>
+                  </a:txBody>
+                  <a:tcPr/>
+                </a:tc>
+                <a:tc>
+                  <a:txBody>
+                    <a:bodyPr/>
+                    <a:lstStyle/>
+                    <a:p>
+                      <a:pPr algn="ctr"/>
+                      <a:r>
+                        <a:rPr lang="zh-CN" altLang="en-US" b="0" dirty="0">
+                          <a:latin typeface="微软雅黑" panose="020B0503020204020204" pitchFamily="34" charset="-122"/>
+                          <a:ea typeface="微软雅黑" panose="020B0503020204020204" pitchFamily="34" charset="-122"/>
+                        </a:rPr>
+                        <a:t>说明</a:t>
+                      </a:r>
+                    </a:p>
+                  </a:txBody>
+                  <a:tcPr/>
+                </a:tc>
+                <a:extLst>
+                  <a:ext uri="{0D108BD9-81ED-4DB2-BD59-A6C34878D82A}">
+                    <a16:rowId xmlns:a16="http://schemas.microsoft.com/office/drawing/2014/main" val="197438488"/>
+                  </a:ext>
+                </a:extLst>
+              </a:tr>
+              <a:tr h="370840">
+                <a:tc>
+                  <a:txBody>
+                    <a:bodyPr/>
+                    <a:lstStyle/>
+                    <a:p>
+                      <a:r>
+                        <a:rPr lang="en-US" altLang="zh-CN" b="0" dirty="0" err="1">
+                          <a:latin typeface="微软雅黑" panose="020B0503020204020204" pitchFamily="34" charset="-122"/>
+                          <a:ea typeface="微软雅黑" panose="020B0503020204020204" pitchFamily="34" charset="-122"/>
+                        </a:rPr>
+                        <a:t>CurrentContext</a:t>
+                      </a:r>
+                      <a:endParaRPr lang="zh-CN" altLang="en-US" b="0" dirty="0">
+                        <a:latin typeface="微软雅黑" panose="020B0503020204020204" pitchFamily="34" charset="-122"/>
+                        <a:ea typeface="微软雅黑" panose="020B0503020204020204" pitchFamily="34" charset="-122"/>
+                      </a:endParaRPr>
+                    </a:p>
+                  </a:txBody>
+                  <a:tcPr/>
+                </a:tc>
+                <a:tc>
+                  <a:txBody>
+                    <a:bodyPr/>
+                    <a:lstStyle/>
+                    <a:p>
+                      <a:r>
+                        <a:rPr lang="zh-CN" altLang="en-US" b="0" dirty="0">
+                          <a:latin typeface="微软雅黑" panose="020B0503020204020204" pitchFamily="34" charset="-122"/>
+                          <a:ea typeface="微软雅黑" panose="020B0503020204020204" pitchFamily="34" charset="-122"/>
+                        </a:rPr>
+                        <a:t>获取线程正在其中执行的当前上下文</a:t>
+                      </a:r>
+                    </a:p>
+                  </a:txBody>
+                  <a:tcPr/>
+                </a:tc>
+                <a:extLst>
+                  <a:ext uri="{0D108BD9-81ED-4DB2-BD59-A6C34878D82A}">
+                    <a16:rowId xmlns:a16="http://schemas.microsoft.com/office/drawing/2014/main" val="613715097"/>
+                  </a:ext>
+                </a:extLst>
+              </a:tr>
+              <a:tr h="370840">
+                <a:tc>
+                  <a:txBody>
+                    <a:bodyPr/>
+                    <a:lstStyle/>
+                    <a:p>
+                      <a:r>
+                        <a:rPr lang="en-US" altLang="zh-CN" b="0" dirty="0" err="1">
+                          <a:latin typeface="微软雅黑" panose="020B0503020204020204" pitchFamily="34" charset="-122"/>
+                          <a:ea typeface="微软雅黑" panose="020B0503020204020204" pitchFamily="34" charset="-122"/>
+                        </a:rPr>
+                        <a:t>CurrentThread</a:t>
+                      </a:r>
+                      <a:endParaRPr lang="zh-CN" altLang="en-US" b="0" dirty="0">
+                        <a:latin typeface="微软雅黑" panose="020B0503020204020204" pitchFamily="34" charset="-122"/>
+                        <a:ea typeface="微软雅黑" panose="020B0503020204020204" pitchFamily="34" charset="-122"/>
+                      </a:endParaRPr>
+                    </a:p>
+                  </a:txBody>
+                  <a:tcPr/>
+                </a:tc>
+                <a:tc>
+                  <a:txBody>
+                    <a:bodyPr/>
+                    <a:lstStyle/>
+                    <a:p>
+                      <a:r>
+                        <a:rPr lang="zh-CN" altLang="en-US" b="0" dirty="0">
+                          <a:latin typeface="微软雅黑" panose="020B0503020204020204" pitchFamily="34" charset="-122"/>
+                          <a:ea typeface="微软雅黑" panose="020B0503020204020204" pitchFamily="34" charset="-122"/>
+                        </a:rPr>
+                        <a:t>获取当前正在运行的线程</a:t>
+                      </a:r>
+                    </a:p>
+                  </a:txBody>
+                  <a:tcPr/>
+                </a:tc>
+                <a:extLst>
+                  <a:ext uri="{0D108BD9-81ED-4DB2-BD59-A6C34878D82A}">
+                    <a16:rowId xmlns:a16="http://schemas.microsoft.com/office/drawing/2014/main" val="131415144"/>
+                  </a:ext>
+                </a:extLst>
+              </a:tr>
+              <a:tr h="370840">
+                <a:tc>
+                  <a:txBody>
+                    <a:bodyPr/>
+                    <a:lstStyle/>
+                    <a:p>
+                      <a:r>
+                        <a:rPr lang="en-US" altLang="zh-CN" b="0" dirty="0" err="1">
+                          <a:latin typeface="微软雅黑" panose="020B0503020204020204" pitchFamily="34" charset="-122"/>
+                          <a:ea typeface="微软雅黑" panose="020B0503020204020204" pitchFamily="34" charset="-122"/>
+                        </a:rPr>
+                        <a:t>ExecutionContext</a:t>
+                      </a:r>
+                      <a:endParaRPr lang="zh-CN" altLang="en-US" b="0" dirty="0">
+                        <a:latin typeface="微软雅黑" panose="020B0503020204020204" pitchFamily="34" charset="-122"/>
+                        <a:ea typeface="微软雅黑" panose="020B0503020204020204" pitchFamily="34" charset="-122"/>
+                      </a:endParaRPr>
+                    </a:p>
+                  </a:txBody>
+                  <a:tcPr/>
+                </a:tc>
+                <a:tc>
+                  <a:txBody>
+                    <a:bodyPr/>
+                    <a:lstStyle/>
+                    <a:p>
+                      <a:r>
+                        <a:rPr lang="zh-CN" altLang="en-US" b="0" dirty="0">
+                          <a:latin typeface="微软雅黑" panose="020B0503020204020204" pitchFamily="34" charset="-122"/>
+                          <a:ea typeface="微软雅黑" panose="020B0503020204020204" pitchFamily="34" charset="-122"/>
+                        </a:rPr>
+                        <a:t>获取一个</a:t>
+                      </a:r>
+                      <a:r>
+                        <a:rPr lang="en-US" altLang="zh-CN" b="0" dirty="0" err="1">
+                          <a:latin typeface="微软雅黑" panose="020B0503020204020204" pitchFamily="34" charset="-122"/>
+                          <a:ea typeface="微软雅黑" panose="020B0503020204020204" pitchFamily="34" charset="-122"/>
+                        </a:rPr>
+                        <a:t>ExecutionContext</a:t>
+                      </a:r>
+                      <a:r>
+                        <a:rPr lang="zh-CN" altLang="en-US" b="0" dirty="0">
+                          <a:latin typeface="微软雅黑" panose="020B0503020204020204" pitchFamily="34" charset="-122"/>
+                          <a:ea typeface="微软雅黑" panose="020B0503020204020204" pitchFamily="34" charset="-122"/>
+                        </a:rPr>
+                        <a:t>对象，该对象包含有关当前线程的各种上下文的信息</a:t>
+                      </a:r>
+                    </a:p>
+                  </a:txBody>
+                  <a:tcPr/>
+                </a:tc>
+                <a:extLst>
+                  <a:ext uri="{0D108BD9-81ED-4DB2-BD59-A6C34878D82A}">
+                    <a16:rowId xmlns:a16="http://schemas.microsoft.com/office/drawing/2014/main" val="1337599727"/>
+                  </a:ext>
+                </a:extLst>
+              </a:tr>
+              <a:tr h="370840">
+                <a:tc>
+                  <a:txBody>
+                    <a:bodyPr/>
+                    <a:lstStyle/>
+                    <a:p>
+                      <a:r>
+                        <a:rPr lang="en-US" altLang="zh-CN" b="0" dirty="0" err="1">
+                          <a:latin typeface="微软雅黑" panose="020B0503020204020204" pitchFamily="34" charset="-122"/>
+                          <a:ea typeface="微软雅黑" panose="020B0503020204020204" pitchFamily="34" charset="-122"/>
+                        </a:rPr>
+                        <a:t>IsAlive</a:t>
+                      </a:r>
+                      <a:endParaRPr lang="zh-CN" altLang="en-US" b="0" dirty="0">
+                        <a:latin typeface="微软雅黑" panose="020B0503020204020204" pitchFamily="34" charset="-122"/>
+                        <a:ea typeface="微软雅黑" panose="020B0503020204020204" pitchFamily="34" charset="-122"/>
+                      </a:endParaRPr>
+                    </a:p>
+                  </a:txBody>
+                  <a:tcPr/>
+                </a:tc>
+                <a:tc>
+                  <a:txBody>
+                    <a:bodyPr/>
+                    <a:lstStyle/>
+                    <a:p>
+                      <a:r>
+                        <a:rPr lang="zh-CN" altLang="en-US" b="0" dirty="0">
+                          <a:latin typeface="微软雅黑" panose="020B0503020204020204" pitchFamily="34" charset="-122"/>
+                          <a:ea typeface="微软雅黑" panose="020B0503020204020204" pitchFamily="34" charset="-122"/>
+                        </a:rPr>
+                        <a:t>获取一个值，该值指示当前线程的执行状态</a:t>
+                      </a:r>
+                    </a:p>
+                  </a:txBody>
+                  <a:tcPr/>
+                </a:tc>
+                <a:extLst>
+                  <a:ext uri="{0D108BD9-81ED-4DB2-BD59-A6C34878D82A}">
+                    <a16:rowId xmlns:a16="http://schemas.microsoft.com/office/drawing/2014/main" val="496540248"/>
+                  </a:ext>
+                </a:extLst>
+              </a:tr>
+              <a:tr h="370840">
+                <a:tc>
+                  <a:txBody>
+                    <a:bodyPr/>
+                    <a:lstStyle/>
+                    <a:p>
+                      <a:r>
+                        <a:rPr lang="en-US" altLang="zh-CN" b="0" dirty="0" err="1">
+                          <a:latin typeface="微软雅黑" panose="020B0503020204020204" pitchFamily="34" charset="-122"/>
+                          <a:ea typeface="微软雅黑" panose="020B0503020204020204" pitchFamily="34" charset="-122"/>
+                        </a:rPr>
+                        <a:t>IsBackground</a:t>
+                      </a:r>
+                      <a:endParaRPr lang="zh-CN" altLang="en-US" b="0" dirty="0">
+                        <a:latin typeface="微软雅黑" panose="020B0503020204020204" pitchFamily="34" charset="-122"/>
+                        <a:ea typeface="微软雅黑" panose="020B0503020204020204" pitchFamily="34" charset="-122"/>
+                      </a:endParaRPr>
+                    </a:p>
+                  </a:txBody>
+                  <a:tcPr/>
+                </a:tc>
+                <a:tc>
+                  <a:txBody>
+                    <a:bodyPr/>
+                    <a:lstStyle/>
+                    <a:p>
+                      <a:r>
+                        <a:rPr lang="zh-CN" altLang="en-US" b="0" dirty="0">
+                          <a:latin typeface="微软雅黑" panose="020B0503020204020204" pitchFamily="34" charset="-122"/>
+                          <a:ea typeface="微软雅黑" panose="020B0503020204020204" pitchFamily="34" charset="-122"/>
+                        </a:rPr>
+                        <a:t>获取或设置一个值，该值指示某个线程是否为后台线程</a:t>
+                      </a:r>
+                    </a:p>
+                  </a:txBody>
+                  <a:tcPr/>
+                </a:tc>
+                <a:extLst>
+                  <a:ext uri="{0D108BD9-81ED-4DB2-BD59-A6C34878D82A}">
+                    <a16:rowId xmlns:a16="http://schemas.microsoft.com/office/drawing/2014/main" val="3441002146"/>
+                  </a:ext>
+                </a:extLst>
+              </a:tr>
+              <a:tr h="370840">
+                <a:tc>
+                  <a:txBody>
+                    <a:bodyPr/>
+                    <a:lstStyle/>
+                    <a:p>
+                      <a:r>
+                        <a:rPr lang="en-US" altLang="zh-CN" b="0" dirty="0" err="1">
+                          <a:latin typeface="微软雅黑" panose="020B0503020204020204" pitchFamily="34" charset="-122"/>
+                          <a:ea typeface="微软雅黑" panose="020B0503020204020204" pitchFamily="34" charset="-122"/>
+                        </a:rPr>
+                        <a:t>IsThreadPoolThread</a:t>
+                      </a:r>
+                      <a:endParaRPr lang="zh-CN" altLang="en-US" b="0" dirty="0">
+                        <a:latin typeface="微软雅黑" panose="020B0503020204020204" pitchFamily="34" charset="-122"/>
+                        <a:ea typeface="微软雅黑" panose="020B0503020204020204" pitchFamily="34" charset="-122"/>
+                      </a:endParaRPr>
+                    </a:p>
+                  </a:txBody>
+                  <a:tcPr/>
+                </a:tc>
+                <a:tc>
+                  <a:txBody>
+                    <a:bodyPr/>
+                    <a:lstStyle/>
+                    <a:p>
+                      <a:r>
+                        <a:rPr lang="zh-CN" altLang="en-US" b="0" dirty="0">
+                          <a:latin typeface="微软雅黑" panose="020B0503020204020204" pitchFamily="34" charset="-122"/>
+                          <a:ea typeface="微软雅黑" panose="020B0503020204020204" pitchFamily="34" charset="-122"/>
+                        </a:rPr>
+                        <a:t>获取一个值，该值指示线程是否属于托管线程池</a:t>
+                      </a:r>
+                    </a:p>
+                  </a:txBody>
+                  <a:tcPr/>
+                </a:tc>
+                <a:extLst>
+                  <a:ext uri="{0D108BD9-81ED-4DB2-BD59-A6C34878D82A}">
+                    <a16:rowId xmlns:a16="http://schemas.microsoft.com/office/drawing/2014/main" val="139721547"/>
+                  </a:ext>
+                </a:extLst>
+              </a:tr>
+              <a:tr h="370840">
+                <a:tc>
+                  <a:txBody>
+                    <a:bodyPr/>
+                    <a:lstStyle/>
+                    <a:p>
+                      <a:r>
+                        <a:rPr lang="en-US" altLang="zh-CN" b="0" dirty="0" err="1">
+                          <a:latin typeface="微软雅黑" panose="020B0503020204020204" pitchFamily="34" charset="-122"/>
+                          <a:ea typeface="微软雅黑" panose="020B0503020204020204" pitchFamily="34" charset="-122"/>
+                        </a:rPr>
+                        <a:t>ManagedThreadId</a:t>
+                      </a:r>
+                      <a:endParaRPr lang="zh-CN" altLang="en-US" b="0" dirty="0">
+                        <a:latin typeface="微软雅黑" panose="020B0503020204020204" pitchFamily="34" charset="-122"/>
+                        <a:ea typeface="微软雅黑" panose="020B0503020204020204" pitchFamily="34" charset="-122"/>
+                      </a:endParaRPr>
+                    </a:p>
+                  </a:txBody>
+                  <a:tcPr/>
+                </a:tc>
+                <a:tc>
+                  <a:txBody>
+                    <a:bodyPr/>
+                    <a:lstStyle/>
+                    <a:p>
+                      <a:r>
+                        <a:rPr lang="zh-CN" altLang="en-US" b="0" dirty="0">
+                          <a:latin typeface="微软雅黑" panose="020B0503020204020204" pitchFamily="34" charset="-122"/>
+                          <a:ea typeface="微软雅黑" panose="020B0503020204020204" pitchFamily="34" charset="-122"/>
+                        </a:rPr>
+                        <a:t>获取当前托管线程的唯一标识符</a:t>
+                      </a:r>
+                    </a:p>
+                  </a:txBody>
+                  <a:tcPr/>
+                </a:tc>
+                <a:extLst>
+                  <a:ext uri="{0D108BD9-81ED-4DB2-BD59-A6C34878D82A}">
+                    <a16:rowId xmlns:a16="http://schemas.microsoft.com/office/drawing/2014/main" val="3186558174"/>
+                  </a:ext>
+                </a:extLst>
+              </a:tr>
+              <a:tr h="370840">
+                <a:tc>
+                  <a:txBody>
+                    <a:bodyPr/>
+                    <a:lstStyle/>
+                    <a:p>
+                      <a:r>
+                        <a:rPr lang="en-US" altLang="zh-CN" b="0" dirty="0">
+                          <a:latin typeface="微软雅黑" panose="020B0503020204020204" pitchFamily="34" charset="-122"/>
+                          <a:ea typeface="微软雅黑" panose="020B0503020204020204" pitchFamily="34" charset="-122"/>
+                        </a:rPr>
+                        <a:t>Name</a:t>
+                      </a:r>
+                      <a:endParaRPr lang="zh-CN" altLang="en-US" b="0" dirty="0">
+                        <a:latin typeface="微软雅黑" panose="020B0503020204020204" pitchFamily="34" charset="-122"/>
+                        <a:ea typeface="微软雅黑" panose="020B0503020204020204" pitchFamily="34" charset="-122"/>
+                      </a:endParaRPr>
+                    </a:p>
+                  </a:txBody>
+                  <a:tcPr/>
+                </a:tc>
+                <a:tc>
+                  <a:txBody>
+                    <a:bodyPr/>
+                    <a:lstStyle/>
+                    <a:p>
+                      <a:r>
+                        <a:rPr lang="zh-CN" altLang="en-US" b="0" dirty="0">
+                          <a:latin typeface="微软雅黑" panose="020B0503020204020204" pitchFamily="34" charset="-122"/>
+                          <a:ea typeface="微软雅黑" panose="020B0503020204020204" pitchFamily="34" charset="-122"/>
+                        </a:rPr>
+                        <a:t>获取或设置线程的名称</a:t>
+                      </a:r>
+                    </a:p>
+                  </a:txBody>
+                  <a:tcPr/>
+                </a:tc>
+                <a:extLst>
+                  <a:ext uri="{0D108BD9-81ED-4DB2-BD59-A6C34878D82A}">
+                    <a16:rowId xmlns:a16="http://schemas.microsoft.com/office/drawing/2014/main" val="171765863"/>
+                  </a:ext>
+                </a:extLst>
+              </a:tr>
+              <a:tr h="370840">
+                <a:tc>
+                  <a:txBody>
+                    <a:bodyPr/>
+                    <a:lstStyle/>
+                    <a:p>
+                      <a:r>
+                        <a:rPr lang="en-US" altLang="zh-CN" b="0" dirty="0">
+                          <a:latin typeface="微软雅黑" panose="020B0503020204020204" pitchFamily="34" charset="-122"/>
+                          <a:ea typeface="微软雅黑" panose="020B0503020204020204" pitchFamily="34" charset="-122"/>
+                        </a:rPr>
+                        <a:t>Priority</a:t>
+                      </a:r>
+                      <a:endParaRPr lang="zh-CN" altLang="en-US" b="0" dirty="0">
+                        <a:latin typeface="微软雅黑" panose="020B0503020204020204" pitchFamily="34" charset="-122"/>
+                        <a:ea typeface="微软雅黑" panose="020B0503020204020204" pitchFamily="34" charset="-122"/>
+                      </a:endParaRPr>
+                    </a:p>
+                  </a:txBody>
+                  <a:tcPr/>
+                </a:tc>
+                <a:tc>
+                  <a:txBody>
+                    <a:bodyPr/>
+                    <a:lstStyle/>
+                    <a:p>
+                      <a:r>
+                        <a:rPr lang="zh-CN" altLang="en-US" b="0" dirty="0">
+                          <a:latin typeface="微软雅黑" panose="020B0503020204020204" pitchFamily="34" charset="-122"/>
+                          <a:ea typeface="微软雅黑" panose="020B0503020204020204" pitchFamily="34" charset="-122"/>
+                        </a:rPr>
+                        <a:t>获取或设置一个值，该值指示线程的调度优先级</a:t>
+                      </a:r>
+                    </a:p>
+                  </a:txBody>
+                  <a:tcPr/>
+                </a:tc>
+                <a:extLst>
+                  <a:ext uri="{0D108BD9-81ED-4DB2-BD59-A6C34878D82A}">
+                    <a16:rowId xmlns:a16="http://schemas.microsoft.com/office/drawing/2014/main" val="1077941533"/>
+                  </a:ext>
+                </a:extLst>
+              </a:tr>
+              <a:tr h="370840">
+                <a:tc>
+                  <a:txBody>
+                    <a:bodyPr/>
+                    <a:lstStyle/>
+                    <a:p>
+                      <a:r>
+                        <a:rPr lang="en-US" altLang="zh-CN" b="0" dirty="0" err="1">
+                          <a:latin typeface="微软雅黑" panose="020B0503020204020204" pitchFamily="34" charset="-122"/>
+                          <a:ea typeface="微软雅黑" panose="020B0503020204020204" pitchFamily="34" charset="-122"/>
+                        </a:rPr>
+                        <a:t>ThreadState</a:t>
+                      </a:r>
+                      <a:endParaRPr lang="zh-CN" altLang="en-US" b="0" dirty="0">
+                        <a:latin typeface="微软雅黑" panose="020B0503020204020204" pitchFamily="34" charset="-122"/>
+                        <a:ea typeface="微软雅黑" panose="020B0503020204020204" pitchFamily="34" charset="-122"/>
+                      </a:endParaRPr>
+                    </a:p>
+                  </a:txBody>
+                  <a:tcPr/>
+                </a:tc>
+                <a:tc>
+                  <a:txBody>
+                    <a:bodyPr/>
+                    <a:lstStyle/>
+                    <a:p>
+                      <a:r>
+                        <a:rPr lang="zh-CN" altLang="en-US" b="0" dirty="0">
+                          <a:latin typeface="微软雅黑" panose="020B0503020204020204" pitchFamily="34" charset="-122"/>
+                          <a:ea typeface="微软雅黑" panose="020B0503020204020204" pitchFamily="34" charset="-122"/>
+                        </a:rPr>
+                        <a:t>获取一个值，该值包含当前线程的状态</a:t>
+                      </a:r>
+                    </a:p>
+                  </a:txBody>
+                  <a:tcPr/>
+                </a:tc>
+                <a:extLst>
+                  <a:ext uri="{0D108BD9-81ED-4DB2-BD59-A6C34878D82A}">
+                    <a16:rowId xmlns:a16="http://schemas.microsoft.com/office/drawing/2014/main" val="3604783540"/>
+                  </a:ext>
+                </a:extLst>
+              </a:tr>
+            </a:tbl>
+          </a:graphicData>
+        </a:graphic>
+      </p:graphicFrame>
     </p:spTree>
     <p:extLst>
       <p:ext uri="{BB962C8B-B14F-4D97-AF65-F5344CB8AC3E}">
@@ -31571,36 +33348,6 @@
           <a:chExt cx="0" cy="0"/>
         </a:xfrm>
       </p:grpSpPr>
-      <p:pic>
-        <p:nvPicPr>
-          <p:cNvPr id="2" name="图片 1"/>
-          <p:cNvPicPr>
-            <a:picLocks noChangeAspect="1"/>
-          </p:cNvPicPr>
-          <p:nvPr/>
-        </p:nvPicPr>
-        <p:blipFill>
-          <a:blip r:embed="rId2">
-            <a:extLst>
-              <a:ext uri="{28A0092B-C50C-407E-A947-70E740481C1C}">
-                <a14:useLocalDpi xmlns:a14="http://schemas.microsoft.com/office/drawing/2010/main" val="0"/>
-              </a:ext>
-            </a:extLst>
-          </a:blip>
-          <a:stretch>
-            <a:fillRect/>
-          </a:stretch>
-        </p:blipFill>
-        <p:spPr>
-          <a:xfrm>
-            <a:off x="9525" y="3213462"/>
-            <a:ext cx="12182475" cy="3644537"/>
-          </a:xfrm>
-          <a:prstGeom prst="rect">
-            <a:avLst/>
-          </a:prstGeom>
-        </p:spPr>
-      </p:pic>
       <p:sp>
         <p:nvSpPr>
           <p:cNvPr id="13315" name="Rectangle 2"/>
@@ -31746,6 +33493,480 @@
           </a:p>
         </p:txBody>
       </p:sp>
+      <p:graphicFrame>
+        <p:nvGraphicFramePr>
+          <p:cNvPr id="4" name="表格 3">
+            <a:extLst>
+              <a:ext uri="{FF2B5EF4-FFF2-40B4-BE49-F238E27FC236}">
+                <a16:creationId xmlns:a16="http://schemas.microsoft.com/office/drawing/2014/main" id="{FE201E4A-38A1-4384-BBC4-C93D53E39F85}"/>
+              </a:ext>
+            </a:extLst>
+          </p:cNvPr>
+          <p:cNvGraphicFramePr>
+            <a:graphicFrameLocks noGrp="1"/>
+          </p:cNvGraphicFramePr>
+          <p:nvPr>
+            <p:extLst>
+              <p:ext uri="{D42A27DB-BD31-4B8C-83A1-F6EECF244321}">
+                <p14:modId xmlns:p14="http://schemas.microsoft.com/office/powerpoint/2010/main" val="2841579706"/>
+              </p:ext>
+            </p:extLst>
+          </p:nvPr>
+        </p:nvGraphicFramePr>
+        <p:xfrm>
+          <a:off x="1845874" y="3080093"/>
+          <a:ext cx="8500252" cy="3107817"/>
+        </p:xfrm>
+        <a:graphic>
+          <a:graphicData uri="http://schemas.openxmlformats.org/drawingml/2006/table">
+            <a:tbl>
+              <a:tblPr firstRow="1" bandRow="1">
+                <a:tableStyleId>{5C22544A-7EE6-4342-B048-85BDC9FD1C3A}</a:tableStyleId>
+              </a:tblPr>
+              <a:tblGrid>
+                <a:gridCol w="2071936">
+                  <a:extLst>
+                    <a:ext uri="{9D8B030D-6E8A-4147-A177-3AD203B41FA5}">
+                      <a16:colId xmlns:a16="http://schemas.microsoft.com/office/drawing/2014/main" val="3154505206"/>
+                    </a:ext>
+                  </a:extLst>
+                </a:gridCol>
+                <a:gridCol w="6428316">
+                  <a:extLst>
+                    <a:ext uri="{9D8B030D-6E8A-4147-A177-3AD203B41FA5}">
+                      <a16:colId xmlns:a16="http://schemas.microsoft.com/office/drawing/2014/main" val="194025266"/>
+                    </a:ext>
+                  </a:extLst>
+                </a:gridCol>
+              </a:tblGrid>
+              <a:tr h="370840">
+                <a:tc>
+                  <a:txBody>
+                    <a:bodyPr/>
+                    <a:lstStyle/>
+                    <a:p>
+                      <a:pPr algn="ctr"/>
+                      <a:r>
+                        <a:rPr lang="zh-CN" altLang="en-US" dirty="0">
+                          <a:latin typeface="微软雅黑" panose="020B0503020204020204" pitchFamily="34" charset="-122"/>
+                          <a:ea typeface="微软雅黑" panose="020B0503020204020204" pitchFamily="34" charset="-122"/>
+                        </a:rPr>
+                        <a:t>成员名称</a:t>
+                      </a:r>
+                    </a:p>
+                  </a:txBody>
+                  <a:tcPr/>
+                </a:tc>
+                <a:tc>
+                  <a:txBody>
+                    <a:bodyPr/>
+                    <a:lstStyle/>
+                    <a:p>
+                      <a:pPr algn="ctr"/>
+                      <a:r>
+                        <a:rPr lang="zh-CN" altLang="en-US" dirty="0">
+                          <a:latin typeface="微软雅黑" panose="020B0503020204020204" pitchFamily="34" charset="-122"/>
+                          <a:ea typeface="微软雅黑" panose="020B0503020204020204" pitchFamily="34" charset="-122"/>
+                        </a:rPr>
+                        <a:t>说明</a:t>
+                      </a:r>
+                    </a:p>
+                  </a:txBody>
+                  <a:tcPr/>
+                </a:tc>
+                <a:extLst>
+                  <a:ext uri="{0D108BD9-81ED-4DB2-BD59-A6C34878D82A}">
+                    <a16:rowId xmlns:a16="http://schemas.microsoft.com/office/drawing/2014/main" val="2999031553"/>
+                  </a:ext>
+                </a:extLst>
+              </a:tr>
+              <a:tr h="370840">
+                <a:tc>
+                  <a:txBody>
+                    <a:bodyPr/>
+                    <a:lstStyle/>
+                    <a:p>
+                      <a:r>
+                        <a:rPr lang="en-US" altLang="zh-CN" dirty="0">
+                          <a:latin typeface="微软雅黑" panose="020B0503020204020204" pitchFamily="34" charset="-122"/>
+                          <a:ea typeface="微软雅黑" panose="020B0503020204020204" pitchFamily="34" charset="-122"/>
+                        </a:rPr>
+                        <a:t>Lowest</a:t>
+                      </a:r>
+                      <a:endParaRPr lang="zh-CN" altLang="en-US" dirty="0">
+                        <a:latin typeface="微软雅黑" panose="020B0503020204020204" pitchFamily="34" charset="-122"/>
+                        <a:ea typeface="微软雅黑" panose="020B0503020204020204" pitchFamily="34" charset="-122"/>
+                      </a:endParaRPr>
+                    </a:p>
+                  </a:txBody>
+                  <a:tcPr/>
+                </a:tc>
+                <a:tc>
+                  <a:txBody>
+                    <a:bodyPr/>
+                    <a:lstStyle/>
+                    <a:p>
+                      <a:r>
+                        <a:rPr lang="zh-CN" altLang="en-US" dirty="0">
+                          <a:latin typeface="微软雅黑" panose="020B0503020204020204" pitchFamily="34" charset="-122"/>
+                          <a:ea typeface="微软雅黑" panose="020B0503020204020204" pitchFamily="34" charset="-122"/>
+                        </a:rPr>
+                        <a:t>可以将 </a:t>
+                      </a:r>
+                      <a:r>
+                        <a:rPr lang="en-US" altLang="zh-CN" dirty="0">
+                          <a:latin typeface="微软雅黑" panose="020B0503020204020204" pitchFamily="34" charset="-122"/>
+                          <a:ea typeface="微软雅黑" panose="020B0503020204020204" pitchFamily="34" charset="-122"/>
+                        </a:rPr>
+                        <a:t>Thread </a:t>
+                      </a:r>
+                      <a:r>
+                        <a:rPr lang="zh-CN" altLang="en-US" dirty="0">
+                          <a:latin typeface="微软雅黑" panose="020B0503020204020204" pitchFamily="34" charset="-122"/>
+                          <a:ea typeface="微软雅黑" panose="020B0503020204020204" pitchFamily="34" charset="-122"/>
+                        </a:rPr>
+                        <a:t>安排在具有任何其它优先级的线程之后</a:t>
+                      </a:r>
+                    </a:p>
+                  </a:txBody>
+                  <a:tcPr/>
+                </a:tc>
+                <a:extLst>
+                  <a:ext uri="{0D108BD9-81ED-4DB2-BD59-A6C34878D82A}">
+                    <a16:rowId xmlns:a16="http://schemas.microsoft.com/office/drawing/2014/main" val="3232363943"/>
+                  </a:ext>
+                </a:extLst>
+              </a:tr>
+              <a:tr h="370840">
+                <a:tc>
+                  <a:txBody>
+                    <a:bodyPr/>
+                    <a:lstStyle/>
+                    <a:p>
+                      <a:r>
+                        <a:rPr lang="en-US" altLang="zh-CN" dirty="0" err="1">
+                          <a:latin typeface="微软雅黑" panose="020B0503020204020204" pitchFamily="34" charset="-122"/>
+                          <a:ea typeface="微软雅黑" panose="020B0503020204020204" pitchFamily="34" charset="-122"/>
+                        </a:rPr>
+                        <a:t>BelowNormal</a:t>
+                      </a:r>
+                      <a:endParaRPr lang="zh-CN" altLang="en-US" dirty="0">
+                        <a:latin typeface="微软雅黑" panose="020B0503020204020204" pitchFamily="34" charset="-122"/>
+                        <a:ea typeface="微软雅黑" panose="020B0503020204020204" pitchFamily="34" charset="-122"/>
+                      </a:endParaRPr>
+                    </a:p>
+                  </a:txBody>
+                  <a:tcPr/>
+                </a:tc>
+                <a:tc>
+                  <a:txBody>
+                    <a:bodyPr/>
+                    <a:lstStyle/>
+                    <a:p>
+                      <a:r>
+                        <a:rPr lang="zh-CN" altLang="en-US" dirty="0">
+                          <a:latin typeface="微软雅黑" panose="020B0503020204020204" pitchFamily="34" charset="-122"/>
+                          <a:ea typeface="微软雅黑" panose="020B0503020204020204" pitchFamily="34" charset="-122"/>
+                        </a:rPr>
+                        <a:t>可以将 </a:t>
+                      </a:r>
+                      <a:r>
+                        <a:rPr lang="en-US" altLang="zh-CN" dirty="0">
+                          <a:latin typeface="微软雅黑" panose="020B0503020204020204" pitchFamily="34" charset="-122"/>
+                          <a:ea typeface="微软雅黑" panose="020B0503020204020204" pitchFamily="34" charset="-122"/>
+                        </a:rPr>
+                        <a:t>Thread </a:t>
+                      </a:r>
+                      <a:r>
+                        <a:rPr lang="zh-CN" altLang="en-US" dirty="0">
+                          <a:latin typeface="微软雅黑" panose="020B0503020204020204" pitchFamily="34" charset="-122"/>
+                          <a:ea typeface="微软雅黑" panose="020B0503020204020204" pitchFamily="34" charset="-122"/>
+                        </a:rPr>
+                        <a:t>安排在具有 </a:t>
+                      </a:r>
+                      <a:r>
+                        <a:rPr lang="en-US" altLang="zh-CN" dirty="0">
+                          <a:latin typeface="微软雅黑" panose="020B0503020204020204" pitchFamily="34" charset="-122"/>
+                          <a:ea typeface="微软雅黑" panose="020B0503020204020204" pitchFamily="34" charset="-122"/>
+                        </a:rPr>
+                        <a:t>Normal </a:t>
+                      </a:r>
+                      <a:r>
+                        <a:rPr lang="zh-CN" altLang="en-US" dirty="0">
+                          <a:latin typeface="微软雅黑" panose="020B0503020204020204" pitchFamily="34" charset="-122"/>
+                          <a:ea typeface="微软雅黑" panose="020B0503020204020204" pitchFamily="34" charset="-122"/>
+                        </a:rPr>
+                        <a:t>优先级的线程之后，在具有 </a:t>
+                      </a:r>
+                      <a:r>
+                        <a:rPr lang="en-US" altLang="zh-CN" dirty="0">
+                          <a:latin typeface="微软雅黑" panose="020B0503020204020204" pitchFamily="34" charset="-122"/>
+                          <a:ea typeface="微软雅黑" panose="020B0503020204020204" pitchFamily="34" charset="-122"/>
+                        </a:rPr>
+                        <a:t>Lowest </a:t>
+                      </a:r>
+                      <a:r>
+                        <a:rPr lang="zh-CN" altLang="en-US" dirty="0">
+                          <a:latin typeface="微软雅黑" panose="020B0503020204020204" pitchFamily="34" charset="-122"/>
+                          <a:ea typeface="微软雅黑" panose="020B0503020204020204" pitchFamily="34" charset="-122"/>
+                        </a:rPr>
+                        <a:t>优先级的线程之前</a:t>
+                      </a:r>
+                    </a:p>
+                  </a:txBody>
+                  <a:tcPr/>
+                </a:tc>
+                <a:extLst>
+                  <a:ext uri="{0D108BD9-81ED-4DB2-BD59-A6C34878D82A}">
+                    <a16:rowId xmlns:a16="http://schemas.microsoft.com/office/drawing/2014/main" val="1640876962"/>
+                  </a:ext>
+                </a:extLst>
+              </a:tr>
+              <a:tr h="370840">
+                <a:tc>
+                  <a:txBody>
+                    <a:bodyPr/>
+                    <a:lstStyle/>
+                    <a:p>
+                      <a:r>
+                        <a:rPr lang="en-US" altLang="zh-CN" dirty="0">
+                          <a:latin typeface="微软雅黑" panose="020B0503020204020204" pitchFamily="34" charset="-122"/>
+                          <a:ea typeface="微软雅黑" panose="020B0503020204020204" pitchFamily="34" charset="-122"/>
+                        </a:rPr>
+                        <a:t>Normal</a:t>
+                      </a:r>
+                      <a:endParaRPr lang="zh-CN" altLang="en-US" dirty="0">
+                        <a:latin typeface="微软雅黑" panose="020B0503020204020204" pitchFamily="34" charset="-122"/>
+                        <a:ea typeface="微软雅黑" panose="020B0503020204020204" pitchFamily="34" charset="-122"/>
+                      </a:endParaRPr>
+                    </a:p>
+                  </a:txBody>
+                  <a:tcPr/>
+                </a:tc>
+                <a:tc>
+                  <a:txBody>
+                    <a:bodyPr/>
+                    <a:lstStyle/>
+                    <a:p>
+                      <a:r>
+                        <a:rPr lang="zh-CN" altLang="en-US" dirty="0">
+                          <a:latin typeface="微软雅黑" panose="020B0503020204020204" pitchFamily="34" charset="-122"/>
+                          <a:ea typeface="微软雅黑" panose="020B0503020204020204" pitchFamily="34" charset="-122"/>
+                        </a:rPr>
+                        <a:t>默认选择。可以将 </a:t>
+                      </a:r>
+                      <a:r>
+                        <a:rPr lang="en-US" altLang="zh-CN" dirty="0">
+                          <a:latin typeface="微软雅黑" panose="020B0503020204020204" pitchFamily="34" charset="-122"/>
+                          <a:ea typeface="微软雅黑" panose="020B0503020204020204" pitchFamily="34" charset="-122"/>
+                        </a:rPr>
+                        <a:t>Thread </a:t>
+                      </a:r>
+                      <a:r>
+                        <a:rPr lang="zh-CN" altLang="en-US" dirty="0">
+                          <a:latin typeface="微软雅黑" panose="020B0503020204020204" pitchFamily="34" charset="-122"/>
+                          <a:ea typeface="微软雅黑" panose="020B0503020204020204" pitchFamily="34" charset="-122"/>
+                        </a:rPr>
+                        <a:t>安排在具有 </a:t>
+                      </a:r>
+                      <a:r>
+                        <a:rPr lang="en-US" altLang="zh-CN" dirty="0" err="1">
+                          <a:latin typeface="微软雅黑" panose="020B0503020204020204" pitchFamily="34" charset="-122"/>
+                          <a:ea typeface="微软雅黑" panose="020B0503020204020204" pitchFamily="34" charset="-122"/>
+                        </a:rPr>
+                        <a:t>AboveNormaI</a:t>
+                      </a:r>
+                      <a:r>
+                        <a:rPr lang="en-US" altLang="zh-CN" dirty="0">
+                          <a:latin typeface="微软雅黑" panose="020B0503020204020204" pitchFamily="34" charset="-122"/>
+                          <a:ea typeface="微软雅黑" panose="020B0503020204020204" pitchFamily="34" charset="-122"/>
+                        </a:rPr>
+                        <a:t> </a:t>
+                      </a:r>
+                      <a:r>
+                        <a:rPr lang="zh-CN" altLang="en-US" dirty="0">
+                          <a:latin typeface="微软雅黑" panose="020B0503020204020204" pitchFamily="34" charset="-122"/>
+                          <a:ea typeface="微软雅黑" panose="020B0503020204020204" pitchFamily="34" charset="-122"/>
+                        </a:rPr>
+                        <a:t>优先级的线程之后，在具有 </a:t>
+                      </a:r>
+                      <a:r>
+                        <a:rPr lang="en-US" altLang="zh-CN" dirty="0" err="1">
+                          <a:latin typeface="微软雅黑" panose="020B0503020204020204" pitchFamily="34" charset="-122"/>
+                          <a:ea typeface="微软雅黑" panose="020B0503020204020204" pitchFamily="34" charset="-122"/>
+                        </a:rPr>
+                        <a:t>BelowNormal</a:t>
+                      </a:r>
+                      <a:r>
+                        <a:rPr lang="en-US" altLang="zh-CN" dirty="0">
+                          <a:latin typeface="微软雅黑" panose="020B0503020204020204" pitchFamily="34" charset="-122"/>
+                          <a:ea typeface="微软雅黑" panose="020B0503020204020204" pitchFamily="34" charset="-122"/>
+                        </a:rPr>
+                        <a:t> </a:t>
+                      </a:r>
+                      <a:r>
+                        <a:rPr lang="zh-CN" altLang="en-US" dirty="0">
+                          <a:latin typeface="微软雅黑" panose="020B0503020204020204" pitchFamily="34" charset="-122"/>
+                          <a:ea typeface="微软雅黑" panose="020B0503020204020204" pitchFamily="34" charset="-122"/>
+                        </a:rPr>
+                        <a:t>优先级的线程之前</a:t>
+                      </a:r>
+                    </a:p>
+                  </a:txBody>
+                  <a:tcPr/>
+                </a:tc>
+                <a:extLst>
+                  <a:ext uri="{0D108BD9-81ED-4DB2-BD59-A6C34878D82A}">
+                    <a16:rowId xmlns:a16="http://schemas.microsoft.com/office/drawing/2014/main" val="3867001458"/>
+                  </a:ext>
+                </a:extLst>
+              </a:tr>
+              <a:tr h="370840">
+                <a:tc>
+                  <a:txBody>
+                    <a:bodyPr/>
+                    <a:lstStyle/>
+                    <a:p>
+                      <a:r>
+                        <a:rPr lang="en-US" altLang="zh-CN" dirty="0" err="1">
+                          <a:latin typeface="微软雅黑" panose="020B0503020204020204" pitchFamily="34" charset="-122"/>
+                          <a:ea typeface="微软雅黑" panose="020B0503020204020204" pitchFamily="34" charset="-122"/>
+                        </a:rPr>
+                        <a:t>AboveNormal</a:t>
+                      </a:r>
+                      <a:endParaRPr lang="zh-CN" altLang="en-US" dirty="0">
+                        <a:latin typeface="微软雅黑" panose="020B0503020204020204" pitchFamily="34" charset="-122"/>
+                        <a:ea typeface="微软雅黑" panose="020B0503020204020204" pitchFamily="34" charset="-122"/>
+                      </a:endParaRPr>
+                    </a:p>
+                  </a:txBody>
+                  <a:tcPr/>
+                </a:tc>
+                <a:tc>
+                  <a:txBody>
+                    <a:bodyPr/>
+                    <a:lstStyle/>
+                    <a:p>
+                      <a:r>
+                        <a:rPr lang="zh-CN" altLang="en-US" dirty="0">
+                          <a:latin typeface="微软雅黑" panose="020B0503020204020204" pitchFamily="34" charset="-122"/>
+                          <a:ea typeface="微软雅黑" panose="020B0503020204020204" pitchFamily="34" charset="-122"/>
+                        </a:rPr>
+                        <a:t>可以将 </a:t>
+                      </a:r>
+                      <a:r>
+                        <a:rPr lang="en-US" altLang="zh-CN" dirty="0">
+                          <a:latin typeface="微软雅黑" panose="020B0503020204020204" pitchFamily="34" charset="-122"/>
+                          <a:ea typeface="微软雅黑" panose="020B0503020204020204" pitchFamily="34" charset="-122"/>
+                        </a:rPr>
+                        <a:t>Thread </a:t>
+                      </a:r>
+                      <a:r>
+                        <a:rPr lang="zh-CN" altLang="en-US" dirty="0">
+                          <a:latin typeface="微软雅黑" panose="020B0503020204020204" pitchFamily="34" charset="-122"/>
+                          <a:ea typeface="微软雅黑" panose="020B0503020204020204" pitchFamily="34" charset="-122"/>
+                        </a:rPr>
+                        <a:t>安排在具有 </a:t>
+                      </a:r>
+                      <a:r>
+                        <a:rPr lang="en-US" altLang="zh-CN" dirty="0">
+                          <a:latin typeface="微软雅黑" panose="020B0503020204020204" pitchFamily="34" charset="-122"/>
+                          <a:ea typeface="微软雅黑" panose="020B0503020204020204" pitchFamily="34" charset="-122"/>
+                        </a:rPr>
+                        <a:t>Highest </a:t>
+                      </a:r>
+                      <a:r>
+                        <a:rPr lang="zh-CN" altLang="en-US" dirty="0">
+                          <a:latin typeface="微软雅黑" panose="020B0503020204020204" pitchFamily="34" charset="-122"/>
+                          <a:ea typeface="微软雅黑" panose="020B0503020204020204" pitchFamily="34" charset="-122"/>
+                        </a:rPr>
+                        <a:t>优先级的线程之后，在具有 </a:t>
+                      </a:r>
+                      <a:r>
+                        <a:rPr lang="en-US" altLang="zh-CN" dirty="0">
+                          <a:latin typeface="微软雅黑" panose="020B0503020204020204" pitchFamily="34" charset="-122"/>
+                          <a:ea typeface="微软雅黑" panose="020B0503020204020204" pitchFamily="34" charset="-122"/>
+                        </a:rPr>
+                        <a:t>Normal </a:t>
+                      </a:r>
+                      <a:r>
+                        <a:rPr lang="zh-CN" altLang="en-US" dirty="0">
+                          <a:latin typeface="微软雅黑" panose="020B0503020204020204" pitchFamily="34" charset="-122"/>
+                          <a:ea typeface="微软雅黑" panose="020B0503020204020204" pitchFamily="34" charset="-122"/>
+                        </a:rPr>
+                        <a:t>优先级的线程之前</a:t>
+                      </a:r>
+                    </a:p>
+                  </a:txBody>
+                  <a:tcPr/>
+                </a:tc>
+                <a:extLst>
+                  <a:ext uri="{0D108BD9-81ED-4DB2-BD59-A6C34878D82A}">
+                    <a16:rowId xmlns:a16="http://schemas.microsoft.com/office/drawing/2014/main" val="196866061"/>
+                  </a:ext>
+                </a:extLst>
+              </a:tr>
+              <a:tr h="370840">
+                <a:tc>
+                  <a:txBody>
+                    <a:bodyPr/>
+                    <a:lstStyle/>
+                    <a:p>
+                      <a:r>
+                        <a:rPr lang="en-US" altLang="zh-CN" dirty="0">
+                          <a:latin typeface="微软雅黑" panose="020B0503020204020204" pitchFamily="34" charset="-122"/>
+                          <a:ea typeface="微软雅黑" panose="020B0503020204020204" pitchFamily="34" charset="-122"/>
+                        </a:rPr>
+                        <a:t>Highest</a:t>
+                      </a:r>
+                      <a:endParaRPr lang="zh-CN" altLang="en-US" dirty="0">
+                        <a:latin typeface="微软雅黑" panose="020B0503020204020204" pitchFamily="34" charset="-122"/>
+                        <a:ea typeface="微软雅黑" panose="020B0503020204020204" pitchFamily="34" charset="-122"/>
+                      </a:endParaRPr>
+                    </a:p>
+                  </a:txBody>
+                  <a:tcPr/>
+                </a:tc>
+                <a:tc>
+                  <a:txBody>
+                    <a:bodyPr/>
+                    <a:lstStyle/>
+                    <a:p>
+                      <a:r>
+                        <a:rPr lang="zh-CN" altLang="en-US" dirty="0">
+                          <a:latin typeface="微软雅黑" panose="020B0503020204020204" pitchFamily="34" charset="-122"/>
+                          <a:ea typeface="微软雅黑" panose="020B0503020204020204" pitchFamily="34" charset="-122"/>
+                        </a:rPr>
+                        <a:t>可以将 </a:t>
+                      </a:r>
+                      <a:r>
+                        <a:rPr lang="en-US" altLang="zh-CN" dirty="0">
+                          <a:latin typeface="微软雅黑" panose="020B0503020204020204" pitchFamily="34" charset="-122"/>
+                          <a:ea typeface="微软雅黑" panose="020B0503020204020204" pitchFamily="34" charset="-122"/>
+                        </a:rPr>
+                        <a:t>Thread </a:t>
+                      </a:r>
+                      <a:r>
+                        <a:rPr lang="zh-CN" altLang="en-US" dirty="0">
+                          <a:latin typeface="微软雅黑" panose="020B0503020204020204" pitchFamily="34" charset="-122"/>
+                          <a:ea typeface="微软雅黑" panose="020B0503020204020204" pitchFamily="34" charset="-122"/>
+                        </a:rPr>
+                        <a:t>安排在具有任何其它优先级的线程之前</a:t>
+                      </a:r>
+                    </a:p>
+                  </a:txBody>
+                  <a:tcPr/>
+                </a:tc>
+                <a:extLst>
+                  <a:ext uri="{0D108BD9-81ED-4DB2-BD59-A6C34878D82A}">
+                    <a16:rowId xmlns:a16="http://schemas.microsoft.com/office/drawing/2014/main" val="1747788523"/>
+                  </a:ext>
+                </a:extLst>
+              </a:tr>
+            </a:tbl>
+          </a:graphicData>
+        </a:graphic>
+      </p:graphicFrame>
     </p:spTree>
     <p:extLst>
       <p:ext uri="{BB962C8B-B14F-4D97-AF65-F5344CB8AC3E}">
@@ -32450,7 +34671,7 @@
             </a:r>
             <a:r>
               <a:rPr lang="en-US" altLang="zh-CN" sz="2800" dirty="0"/>
-              <a:t>EPYC 7H12</a:t>
+              <a:t> 3995WX</a:t>
             </a:r>
           </a:p>
           <a:p>
@@ -36950,7 +39171,7 @@
         </p:nvSpPr>
         <p:spPr>
           <a:xfrm>
-            <a:off x="8184044" y="2230035"/>
+            <a:off x="5533000" y="2230035"/>
             <a:ext cx="1798783" cy="3898761"/>
           </a:xfrm>
           <a:prstGeom prst="roundRect">
@@ -36996,7 +39217,7 @@
         </p:nvSpPr>
         <p:spPr>
           <a:xfrm>
-            <a:off x="5658778" y="2230035"/>
+            <a:off x="3007734" y="2230035"/>
             <a:ext cx="2156698" cy="3898761"/>
           </a:xfrm>
           <a:prstGeom prst="roundRect">
@@ -37096,7 +39317,7 @@
         </p:nvSpPr>
         <p:spPr>
           <a:xfrm rot="5400000">
-            <a:off x="8015539" y="4972207"/>
+            <a:off x="5364495" y="4972207"/>
             <a:ext cx="833566" cy="1026240"/>
           </a:xfrm>
           <a:prstGeom prst="bentUpArrow">
@@ -37140,7 +39361,7 @@
         </p:nvSpPr>
         <p:spPr>
           <a:xfrm flipV="1">
-            <a:off x="6604650" y="2449425"/>
+            <a:off x="3953606" y="2449425"/>
             <a:ext cx="1586786" cy="754815"/>
           </a:xfrm>
           <a:prstGeom prst="bentUpArrow">
@@ -37180,7 +39401,7 @@
         </p:nvSpPr>
         <p:spPr>
           <a:xfrm>
-            <a:off x="7897948" y="3244491"/>
+            <a:off x="5246904" y="3244491"/>
             <a:ext cx="211016" cy="211016"/>
           </a:xfrm>
           <a:prstGeom prst="ellipse">
@@ -37220,7 +39441,7 @@
         </p:nvSpPr>
         <p:spPr>
           <a:xfrm>
-            <a:off x="7897756" y="4817277"/>
+            <a:off x="5246712" y="4817277"/>
             <a:ext cx="211016" cy="211016"/>
           </a:xfrm>
           <a:prstGeom prst="ellipse">
@@ -37260,7 +39481,7 @@
         </p:nvSpPr>
         <p:spPr>
           <a:xfrm>
-            <a:off x="8945442" y="5485327"/>
+            <a:off x="6294398" y="5485327"/>
             <a:ext cx="857927" cy="400110"/>
           </a:xfrm>
           <a:prstGeom prst="rect">
@@ -37303,7 +39524,7 @@
         </p:nvSpPr>
         <p:spPr>
           <a:xfrm>
-            <a:off x="6519276" y="5485327"/>
+            <a:off x="3868232" y="5485327"/>
             <a:ext cx="878767" cy="400110"/>
           </a:xfrm>
           <a:prstGeom prst="rect">
@@ -48006,7 +50227,13 @@
       </p:sp>
       <p:pic>
         <p:nvPicPr>
-          <p:cNvPr id="58373" name="Picture 4" descr="eventand"/>
+          <p:cNvPr id="6" name="Picture 2">
+            <a:extLst>
+              <a:ext uri="{FF2B5EF4-FFF2-40B4-BE49-F238E27FC236}">
+                <a16:creationId xmlns:a16="http://schemas.microsoft.com/office/drawing/2014/main" id="{65497F67-B060-475B-AA05-6DFB911858B0}"/>
+              </a:ext>
+            </a:extLst>
+          </p:cNvPr>
           <p:cNvPicPr>
             <a:picLocks noChangeAspect="1" noChangeArrowheads="1"/>
           </p:cNvPicPr>
@@ -48020,23 +50247,19 @@
               </a:ext>
             </a:extLst>
           </a:blip>
-          <a:srcRect/>
           <a:stretch>
             <a:fillRect/>
           </a:stretch>
         </p:blipFill>
         <p:spPr bwMode="auto">
           <a:xfrm>
-            <a:off x="3951798" y="3637793"/>
-            <a:ext cx="4319588" cy="2571750"/>
+            <a:off x="3308895" y="3429000"/>
+            <a:ext cx="1162049" cy="2571750"/>
           </a:xfrm>
           <a:prstGeom prst="rect">
             <a:avLst/>
           </a:prstGeom>
           <a:noFill/>
-          <a:ln>
-            <a:noFill/>
-          </a:ln>
           <a:extLst>
             <a:ext uri="{909E8E84-426E-40DD-AFC4-6F175D3DCCD1}">
               <a14:hiddenFill xmlns:a14="http://schemas.microsoft.com/office/drawing/2010/main">
@@ -48044,20 +50267,279 @@
                   <a:srgbClr val="FFFFFF"/>
                 </a:solidFill>
               </a14:hiddenFill>
-            </a:ext>
-            <a:ext uri="{91240B29-F687-4F45-9708-019B960494DF}">
-              <a14:hiddenLine xmlns:a14="http://schemas.microsoft.com/office/drawing/2010/main" w="9525">
-                <a:solidFill>
-                  <a:srgbClr val="000000"/>
-                </a:solidFill>
-                <a:miter lim="800000"/>
-                <a:headEnd/>
-                <a:tailEnd/>
-              </a14:hiddenLine>
             </a:ext>
           </a:extLst>
         </p:spPr>
       </p:pic>
+      <p:pic>
+        <p:nvPicPr>
+          <p:cNvPr id="7" name="Picture 2">
+            <a:extLst>
+              <a:ext uri="{FF2B5EF4-FFF2-40B4-BE49-F238E27FC236}">
+                <a16:creationId xmlns:a16="http://schemas.microsoft.com/office/drawing/2014/main" id="{3F338F98-74DD-4187-B5F2-17652CE2A738}"/>
+              </a:ext>
+            </a:extLst>
+          </p:cNvPr>
+          <p:cNvPicPr>
+            <a:picLocks noChangeAspect="1" noChangeArrowheads="1"/>
+          </p:cNvPicPr>
+          <p:nvPr/>
+        </p:nvPicPr>
+        <p:blipFill>
+          <a:blip r:embed="rId2">
+            <a:extLst>
+              <a:ext uri="{28A0092B-C50C-407E-A947-70E740481C1C}">
+                <a14:useLocalDpi xmlns:a14="http://schemas.microsoft.com/office/drawing/2010/main" val="0"/>
+              </a:ext>
+            </a:extLst>
+          </a:blip>
+          <a:stretch>
+            <a:fillRect/>
+          </a:stretch>
+        </p:blipFill>
+        <p:spPr bwMode="auto">
+          <a:xfrm>
+            <a:off x="7411404" y="3429000"/>
+            <a:ext cx="1162049" cy="2571750"/>
+          </a:xfrm>
+          <a:prstGeom prst="rect">
+            <a:avLst/>
+          </a:prstGeom>
+          <a:noFill/>
+          <a:extLst>
+            <a:ext uri="{909E8E84-426E-40DD-AFC4-6F175D3DCCD1}">
+              <a14:hiddenFill xmlns:a14="http://schemas.microsoft.com/office/drawing/2010/main">
+                <a:solidFill>
+                  <a:srgbClr val="FFFFFF"/>
+                </a:solidFill>
+              </a14:hiddenFill>
+            </a:ext>
+          </a:extLst>
+        </p:spPr>
+      </p:pic>
+      <p:pic>
+        <p:nvPicPr>
+          <p:cNvPr id="8" name="Picture 2">
+            <a:extLst>
+              <a:ext uri="{FF2B5EF4-FFF2-40B4-BE49-F238E27FC236}">
+                <a16:creationId xmlns:a16="http://schemas.microsoft.com/office/drawing/2014/main" id="{67B286E2-C242-4417-BFDF-1830730DD246}"/>
+              </a:ext>
+            </a:extLst>
+          </p:cNvPr>
+          <p:cNvPicPr>
+            <a:picLocks noChangeAspect="1" noChangeArrowheads="1"/>
+          </p:cNvPicPr>
+          <p:nvPr/>
+        </p:nvPicPr>
+        <p:blipFill>
+          <a:blip r:embed="rId2">
+            <a:extLst>
+              <a:ext uri="{28A0092B-C50C-407E-A947-70E740481C1C}">
+                <a14:useLocalDpi xmlns:a14="http://schemas.microsoft.com/office/drawing/2010/main" val="0"/>
+              </a:ext>
+            </a:extLst>
+          </a:blip>
+          <a:stretch>
+            <a:fillRect/>
+          </a:stretch>
+        </p:blipFill>
+        <p:spPr bwMode="auto">
+          <a:xfrm>
+            <a:off x="5360149" y="3429000"/>
+            <a:ext cx="1162049" cy="2571750"/>
+          </a:xfrm>
+          <a:prstGeom prst="rect">
+            <a:avLst/>
+          </a:prstGeom>
+          <a:noFill/>
+          <a:extLst>
+            <a:ext uri="{909E8E84-426E-40DD-AFC4-6F175D3DCCD1}">
+              <a14:hiddenFill xmlns:a14="http://schemas.microsoft.com/office/drawing/2010/main">
+                <a:solidFill>
+                  <a:srgbClr val="FFFFFF"/>
+                </a:solidFill>
+              </a14:hiddenFill>
+            </a:ext>
+          </a:extLst>
+        </p:spPr>
+      </p:pic>
+      <p:sp>
+        <p:nvSpPr>
+          <p:cNvPr id="2" name="文本框 1">
+            <a:extLst>
+              <a:ext uri="{FF2B5EF4-FFF2-40B4-BE49-F238E27FC236}">
+                <a16:creationId xmlns:a16="http://schemas.microsoft.com/office/drawing/2014/main" id="{87E7FE91-2403-4543-9717-CD6ACC751A09}"/>
+              </a:ext>
+            </a:extLst>
+          </p:cNvPr>
+          <p:cNvSpPr txBox="1"/>
+          <p:nvPr/>
+        </p:nvSpPr>
+        <p:spPr>
+          <a:xfrm>
+            <a:off x="3308895" y="6280298"/>
+            <a:ext cx="1162049" cy="369332"/>
+          </a:xfrm>
+          <a:prstGeom prst="rect">
+            <a:avLst/>
+          </a:prstGeom>
+          <a:noFill/>
+        </p:spPr>
+        <p:txBody>
+          <a:bodyPr wrap="square" rtlCol="0">
+            <a:spAutoFit/>
+          </a:bodyPr>
+          <a:lstStyle/>
+          <a:p>
+            <a:pPr algn="ctr"/>
+            <a:r>
+              <a:rPr lang="zh-CN" altLang="en-US" sz="1800" dirty="0">
+                <a:solidFill>
+                  <a:srgbClr val="002060"/>
+                </a:solidFill>
+                <a:latin typeface="微软雅黑" panose="020B0503020204020204" pitchFamily="34" charset="-122"/>
+                <a:ea typeface="微软雅黑" panose="020B0503020204020204" pitchFamily="34" charset="-122"/>
+              </a:rPr>
+              <a:t>路段</a:t>
+            </a:r>
+            <a:r>
+              <a:rPr lang="en-US" altLang="zh-CN" sz="1800" dirty="0">
+                <a:solidFill>
+                  <a:srgbClr val="002060"/>
+                </a:solidFill>
+                <a:latin typeface="微软雅黑" panose="020B0503020204020204" pitchFamily="34" charset="-122"/>
+                <a:ea typeface="微软雅黑" panose="020B0503020204020204" pitchFamily="34" charset="-122"/>
+              </a:rPr>
+              <a:t>A</a:t>
+            </a:r>
+            <a:endParaRPr lang="zh-CN" altLang="en-US" sz="1800" dirty="0">
+              <a:solidFill>
+                <a:srgbClr val="002060"/>
+              </a:solidFill>
+              <a:latin typeface="微软雅黑" panose="020B0503020204020204" pitchFamily="34" charset="-122"/>
+              <a:ea typeface="微软雅黑" panose="020B0503020204020204" pitchFamily="34" charset="-122"/>
+            </a:endParaRPr>
+          </a:p>
+        </p:txBody>
+      </p:sp>
+      <p:sp>
+        <p:nvSpPr>
+          <p:cNvPr id="10" name="文本框 9">
+            <a:extLst>
+              <a:ext uri="{FF2B5EF4-FFF2-40B4-BE49-F238E27FC236}">
+                <a16:creationId xmlns:a16="http://schemas.microsoft.com/office/drawing/2014/main" id="{F9657C7C-6D1D-4ABA-907C-622E036704B6}"/>
+              </a:ext>
+            </a:extLst>
+          </p:cNvPr>
+          <p:cNvSpPr txBox="1"/>
+          <p:nvPr/>
+        </p:nvSpPr>
+        <p:spPr>
+          <a:xfrm>
+            <a:off x="5360149" y="6280298"/>
+            <a:ext cx="1162049" cy="369332"/>
+          </a:xfrm>
+          <a:prstGeom prst="rect">
+            <a:avLst/>
+          </a:prstGeom>
+          <a:noFill/>
+        </p:spPr>
+        <p:txBody>
+          <a:bodyPr wrap="square" rtlCol="0">
+            <a:spAutoFit/>
+          </a:bodyPr>
+          <a:lstStyle/>
+          <a:p>
+            <a:pPr algn="ctr"/>
+            <a:r>
+              <a:rPr lang="zh-CN" altLang="en-US" sz="1800" dirty="0">
+                <a:solidFill>
+                  <a:srgbClr val="002060"/>
+                </a:solidFill>
+                <a:latin typeface="微软雅黑" panose="020B0503020204020204" pitchFamily="34" charset="-122"/>
+                <a:ea typeface="微软雅黑" panose="020B0503020204020204" pitchFamily="34" charset="-122"/>
+              </a:rPr>
+              <a:t>路段</a:t>
+            </a:r>
+            <a:r>
+              <a:rPr lang="en-US" altLang="zh-CN" sz="1800" dirty="0">
+                <a:solidFill>
+                  <a:srgbClr val="002060"/>
+                </a:solidFill>
+                <a:latin typeface="微软雅黑" panose="020B0503020204020204" pitchFamily="34" charset="-122"/>
+                <a:ea typeface="微软雅黑" panose="020B0503020204020204" pitchFamily="34" charset="-122"/>
+              </a:rPr>
+              <a:t>B</a:t>
+            </a:r>
+            <a:endParaRPr lang="zh-CN" altLang="en-US" sz="1800" dirty="0">
+              <a:solidFill>
+                <a:srgbClr val="002060"/>
+              </a:solidFill>
+              <a:latin typeface="微软雅黑" panose="020B0503020204020204" pitchFamily="34" charset="-122"/>
+              <a:ea typeface="微软雅黑" panose="020B0503020204020204" pitchFamily="34" charset="-122"/>
+            </a:endParaRPr>
+          </a:p>
+        </p:txBody>
+      </p:sp>
+      <p:sp>
+        <p:nvSpPr>
+          <p:cNvPr id="11" name="文本框 10">
+            <a:extLst>
+              <a:ext uri="{FF2B5EF4-FFF2-40B4-BE49-F238E27FC236}">
+                <a16:creationId xmlns:a16="http://schemas.microsoft.com/office/drawing/2014/main" id="{693A71BF-3509-4D4E-9E05-4AE31C4F78A1}"/>
+              </a:ext>
+            </a:extLst>
+          </p:cNvPr>
+          <p:cNvSpPr txBox="1"/>
+          <p:nvPr/>
+        </p:nvSpPr>
+        <p:spPr>
+          <a:xfrm>
+            <a:off x="7411403" y="6281035"/>
+            <a:ext cx="1162049" cy="369332"/>
+          </a:xfrm>
+          <a:prstGeom prst="rect">
+            <a:avLst/>
+          </a:prstGeom>
+          <a:noFill/>
+        </p:spPr>
+        <p:txBody>
+          <a:bodyPr wrap="square" rtlCol="0">
+            <a:spAutoFit/>
+          </a:bodyPr>
+          <a:lstStyle/>
+          <a:p>
+            <a:pPr algn="ctr"/>
+            <a:r>
+              <a:rPr lang="zh-CN" altLang="en-US" sz="1800" dirty="0">
+                <a:solidFill>
+                  <a:srgbClr val="002060"/>
+                </a:solidFill>
+                <a:latin typeface="微软雅黑" panose="020B0503020204020204" pitchFamily="34" charset="-122"/>
+                <a:ea typeface="微软雅黑" panose="020B0503020204020204" pitchFamily="34" charset="-122"/>
+              </a:rPr>
+              <a:t>路段</a:t>
+            </a:r>
+            <a:r>
+              <a:rPr lang="en-US" altLang="zh-CN" sz="1800" dirty="0">
+                <a:solidFill>
+                  <a:srgbClr val="002060"/>
+                </a:solidFill>
+                <a:latin typeface="微软雅黑" panose="020B0503020204020204" pitchFamily="34" charset="-122"/>
+                <a:ea typeface="微软雅黑" panose="020B0503020204020204" pitchFamily="34" charset="-122"/>
+              </a:rPr>
+              <a:t>C</a:t>
+            </a:r>
+            <a:endParaRPr lang="zh-CN" altLang="en-US" sz="1800" dirty="0">
+              <a:solidFill>
+                <a:srgbClr val="002060"/>
+              </a:solidFill>
+              <a:latin typeface="微软雅黑" panose="020B0503020204020204" pitchFamily="34" charset="-122"/>
+              <a:ea typeface="微软雅黑" panose="020B0503020204020204" pitchFamily="34" charset="-122"/>
+            </a:endParaRPr>
+          </a:p>
+        </p:txBody>
+      </p:sp>
     </p:spTree>
     <p:extLst>
       <p:ext uri="{BB962C8B-B14F-4D97-AF65-F5344CB8AC3E}">
@@ -48168,7 +50650,13 @@
       </p:sp>
       <p:pic>
         <p:nvPicPr>
-          <p:cNvPr id="59397" name="Picture 4" descr="eventor"/>
+          <p:cNvPr id="5" name="Picture 2">
+            <a:extLst>
+              <a:ext uri="{FF2B5EF4-FFF2-40B4-BE49-F238E27FC236}">
+                <a16:creationId xmlns:a16="http://schemas.microsoft.com/office/drawing/2014/main" id="{48FE31F4-B929-4594-AE7C-FC7E75287A4A}"/>
+              </a:ext>
+            </a:extLst>
+          </p:cNvPr>
           <p:cNvPicPr>
             <a:picLocks noChangeAspect="1" noChangeArrowheads="1"/>
           </p:cNvPicPr>
@@ -48182,23 +50670,19 @@
               </a:ext>
             </a:extLst>
           </a:blip>
-          <a:srcRect/>
           <a:stretch>
             <a:fillRect/>
           </a:stretch>
         </p:blipFill>
         <p:spPr bwMode="auto">
           <a:xfrm>
-            <a:off x="3735414" y="3341969"/>
-            <a:ext cx="4392613" cy="2595562"/>
+            <a:off x="7411404" y="3429000"/>
+            <a:ext cx="1162049" cy="2571750"/>
           </a:xfrm>
           <a:prstGeom prst="rect">
             <a:avLst/>
           </a:prstGeom>
           <a:noFill/>
-          <a:ln>
-            <a:noFill/>
-          </a:ln>
           <a:extLst>
             <a:ext uri="{909E8E84-426E-40DD-AFC4-6F175D3DCCD1}">
               <a14:hiddenFill xmlns:a14="http://schemas.microsoft.com/office/drawing/2010/main">
@@ -48206,20 +50690,228 @@
                   <a:srgbClr val="FFFFFF"/>
                 </a:solidFill>
               </a14:hiddenFill>
-            </a:ext>
-            <a:ext uri="{91240B29-F687-4F45-9708-019B960494DF}">
-              <a14:hiddenLine xmlns:a14="http://schemas.microsoft.com/office/drawing/2010/main" w="9525">
-                <a:solidFill>
-                  <a:srgbClr val="000000"/>
-                </a:solidFill>
-                <a:miter lim="800000"/>
-                <a:headEnd/>
-                <a:tailEnd/>
-              </a14:hiddenLine>
             </a:ext>
           </a:extLst>
         </p:spPr>
       </p:pic>
+      <p:pic>
+        <p:nvPicPr>
+          <p:cNvPr id="6" name="Picture 2">
+            <a:extLst>
+              <a:ext uri="{FF2B5EF4-FFF2-40B4-BE49-F238E27FC236}">
+                <a16:creationId xmlns:a16="http://schemas.microsoft.com/office/drawing/2014/main" id="{D0FFE88E-0EB6-4E0D-92A6-DFB734B4533B}"/>
+              </a:ext>
+            </a:extLst>
+          </p:cNvPr>
+          <p:cNvPicPr>
+            <a:picLocks noChangeAspect="1" noChangeArrowheads="1"/>
+          </p:cNvPicPr>
+          <p:nvPr/>
+        </p:nvPicPr>
+        <p:blipFill>
+          <a:blip r:embed="rId3">
+            <a:extLst>
+              <a:ext uri="{28A0092B-C50C-407E-A947-70E740481C1C}">
+                <a14:useLocalDpi xmlns:a14="http://schemas.microsoft.com/office/drawing/2010/main" val="0"/>
+              </a:ext>
+            </a:extLst>
+          </a:blip>
+          <a:stretch>
+            <a:fillRect/>
+          </a:stretch>
+        </p:blipFill>
+        <p:spPr bwMode="auto">
+          <a:xfrm>
+            <a:off x="3308895" y="3516512"/>
+            <a:ext cx="1162049" cy="2396725"/>
+          </a:xfrm>
+          <a:prstGeom prst="rect">
+            <a:avLst/>
+          </a:prstGeom>
+          <a:noFill/>
+          <a:extLst>
+            <a:ext uri="{909E8E84-426E-40DD-AFC4-6F175D3DCCD1}">
+              <a14:hiddenFill xmlns:a14="http://schemas.microsoft.com/office/drawing/2010/main">
+                <a:solidFill>
+                  <a:srgbClr val="FFFFFF"/>
+                </a:solidFill>
+              </a14:hiddenFill>
+            </a:ext>
+          </a:extLst>
+        </p:spPr>
+      </p:pic>
+      <p:pic>
+        <p:nvPicPr>
+          <p:cNvPr id="7" name="Picture 2">
+            <a:extLst>
+              <a:ext uri="{FF2B5EF4-FFF2-40B4-BE49-F238E27FC236}">
+                <a16:creationId xmlns:a16="http://schemas.microsoft.com/office/drawing/2014/main" id="{E97606F7-B577-4AFB-8150-B494C85AE8CA}"/>
+              </a:ext>
+            </a:extLst>
+          </p:cNvPr>
+          <p:cNvPicPr>
+            <a:picLocks noChangeAspect="1" noChangeArrowheads="1"/>
+          </p:cNvPicPr>
+          <p:nvPr/>
+        </p:nvPicPr>
+        <p:blipFill>
+          <a:blip r:embed="rId3">
+            <a:extLst>
+              <a:ext uri="{28A0092B-C50C-407E-A947-70E740481C1C}">
+                <a14:useLocalDpi xmlns:a14="http://schemas.microsoft.com/office/drawing/2010/main" val="0"/>
+              </a:ext>
+            </a:extLst>
+          </a:blip>
+          <a:stretch>
+            <a:fillRect/>
+          </a:stretch>
+        </p:blipFill>
+        <p:spPr bwMode="auto">
+          <a:xfrm>
+            <a:off x="5360149" y="3516512"/>
+            <a:ext cx="1162049" cy="2396725"/>
+          </a:xfrm>
+          <a:prstGeom prst="rect">
+            <a:avLst/>
+          </a:prstGeom>
+          <a:noFill/>
+          <a:extLst>
+            <a:ext uri="{909E8E84-426E-40DD-AFC4-6F175D3DCCD1}">
+              <a14:hiddenFill xmlns:a14="http://schemas.microsoft.com/office/drawing/2010/main">
+                <a:solidFill>
+                  <a:srgbClr val="FFFFFF"/>
+                </a:solidFill>
+              </a14:hiddenFill>
+            </a:ext>
+          </a:extLst>
+        </p:spPr>
+      </p:pic>
+      <p:sp>
+        <p:nvSpPr>
+          <p:cNvPr id="8" name="文本框 7">
+            <a:extLst>
+              <a:ext uri="{FF2B5EF4-FFF2-40B4-BE49-F238E27FC236}">
+                <a16:creationId xmlns:a16="http://schemas.microsoft.com/office/drawing/2014/main" id="{40683600-EFBC-4F08-A02D-33B010A20875}"/>
+              </a:ext>
+            </a:extLst>
+          </p:cNvPr>
+          <p:cNvSpPr txBox="1"/>
+          <p:nvPr/>
+        </p:nvSpPr>
+        <p:spPr>
+          <a:xfrm>
+            <a:off x="3308895" y="6280298"/>
+            <a:ext cx="1162049" cy="369332"/>
+          </a:xfrm>
+          <a:prstGeom prst="rect">
+            <a:avLst/>
+          </a:prstGeom>
+          <a:noFill/>
+        </p:spPr>
+        <p:txBody>
+          <a:bodyPr wrap="square" rtlCol="0">
+            <a:spAutoFit/>
+          </a:bodyPr>
+          <a:lstStyle/>
+          <a:p>
+            <a:pPr algn="ctr"/>
+            <a:r>
+              <a:rPr lang="zh-CN" altLang="en-US" sz="1800" dirty="0">
+                <a:solidFill>
+                  <a:srgbClr val="002060"/>
+                </a:solidFill>
+                <a:latin typeface="微软雅黑" panose="020B0503020204020204" pitchFamily="34" charset="-122"/>
+                <a:ea typeface="微软雅黑" panose="020B0503020204020204" pitchFamily="34" charset="-122"/>
+              </a:rPr>
+              <a:t>甲门</a:t>
+            </a:r>
+          </a:p>
+        </p:txBody>
+      </p:sp>
+      <p:sp>
+        <p:nvSpPr>
+          <p:cNvPr id="9" name="文本框 8">
+            <a:extLst>
+              <a:ext uri="{FF2B5EF4-FFF2-40B4-BE49-F238E27FC236}">
+                <a16:creationId xmlns:a16="http://schemas.microsoft.com/office/drawing/2014/main" id="{4E724228-EB60-48F5-A5F0-E985DD307A22}"/>
+              </a:ext>
+            </a:extLst>
+          </p:cNvPr>
+          <p:cNvSpPr txBox="1"/>
+          <p:nvPr/>
+        </p:nvSpPr>
+        <p:spPr>
+          <a:xfrm>
+            <a:off x="5360149" y="6280298"/>
+            <a:ext cx="1162049" cy="369332"/>
+          </a:xfrm>
+          <a:prstGeom prst="rect">
+            <a:avLst/>
+          </a:prstGeom>
+          <a:noFill/>
+        </p:spPr>
+        <p:txBody>
+          <a:bodyPr wrap="square" rtlCol="0">
+            <a:spAutoFit/>
+          </a:bodyPr>
+          <a:lstStyle/>
+          <a:p>
+            <a:pPr algn="ctr"/>
+            <a:r>
+              <a:rPr lang="zh-CN" altLang="en-US" sz="1800" dirty="0">
+                <a:solidFill>
+                  <a:srgbClr val="002060"/>
+                </a:solidFill>
+                <a:latin typeface="微软雅黑" panose="020B0503020204020204" pitchFamily="34" charset="-122"/>
+                <a:ea typeface="微软雅黑" panose="020B0503020204020204" pitchFamily="34" charset="-122"/>
+              </a:rPr>
+              <a:t>乙门</a:t>
+            </a:r>
+          </a:p>
+        </p:txBody>
+      </p:sp>
+      <p:sp>
+        <p:nvSpPr>
+          <p:cNvPr id="10" name="文本框 9">
+            <a:extLst>
+              <a:ext uri="{FF2B5EF4-FFF2-40B4-BE49-F238E27FC236}">
+                <a16:creationId xmlns:a16="http://schemas.microsoft.com/office/drawing/2014/main" id="{D4E151FC-3F4C-48EC-BFF1-A4D997454914}"/>
+              </a:ext>
+            </a:extLst>
+          </p:cNvPr>
+          <p:cNvSpPr txBox="1"/>
+          <p:nvPr/>
+        </p:nvSpPr>
+        <p:spPr>
+          <a:xfrm>
+            <a:off x="7411403" y="6281035"/>
+            <a:ext cx="1162049" cy="369332"/>
+          </a:xfrm>
+          <a:prstGeom prst="rect">
+            <a:avLst/>
+          </a:prstGeom>
+          <a:noFill/>
+        </p:spPr>
+        <p:txBody>
+          <a:bodyPr wrap="square" rtlCol="0">
+            <a:spAutoFit/>
+          </a:bodyPr>
+          <a:lstStyle/>
+          <a:p>
+            <a:pPr algn="ctr"/>
+            <a:r>
+              <a:rPr lang="zh-CN" altLang="en-US" sz="1800" dirty="0">
+                <a:solidFill>
+                  <a:srgbClr val="002060"/>
+                </a:solidFill>
+                <a:latin typeface="微软雅黑" panose="020B0503020204020204" pitchFamily="34" charset="-122"/>
+                <a:ea typeface="微软雅黑" panose="020B0503020204020204" pitchFamily="34" charset="-122"/>
+              </a:rPr>
+              <a:t>丙门</a:t>
+            </a:r>
+          </a:p>
+        </p:txBody>
+      </p:sp>
     </p:spTree>
     <p:extLst>
       <p:ext uri="{BB962C8B-B14F-4D97-AF65-F5344CB8AC3E}">
@@ -48584,58 +51276,238 @@
       </p:sp>
       <p:pic>
         <p:nvPicPr>
-          <p:cNvPr id="31749" name="Picture 4" descr="p-c"/>
+          <p:cNvPr id="3" name="图片 2">
+            <a:extLst>
+              <a:ext uri="{FF2B5EF4-FFF2-40B4-BE49-F238E27FC236}">
+                <a16:creationId xmlns:a16="http://schemas.microsoft.com/office/drawing/2014/main" id="{1D719792-942B-44B8-AA4D-742B307F4665}"/>
+              </a:ext>
+            </a:extLst>
+          </p:cNvPr>
           <p:cNvPicPr>
-            <a:picLocks noChangeAspect="1" noChangeArrowheads="1"/>
+            <a:picLocks noChangeAspect="1"/>
           </p:cNvPicPr>
           <p:nvPr/>
         </p:nvPicPr>
         <p:blipFill>
-          <a:blip r:embed="rId2">
+          <a:blip r:embed="rId3">
             <a:extLst>
               <a:ext uri="{28A0092B-C50C-407E-A947-70E740481C1C}">
                 <a14:useLocalDpi xmlns:a14="http://schemas.microsoft.com/office/drawing/2010/main" val="0"/>
               </a:ext>
             </a:extLst>
           </a:blip>
-          <a:srcRect/>
           <a:stretch>
             <a:fillRect/>
           </a:stretch>
         </p:blipFill>
-        <p:spPr bwMode="auto">
+        <p:spPr>
           <a:xfrm>
-            <a:off x="2272056" y="2331331"/>
-            <a:ext cx="6800850" cy="3019425"/>
+            <a:off x="2953143" y="3770049"/>
+            <a:ext cx="6285714" cy="1476190"/>
+          </a:xfrm>
+          <a:prstGeom prst="rect">
+            <a:avLst/>
+          </a:prstGeom>
+        </p:spPr>
+      </p:pic>
+      <p:pic>
+        <p:nvPicPr>
+          <p:cNvPr id="5" name="图片 4">
+            <a:extLst>
+              <a:ext uri="{FF2B5EF4-FFF2-40B4-BE49-F238E27FC236}">
+                <a16:creationId xmlns:a16="http://schemas.microsoft.com/office/drawing/2014/main" id="{569A0B3D-B3F4-4567-81E0-C6C7809B5441}"/>
+              </a:ext>
+            </a:extLst>
+          </p:cNvPr>
+          <p:cNvPicPr>
+            <a:picLocks noChangeAspect="1"/>
+          </p:cNvPicPr>
+          <p:nvPr/>
+        </p:nvPicPr>
+        <p:blipFill>
+          <a:blip r:embed="rId4" cstate="print">
+            <a:extLst>
+              <a:ext uri="{28A0092B-C50C-407E-A947-70E740481C1C}">
+                <a14:useLocalDpi xmlns:a14="http://schemas.microsoft.com/office/drawing/2010/main" val="0"/>
+              </a:ext>
+            </a:extLst>
+          </a:blip>
+          <a:stretch>
+            <a:fillRect/>
+          </a:stretch>
+        </p:blipFill>
+        <p:spPr>
+          <a:xfrm>
+            <a:off x="5980937" y="2112335"/>
+            <a:ext cx="491814" cy="1088442"/>
+          </a:xfrm>
+          <a:prstGeom prst="rect">
+            <a:avLst/>
+          </a:prstGeom>
+        </p:spPr>
+      </p:pic>
+      <p:pic>
+        <p:nvPicPr>
+          <p:cNvPr id="7" name="图片 6">
+            <a:extLst>
+              <a:ext uri="{FF2B5EF4-FFF2-40B4-BE49-F238E27FC236}">
+                <a16:creationId xmlns:a16="http://schemas.microsoft.com/office/drawing/2014/main" id="{2D88A6EE-6F13-4FBE-A5F0-121ED3C1A659}"/>
+              </a:ext>
+            </a:extLst>
+          </p:cNvPr>
+          <p:cNvPicPr>
+            <a:picLocks noChangeAspect="1"/>
+          </p:cNvPicPr>
+          <p:nvPr/>
+        </p:nvPicPr>
+        <p:blipFill>
+          <a:blip r:embed="rId5" cstate="print">
+            <a:extLst>
+              <a:ext uri="{28A0092B-C50C-407E-A947-70E740481C1C}">
+                <a14:useLocalDpi xmlns:a14="http://schemas.microsoft.com/office/drawing/2010/main" val="0"/>
+              </a:ext>
+            </a:extLst>
+          </a:blip>
+          <a:stretch>
+            <a:fillRect/>
+          </a:stretch>
+        </p:blipFill>
+        <p:spPr>
+          <a:xfrm>
+            <a:off x="5980937" y="2112335"/>
+            <a:ext cx="491814" cy="1014366"/>
+          </a:xfrm>
+          <a:prstGeom prst="rect">
+            <a:avLst/>
+          </a:prstGeom>
+        </p:spPr>
+      </p:pic>
+      <p:sp>
+        <p:nvSpPr>
+          <p:cNvPr id="10" name="文本框 9">
+            <a:extLst>
+              <a:ext uri="{FF2B5EF4-FFF2-40B4-BE49-F238E27FC236}">
+                <a16:creationId xmlns:a16="http://schemas.microsoft.com/office/drawing/2014/main" id="{D6F1AE05-6ED1-4C30-A23F-19C4290675B0}"/>
+              </a:ext>
+            </a:extLst>
+          </p:cNvPr>
+          <p:cNvSpPr txBox="1"/>
+          <p:nvPr/>
+        </p:nvSpPr>
+        <p:spPr>
+          <a:xfrm>
+            <a:off x="4483770" y="5630845"/>
+            <a:ext cx="1162049" cy="369332"/>
           </a:xfrm>
           <a:prstGeom prst="rect">
             <a:avLst/>
           </a:prstGeom>
           <a:noFill/>
-          <a:ln>
-            <a:noFill/>
-          </a:ln>
-          <a:extLst>
-            <a:ext uri="{909E8E84-426E-40DD-AFC4-6F175D3DCCD1}">
-              <a14:hiddenFill xmlns:a14="http://schemas.microsoft.com/office/drawing/2010/main">
-                <a:solidFill>
-                  <a:srgbClr val="FFFFFF"/>
-                </a:solidFill>
-              </a14:hiddenFill>
-            </a:ext>
-            <a:ext uri="{91240B29-F687-4F45-9708-019B960494DF}">
-              <a14:hiddenLine xmlns:a14="http://schemas.microsoft.com/office/drawing/2010/main" w="9525">
-                <a:solidFill>
-                  <a:srgbClr val="000000"/>
-                </a:solidFill>
-                <a:miter lim="800000"/>
-                <a:headEnd/>
-                <a:tailEnd/>
-              </a14:hiddenLine>
-            </a:ext>
-          </a:extLst>
         </p:spPr>
-      </p:pic>
+        <p:txBody>
+          <a:bodyPr wrap="square" rtlCol="0">
+            <a:spAutoFit/>
+          </a:bodyPr>
+          <a:lstStyle/>
+          <a:p>
+            <a:pPr algn="ctr"/>
+            <a:r>
+              <a:rPr lang="zh-CN" altLang="en-US" sz="1800" dirty="0">
+                <a:solidFill>
+                  <a:srgbClr val="002060"/>
+                </a:solidFill>
+                <a:latin typeface="微软雅黑" panose="020B0503020204020204" pitchFamily="34" charset="-122"/>
+                <a:ea typeface="微软雅黑" panose="020B0503020204020204" pitchFamily="34" charset="-122"/>
+              </a:rPr>
+              <a:t>生产者</a:t>
+            </a:r>
+          </a:p>
+        </p:txBody>
+      </p:sp>
+      <p:sp>
+        <p:nvSpPr>
+          <p:cNvPr id="11" name="文本框 10">
+            <a:extLst>
+              <a:ext uri="{FF2B5EF4-FFF2-40B4-BE49-F238E27FC236}">
+                <a16:creationId xmlns:a16="http://schemas.microsoft.com/office/drawing/2014/main" id="{F4E372E5-BEE7-4FA6-828C-28E4540C6213}"/>
+              </a:ext>
+            </a:extLst>
+          </p:cNvPr>
+          <p:cNvSpPr txBox="1"/>
+          <p:nvPr/>
+        </p:nvSpPr>
+        <p:spPr>
+          <a:xfrm>
+            <a:off x="6472751" y="5630845"/>
+            <a:ext cx="1162049" cy="369332"/>
+          </a:xfrm>
+          <a:prstGeom prst="rect">
+            <a:avLst/>
+          </a:prstGeom>
+          <a:noFill/>
+        </p:spPr>
+        <p:txBody>
+          <a:bodyPr wrap="square" rtlCol="0">
+            <a:spAutoFit/>
+          </a:bodyPr>
+          <a:lstStyle/>
+          <a:p>
+            <a:pPr algn="ctr"/>
+            <a:r>
+              <a:rPr lang="zh-CN" altLang="en-US" sz="1800" dirty="0">
+                <a:solidFill>
+                  <a:srgbClr val="002060"/>
+                </a:solidFill>
+                <a:latin typeface="微软雅黑" panose="020B0503020204020204" pitchFamily="34" charset="-122"/>
+                <a:ea typeface="微软雅黑" panose="020B0503020204020204" pitchFamily="34" charset="-122"/>
+              </a:rPr>
+              <a:t>消费者</a:t>
+            </a:r>
+          </a:p>
+        </p:txBody>
+      </p:sp>
+      <p:sp>
+        <p:nvSpPr>
+          <p:cNvPr id="12" name="文本框 11">
+            <a:extLst>
+              <a:ext uri="{FF2B5EF4-FFF2-40B4-BE49-F238E27FC236}">
+                <a16:creationId xmlns:a16="http://schemas.microsoft.com/office/drawing/2014/main" id="{DFD20D9C-5864-462E-B7FA-5AD67B6C45E0}"/>
+              </a:ext>
+            </a:extLst>
+          </p:cNvPr>
+          <p:cNvSpPr txBox="1"/>
+          <p:nvPr/>
+        </p:nvSpPr>
+        <p:spPr>
+          <a:xfrm>
+            <a:off x="5645819" y="1650122"/>
+            <a:ext cx="1162049" cy="369332"/>
+          </a:xfrm>
+          <a:prstGeom prst="rect">
+            <a:avLst/>
+          </a:prstGeom>
+          <a:noFill/>
+        </p:spPr>
+        <p:txBody>
+          <a:bodyPr wrap="square" rtlCol="0">
+            <a:spAutoFit/>
+          </a:bodyPr>
+          <a:lstStyle/>
+          <a:p>
+            <a:pPr algn="ctr"/>
+            <a:r>
+              <a:rPr lang="zh-CN" altLang="en-US" sz="1800" dirty="0">
+                <a:solidFill>
+                  <a:srgbClr val="002060"/>
+                </a:solidFill>
+                <a:latin typeface="微软雅黑" panose="020B0503020204020204" pitchFamily="34" charset="-122"/>
+                <a:ea typeface="微软雅黑" panose="020B0503020204020204" pitchFamily="34" charset="-122"/>
+              </a:rPr>
+              <a:t>同步信号</a:t>
+            </a:r>
+          </a:p>
+        </p:txBody>
+      </p:sp>
     </p:spTree>
     <p:extLst>
       <p:ext uri="{BB962C8B-B14F-4D97-AF65-F5344CB8AC3E}">
@@ -49039,7 +51911,7 @@
           <p:nvPr/>
         </p:nvPicPr>
         <p:blipFill>
-          <a:blip r:embed="rId2">
+          <a:blip r:embed="rId3">
             <a:extLst>
               <a:ext uri="{28A0092B-C50C-407E-A947-70E740481C1C}">
                 <a14:useLocalDpi xmlns:a14="http://schemas.microsoft.com/office/drawing/2010/main" val="0"/>

--- a/slides/instruction/principleWindows_3.pptx
+++ b/slides/instruction/principleWindows_3.pptx
@@ -21869,7 +21869,7 @@
           <a:p>
             <a:fld id="{62B690D2-9F6C-4A40-B045-5871089CDE7B}" type="datetimeFigureOut">
               <a:rPr lang="zh-CN" altLang="en-US" smtClean="0"/>
-              <a:t>2021/10/13</a:t>
+              <a:t>2021/10/19</a:t>
             </a:fld>
             <a:endParaRPr lang="zh-CN" altLang="en-US"/>
           </a:p>
@@ -24863,7 +24863,7 @@
           <a:p>
             <a:fld id="{F0A08C6D-CA89-457F-88D7-56281A3E4E44}" type="datetimeFigureOut">
               <a:rPr lang="zh-CN" altLang="en-US" smtClean="0"/>
-              <a:t>2021/10/13</a:t>
+              <a:t>2021/10/19</a:t>
             </a:fld>
             <a:endParaRPr lang="zh-CN" altLang="en-US"/>
           </a:p>
@@ -53296,13 +53296,13 @@
             <a:spLocks noGrp="1" noChangeArrowheads="1"/>
           </p:cNvSpPr>
           <p:nvPr>
-            <p:ph type="title"/>
+            <p:ph type="title" idx="4294967295"/>
           </p:nvPr>
         </p:nvSpPr>
         <p:spPr>
           <a:xfrm>
-            <a:off x="739471" y="3571243"/>
-            <a:ext cx="7140272" cy="718868"/>
+            <a:off x="772632" y="3522256"/>
+            <a:ext cx="7140575" cy="717550"/>
           </a:xfrm>
         </p:spPr>
         <p:txBody>
@@ -53314,11 +53314,21 @@
             <a:pPr lvl="0"/>
             <a:r>
               <a:rPr lang="en-US" altLang="zh-CN" sz="6000" dirty="0">
+                <a:solidFill>
+                  <a:schemeClr val="accent1">
+                    <a:lumMod val="75000"/>
+                  </a:schemeClr>
+                </a:solidFill>
                 <a:latin typeface="Arial Black" panose="020B0A04020102020204" pitchFamily="34" charset="0"/>
               </a:rPr>
               <a:t>THANK YOU !</a:t>
             </a:r>
             <a:endParaRPr lang="zh-CN" altLang="en-US" sz="6000" dirty="0">
+              <a:solidFill>
+                <a:schemeClr val="accent1">
+                  <a:lumMod val="75000"/>
+                </a:schemeClr>
+              </a:solidFill>
               <a:latin typeface="Arial Black" panose="020B0A04020102020204" pitchFamily="34" charset="0"/>
             </a:endParaRPr>
           </a:p>

--- a/slides/instruction/principleWindows_3.pptx
+++ b/slides/instruction/principleWindows_3.pptx
@@ -21869,7 +21869,7 @@
           <a:p>
             <a:fld id="{62B690D2-9F6C-4A40-B045-5871089CDE7B}" type="datetimeFigureOut">
               <a:rPr lang="zh-CN" altLang="en-US" smtClean="0"/>
-              <a:t>2021/10/19</a:t>
+              <a:t>2021/10/24</a:t>
             </a:fld>
             <a:endParaRPr lang="zh-CN" altLang="en-US"/>
           </a:p>
@@ -24863,7 +24863,7 @@
           <a:p>
             <a:fld id="{F0A08C6D-CA89-457F-88D7-56281A3E4E44}" type="datetimeFigureOut">
               <a:rPr lang="zh-CN" altLang="en-US" smtClean="0"/>
-              <a:t>2021/10/19</a:t>
+              <a:t>2021/10/24</a:t>
             </a:fld>
             <a:endParaRPr lang="zh-CN" altLang="en-US"/>
           </a:p>
@@ -27588,10 +27588,10 @@
       </p:sp>
       <p:sp>
         <p:nvSpPr>
-          <p:cNvPr id="5" name="副标题 2">
+          <p:cNvPr id="6" name="副标题 2">
             <a:extLst>
               <a:ext uri="{FF2B5EF4-FFF2-40B4-BE49-F238E27FC236}">
-                <a16:creationId xmlns:a16="http://schemas.microsoft.com/office/drawing/2014/main" id="{B9E48104-BCDB-4EB2-903B-BAFA710D4F86}"/>
+                <a16:creationId xmlns:a16="http://schemas.microsoft.com/office/drawing/2014/main" id="{25DB50E5-2294-4A31-9065-95056BFD280D}"/>
               </a:ext>
             </a:extLst>
           </p:cNvPr>
@@ -27603,7 +27603,7 @@
         <p:spPr>
           <a:xfrm>
             <a:off x="114624" y="4725144"/>
-            <a:ext cx="6075783" cy="1805464"/>
+            <a:ext cx="6242633" cy="1805464"/>
           </a:xfrm>
         </p:spPr>
         <p:txBody>
@@ -27842,11 +27842,10 @@
           </a:p>
           <a:p>
             <a:pPr marL="0" indent="0" algn="r">
-              <a:buFont typeface="Arial" panose="020B0604020202020204" pitchFamily="34" charset="0"/>
               <a:buNone/>
             </a:pPr>
             <a:r>
-              <a:rPr lang="en-US" altLang="zh-CN" sz="2400" dirty="0">
+              <a:rPr lang="en-US" altLang="zh-CN" sz="2000" dirty="0">
                 <a:solidFill>
                   <a:schemeClr val="accent1">
                     <a:lumMod val="75000"/>
@@ -27855,7 +27854,7 @@
                 <a:latin typeface="Arial" panose="020B0604020202020204" pitchFamily="34" charset="0"/>
                 <a:cs typeface="Arial" panose="020B0604020202020204" pitchFamily="34" charset="0"/>
               </a:rPr>
-              <a:t>https://gitee.com/wuhanuniversity/</a:t>
+              <a:t>https://gitee.com/principlewindows/win-principle-2021</a:t>
             </a:r>
           </a:p>
         </p:txBody>

--- a/slides/instruction/principleWindows_3.pptx
+++ b/slides/instruction/principleWindows_3.pptx
@@ -21869,7 +21869,7 @@
           <a:p>
             <a:fld id="{62B690D2-9F6C-4A40-B045-5871089CDE7B}" type="datetimeFigureOut">
               <a:rPr lang="zh-CN" altLang="en-US" smtClean="0"/>
-              <a:t>2021/10/24</a:t>
+              <a:t>2021/11/16</a:t>
             </a:fld>
             <a:endParaRPr lang="zh-CN" altLang="en-US"/>
           </a:p>
@@ -24863,7 +24863,7 @@
           <a:p>
             <a:fld id="{F0A08C6D-CA89-457F-88D7-56281A3E4E44}" type="datetimeFigureOut">
               <a:rPr lang="zh-CN" altLang="en-US" smtClean="0"/>
-              <a:t>2021/10/24</a:t>
+              <a:t>2021/11/16</a:t>
             </a:fld>
             <a:endParaRPr lang="zh-CN" altLang="en-US"/>
           </a:p>
@@ -27812,7 +27812,6 @@
           </a:p>
           <a:p>
             <a:pPr marL="0" indent="0" algn="r">
-              <a:buFont typeface="Arial" panose="020B0604020202020204" pitchFamily="34" charset="0"/>
               <a:buNone/>
             </a:pPr>
             <a:r>
@@ -27825,7 +27824,7 @@
                 <a:latin typeface="Arial" panose="020B0604020202020204" pitchFamily="34" charset="0"/>
                 <a:cs typeface="Arial" panose="020B0604020202020204" pitchFamily="34" charset="0"/>
               </a:rPr>
-              <a:t>jicheng</a:t>
+              <a:t>jichengwhu</a:t>
             </a:r>
             <a:r>
               <a:rPr lang="en-US" altLang="zh-CN" sz="2400" dirty="0">
@@ -27837,8 +27836,29 @@
                 <a:latin typeface="Arial" panose="020B0604020202020204" pitchFamily="34" charset="0"/>
                 <a:cs typeface="Arial" panose="020B0604020202020204" pitchFamily="34" charset="0"/>
               </a:rPr>
-              <a:t> @ yahoo . com</a:t>
-            </a:r>
+              <a:t> @ 163 . </a:t>
+            </a:r>
+            <a:r>
+              <a:rPr lang="en-US" altLang="zh-CN" sz="2400">
+                <a:solidFill>
+                  <a:schemeClr val="accent1">
+                    <a:lumMod val="75000"/>
+                  </a:schemeClr>
+                </a:solidFill>
+                <a:latin typeface="Arial" panose="020B0604020202020204" pitchFamily="34" charset="0"/>
+                <a:cs typeface="Arial" panose="020B0604020202020204" pitchFamily="34" charset="0"/>
+              </a:rPr>
+              <a:t>com</a:t>
+            </a:r>
+            <a:endParaRPr lang="en-US" altLang="zh-CN" sz="2400" dirty="0">
+              <a:solidFill>
+                <a:schemeClr val="accent1">
+                  <a:lumMod val="75000"/>
+                </a:schemeClr>
+              </a:solidFill>
+              <a:latin typeface="Arial" panose="020B0604020202020204" pitchFamily="34" charset="0"/>
+              <a:cs typeface="Arial" panose="020B0604020202020204" pitchFamily="34" charset="0"/>
+            </a:endParaRPr>
           </a:p>
           <a:p>
             <a:pPr marL="0" indent="0" algn="r">
